--- a/Lessions/Bai-12-headLight-RGB-Led-Reka-bit/Bai-12-headLight-RGB-Led-Reka-bit.pptx
+++ b/Lessions/Bai-12-headLight-RGB-Led-Reka-bit/Bai-12-headLight-RGB-Led-Reka-bit.pptx
@@ -5,7 +5,7 @@
     <p:sldMasterId id="2147483660" r:id="rId1"/>
   </p:sldMasterIdLst>
   <p:notesMasterIdLst>
-    <p:notesMasterId r:id="rId17"/>
+    <p:notesMasterId r:id="rId18"/>
   </p:notesMasterIdLst>
   <p:sldIdLst>
     <p:sldId id="256" r:id="rId2"/>
@@ -15,14 +15,15 @@
     <p:sldId id="284" r:id="rId6"/>
     <p:sldId id="285" r:id="rId7"/>
     <p:sldId id="286" r:id="rId8"/>
-    <p:sldId id="287" r:id="rId9"/>
-    <p:sldId id="288" r:id="rId10"/>
-    <p:sldId id="289" r:id="rId11"/>
-    <p:sldId id="290" r:id="rId12"/>
-    <p:sldId id="266" r:id="rId13"/>
-    <p:sldId id="268" r:id="rId14"/>
-    <p:sldId id="277" r:id="rId15"/>
-    <p:sldId id="291" r:id="rId16"/>
+    <p:sldId id="292" r:id="rId9"/>
+    <p:sldId id="287" r:id="rId10"/>
+    <p:sldId id="288" r:id="rId11"/>
+    <p:sldId id="289" r:id="rId12"/>
+    <p:sldId id="290" r:id="rId13"/>
+    <p:sldId id="266" r:id="rId14"/>
+    <p:sldId id="268" r:id="rId15"/>
+    <p:sldId id="277" r:id="rId16"/>
+    <p:sldId id="291" r:id="rId17"/>
   </p:sldIdLst>
   <p:sldSz cx="9144000" cy="6858000" type="screen4x3"/>
   <p:notesSz cx="6858000" cy="9144000"/>
@@ -2520,16 +2521,7 @@
                 </a:solidFill>
                 <a:latin typeface="GT Walsheim Bold" panose="00000800000000000000" pitchFamily="2" charset="0"/>
               </a:rPr>
-              <a:t>BÀI </a:t>
-            </a:r>
-            <a:r>
-              <a:rPr lang="en-US" sz="3600" b="1" dirty="0" smtClean="0">
-                <a:solidFill>
-                  <a:schemeClr val="bg1"/>
-                </a:solidFill>
-                <a:latin typeface="GT Walsheim Bold" panose="00000800000000000000" pitchFamily="2" charset="0"/>
-              </a:rPr>
-              <a:t>12</a:t>
+              <a:t>BÀI 12</a:t>
             </a:r>
             <a:endParaRPr lang="en-US" sz="3600" b="1" dirty="0">
               <a:solidFill>
@@ -2583,13 +2575,6 @@
               </a:rPr>
               <a:t>Light và RGB LED trên reka:bit</a:t>
             </a:r>
-            <a:endParaRPr lang="en-US" sz="4000" b="1" dirty="0">
-              <a:solidFill>
-                <a:schemeClr val="bg1"/>
-              </a:solidFill>
-              <a:latin typeface="GT Walsheim Bold" panose="00000800000000000000" pitchFamily="2" charset="0"/>
-              <a:ea typeface="Roboto" pitchFamily="2" charset="0"/>
-            </a:endParaRPr>
           </a:p>
         </p:txBody>
       </p:sp>
@@ -2732,50 +2717,8 @@
                 <a:latin typeface="UTM Helve" panose="02040603050506020204" pitchFamily="18" charset="0"/>
                 <a:ea typeface="Roboto" pitchFamily="2" charset="0"/>
               </a:rPr>
-              <a:t>12.4 Head Light</a:t>
-            </a:r>
-            <a:endParaRPr lang="en-US" sz="2400" b="1" dirty="0">
-              <a:solidFill>
-                <a:srgbClr val="64C7E9"/>
-              </a:solidFill>
-              <a:latin typeface="UTM Helve" panose="02040603050506020204" pitchFamily="18" charset="0"/>
-              <a:ea typeface="Roboto" pitchFamily="2" charset="0"/>
-            </a:endParaRPr>
-          </a:p>
-        </p:txBody>
-      </p:sp>
-      <p:sp>
-        <p:nvSpPr>
-          <p:cNvPr id="5" name="TextBox 4"/>
-          <p:cNvSpPr txBox="1"/>
-          <p:nvPr/>
-        </p:nvSpPr>
-        <p:spPr>
-          <a:xfrm>
-            <a:off x="473627" y="1280136"/>
-            <a:ext cx="8074025" cy="400110"/>
-          </a:xfrm>
-          <a:prstGeom prst="rect">
-            <a:avLst/>
-          </a:prstGeom>
-          <a:noFill/>
-        </p:spPr>
-        <p:txBody>
-          <a:bodyPr wrap="square" rtlCol="0">
-            <a:spAutoFit/>
-          </a:bodyPr>
-          <a:lstStyle/>
-          <a:p>
-            <a:r>
-              <a:rPr lang="en-US" sz="2000" dirty="0" smtClean="0">
-                <a:cs typeface="Arial" panose="020B0604020202020204" pitchFamily="34" charset="0"/>
-              </a:rPr>
-              <a:t>Trong bài học này chúng ta tìm hiểu cách điều khiển đèn trước</a:t>
-            </a:r>
-            <a:endParaRPr lang="en-US" sz="2000" dirty="0">
-              <a:latin typeface="Arial" panose="020B0604020202020204" pitchFamily="34" charset="0"/>
-              <a:cs typeface="Arial" panose="020B0604020202020204" pitchFamily="34" charset="0"/>
-            </a:endParaRPr>
+              <a:t>12.3 RGB LED</a:t>
+            </a:r>
           </a:p>
         </p:txBody>
       </p:sp>
@@ -2787,7 +2730,7 @@
         </p:nvSpPr>
         <p:spPr>
           <a:xfrm>
-            <a:off x="644352" y="2068339"/>
+            <a:off x="644352" y="2889974"/>
             <a:ext cx="171494" cy="171494"/>
           </a:xfrm>
           <a:prstGeom prst="rect">
@@ -2833,8 +2776,8 @@
         </p:nvSpPr>
         <p:spPr>
           <a:xfrm>
-            <a:off x="924201" y="1968856"/>
-            <a:ext cx="3436673" cy="1015663"/>
+            <a:off x="924201" y="2790491"/>
+            <a:ext cx="3436673" cy="707886"/>
           </a:xfrm>
           <a:prstGeom prst="rect">
             <a:avLst/>
@@ -2848,16 +2791,10 @@
           <a:lstStyle/>
           <a:p>
             <a:r>
-              <a:rPr lang="en-US" sz="2000" b="1" dirty="0" smtClean="0">
-                <a:cs typeface="Arial" panose="020B0604020202020204" pitchFamily="34" charset="0"/>
-              </a:rPr>
-              <a:t>Set left/right headlight to on/off</a:t>
-            </a:r>
-            <a:r>
               <a:rPr lang="en-US" sz="2000" dirty="0" smtClean="0">
                 <a:cs typeface="Arial" panose="020B0604020202020204" pitchFamily="34" charset="0"/>
               </a:rPr>
-              <a:t>: bật hoặc tắt đèn trái hoặc phải</a:t>
+              <a:t>Nhấn nút A thì bật đèn RGB LED số 0 với màu Đỏ</a:t>
             </a:r>
             <a:endParaRPr lang="en-US" dirty="0">
               <a:latin typeface="Arial" panose="020B0604020202020204" pitchFamily="34" charset="0"/>
@@ -2868,13 +2805,13 @@
       </p:sp>
       <p:sp>
         <p:nvSpPr>
-          <p:cNvPr id="10" name="Rectangle 9"/>
+          <p:cNvPr id="8" name="Rectangle 7"/>
           <p:cNvSpPr/>
           <p:nvPr/>
         </p:nvSpPr>
         <p:spPr>
           <a:xfrm>
-            <a:off x="644352" y="3410942"/>
+            <a:off x="644352" y="4260543"/>
             <a:ext cx="171494" cy="171494"/>
           </a:xfrm>
           <a:prstGeom prst="rect">
@@ -2914,67 +2851,23 @@
       </p:sp>
       <p:sp>
         <p:nvSpPr>
-          <p:cNvPr id="11" name="TextBox 10"/>
-          <p:cNvSpPr txBox="1"/>
-          <p:nvPr/>
-        </p:nvSpPr>
-        <p:spPr>
-          <a:xfrm>
-            <a:off x="924201" y="3245199"/>
-            <a:ext cx="3436673" cy="1015663"/>
-          </a:xfrm>
-          <a:prstGeom prst="rect">
-            <a:avLst/>
-          </a:prstGeom>
-          <a:noFill/>
-        </p:spPr>
-        <p:txBody>
-          <a:bodyPr wrap="square" rtlCol="0">
-            <a:spAutoFit/>
-          </a:bodyPr>
-          <a:lstStyle/>
-          <a:p>
-            <a:r>
-              <a:rPr lang="en-US" sz="2000" b="1" dirty="0" smtClean="0">
-                <a:cs typeface="Arial" panose="020B0604020202020204" pitchFamily="34" charset="0"/>
-              </a:rPr>
-              <a:t>Toggle left/right headlight</a:t>
-            </a:r>
-            <a:r>
-              <a:rPr lang="en-US" sz="2000" dirty="0" smtClean="0">
-                <a:cs typeface="Arial" panose="020B0604020202020204" pitchFamily="34" charset="0"/>
-              </a:rPr>
-              <a:t>: nếu đèn trái hoặc phải đang mở thì tắt và ngược lại.</a:t>
-            </a:r>
-            <a:endParaRPr lang="en-US" dirty="0">
-              <a:latin typeface="Arial" panose="020B0604020202020204" pitchFamily="34" charset="0"/>
-              <a:cs typeface="Arial" panose="020B0604020202020204" pitchFamily="34" charset="0"/>
-            </a:endParaRPr>
-          </a:p>
-        </p:txBody>
-      </p:sp>
-      <p:sp>
-        <p:nvSpPr>
-          <p:cNvPr id="21" name="Rounded Rectangle 20"/>
+          <p:cNvPr id="10" name="Rectangle 9"/>
           <p:cNvSpPr/>
           <p:nvPr/>
         </p:nvSpPr>
         <p:spPr>
           <a:xfrm>
-            <a:off x="473627" y="1881810"/>
-            <a:ext cx="4098373" cy="2597425"/>
-          </a:xfrm>
-          <a:prstGeom prst="roundRect">
-            <a:avLst>
-              <a:gd name="adj" fmla="val 3719"/>
-            </a:avLst>
-          </a:prstGeom>
-          <a:noFill/>
-          <a:ln w="28575">
-            <a:solidFill>
-              <a:srgbClr val="64C7E9"/>
-            </a:solidFill>
-            <a:prstDash val="sysDash"/>
+            <a:off x="644352" y="5591360"/>
+            <a:ext cx="171494" cy="171494"/>
+          </a:xfrm>
+          <a:prstGeom prst="rect">
+            <a:avLst/>
+          </a:prstGeom>
+          <a:solidFill>
+            <a:srgbClr val="64C7E9"/>
+          </a:solidFill>
+          <a:ln>
+            <a:noFill/>
           </a:ln>
         </p:spPr>
         <p:style>
@@ -3002,6 +2895,54 @@
           </a:p>
         </p:txBody>
       </p:sp>
+      <p:sp>
+        <p:nvSpPr>
+          <p:cNvPr id="21" name="TextBox 20"/>
+          <p:cNvSpPr txBox="1"/>
+          <p:nvPr/>
+        </p:nvSpPr>
+        <p:spPr>
+          <a:xfrm>
+            <a:off x="1098981" y="1272143"/>
+            <a:ext cx="4122376" cy="461665"/>
+          </a:xfrm>
+          <a:prstGeom prst="rect">
+            <a:avLst/>
+          </a:prstGeom>
+          <a:noFill/>
+        </p:spPr>
+        <p:txBody>
+          <a:bodyPr wrap="square" rtlCol="0">
+            <a:spAutoFit/>
+          </a:bodyPr>
+          <a:lstStyle/>
+          <a:p>
+            <a:r>
+              <a:rPr lang="en-US" sz="2400" b="1" dirty="0" smtClean="0">
+                <a:solidFill>
+                  <a:schemeClr val="tx1">
+                    <a:lumMod val="85000"/>
+                    <a:lumOff val="15000"/>
+                  </a:schemeClr>
+                </a:solidFill>
+                <a:latin typeface="UTM Helve" panose="02040603050506020204" pitchFamily="18" charset="0"/>
+                <a:ea typeface="Roboto" pitchFamily="2" charset="0"/>
+              </a:rPr>
+              <a:t>Thao tác với Makcode</a:t>
+            </a:r>
+            <a:endParaRPr lang="en-US" sz="2400" b="1" dirty="0">
+              <a:solidFill>
+                <a:schemeClr val="tx1">
+                  <a:lumMod val="85000"/>
+                  <a:lumOff val="15000"/>
+                </a:schemeClr>
+              </a:solidFill>
+              <a:latin typeface="UTM Helve" panose="02040603050506020204" pitchFamily="18" charset="0"/>
+              <a:ea typeface="Roboto" pitchFamily="2" charset="0"/>
+            </a:endParaRPr>
+          </a:p>
+        </p:txBody>
+      </p:sp>
       <p:pic>
         <p:nvPicPr>
           <p:cNvPr id="22" name="Picture 21"/>
@@ -3011,112 +2952,7 @@
           <p:nvPr/>
         </p:nvPicPr>
         <p:blipFill>
-          <a:blip r:embed="rId2"/>
-          <a:stretch>
-            <a:fillRect/>
-          </a:stretch>
-        </p:blipFill>
-        <p:spPr>
-          <a:xfrm>
-            <a:off x="5022574" y="1968856"/>
-            <a:ext cx="2800741" cy="590632"/>
-          </a:xfrm>
-          <a:prstGeom prst="rect">
-            <a:avLst/>
-          </a:prstGeom>
-        </p:spPr>
-      </p:pic>
-      <p:pic>
-        <p:nvPicPr>
-          <p:cNvPr id="23" name="Picture 22"/>
-          <p:cNvPicPr>
-            <a:picLocks noChangeAspect="1"/>
-          </p:cNvPicPr>
-          <p:nvPr/>
-        </p:nvPicPr>
-        <p:blipFill>
-          <a:blip r:embed="rId3"/>
-          <a:stretch>
-            <a:fillRect/>
-          </a:stretch>
-        </p:blipFill>
-        <p:spPr>
-          <a:xfrm>
-            <a:off x="5022574" y="3232792"/>
-            <a:ext cx="2133898" cy="581106"/>
-          </a:xfrm>
-          <a:prstGeom prst="rect">
-            <a:avLst/>
-          </a:prstGeom>
-        </p:spPr>
-      </p:pic>
-      <p:sp>
-        <p:nvSpPr>
-          <p:cNvPr id="24" name="Rounded Rectangle 23"/>
-          <p:cNvSpPr/>
-          <p:nvPr/>
-        </p:nvSpPr>
-        <p:spPr>
-          <a:xfrm>
-            <a:off x="473627" y="4985008"/>
-            <a:ext cx="7928251" cy="1183688"/>
-          </a:xfrm>
-          <a:prstGeom prst="roundRect">
-            <a:avLst>
-              <a:gd name="adj" fmla="val 12992"/>
-            </a:avLst>
-          </a:prstGeom>
-          <a:gradFill flip="none" rotWithShape="1">
-            <a:gsLst>
-              <a:gs pos="15000">
-                <a:srgbClr val="67C7DF"/>
-              </a:gs>
-              <a:gs pos="100000">
-                <a:srgbClr val="5EB130"/>
-              </a:gs>
-            </a:gsLst>
-            <a:lin ang="0" scaled="1"/>
-            <a:tileRect/>
-          </a:gradFill>
-          <a:ln>
-            <a:noFill/>
-          </a:ln>
-        </p:spPr>
-        <p:style>
-          <a:lnRef idx="2">
-            <a:schemeClr val="accent1">
-              <a:shade val="50000"/>
-            </a:schemeClr>
-          </a:lnRef>
-          <a:fillRef idx="1">
-            <a:schemeClr val="accent1"/>
-          </a:fillRef>
-          <a:effectRef idx="0">
-            <a:schemeClr val="accent1"/>
-          </a:effectRef>
-          <a:fontRef idx="minor">
-            <a:schemeClr val="lt1"/>
-          </a:fontRef>
-        </p:style>
-        <p:txBody>
-          <a:bodyPr rtlCol="0" anchor="ctr"/>
-          <a:lstStyle/>
-          <a:p>
-            <a:pPr algn="ctr"/>
-            <a:endParaRPr lang="en-US"/>
-          </a:p>
-        </p:txBody>
-      </p:sp>
-      <p:pic>
-        <p:nvPicPr>
-          <p:cNvPr id="25" name="Picture 24"/>
-          <p:cNvPicPr>
-            <a:picLocks noChangeAspect="1"/>
-          </p:cNvPicPr>
-          <p:nvPr/>
-        </p:nvPicPr>
-        <p:blipFill>
-          <a:blip r:embed="rId4">
+          <a:blip r:embed="rId2">
             <a:extLst>
               <a:ext uri="{28A0092B-C50C-407E-A947-70E740481C1C}">
                 <a14:useLocalDpi xmlns:a14="http://schemas.microsoft.com/office/drawing/2010/main" val="0"/>
@@ -3129,24 +2965,72 @@
         </p:blipFill>
         <p:spPr>
           <a:xfrm>
-            <a:off x="6948487" y="4035043"/>
-            <a:ext cx="1749655" cy="1644413"/>
+            <a:off x="542728" y="1345100"/>
+            <a:ext cx="466725" cy="409575"/>
           </a:xfrm>
           <a:prstGeom prst="rect">
             <a:avLst/>
           </a:prstGeom>
         </p:spPr>
       </p:pic>
-      <p:sp>
-        <p:nvSpPr>
-          <p:cNvPr id="26" name="TextBox 25"/>
+      <p:pic>
+        <p:nvPicPr>
+          <p:cNvPr id="23" name="Picture 22"/>
+          <p:cNvPicPr>
+            <a:picLocks noChangeAspect="1"/>
+          </p:cNvPicPr>
+          <p:nvPr/>
+        </p:nvPicPr>
+        <p:blipFill>
+          <a:blip r:embed="rId3"/>
+          <a:stretch>
+            <a:fillRect/>
+          </a:stretch>
+        </p:blipFill>
+        <p:spPr>
+          <a:xfrm>
+            <a:off x="4721207" y="2461309"/>
+            <a:ext cx="2429214" cy="1200318"/>
+          </a:xfrm>
+          <a:prstGeom prst="rect">
+            <a:avLst/>
+          </a:prstGeom>
+        </p:spPr>
+      </p:pic>
+      <p:pic>
+        <p:nvPicPr>
+          <p:cNvPr id="24" name="Picture 23"/>
+          <p:cNvPicPr>
+            <a:picLocks noChangeAspect="1"/>
+          </p:cNvPicPr>
+          <p:nvPr/>
+        </p:nvPicPr>
+        <p:blipFill>
+          <a:blip r:embed="rId4"/>
+          <a:stretch>
+            <a:fillRect/>
+          </a:stretch>
+        </p:blipFill>
+        <p:spPr>
+          <a:xfrm>
+            <a:off x="4695611" y="3834783"/>
+            <a:ext cx="2400635" cy="1143160"/>
+          </a:xfrm>
+          <a:prstGeom prst="rect">
+            <a:avLst/>
+          </a:prstGeom>
+        </p:spPr>
+      </p:pic>
+      <p:sp>
+        <p:nvSpPr>
+          <p:cNvPr id="25" name="TextBox 24"/>
           <p:cNvSpPr txBox="1"/>
           <p:nvPr/>
         </p:nvSpPr>
         <p:spPr>
           <a:xfrm>
-            <a:off x="1590261" y="5229347"/>
-            <a:ext cx="5358226" cy="707886"/>
+            <a:off x="924201" y="4128960"/>
+            <a:ext cx="3436673" cy="707886"/>
           </a:xfrm>
           <a:prstGeom prst="rect">
             <a:avLst/>
@@ -3161,30 +3045,121 @@
           <a:p>
             <a:r>
               <a:rPr lang="en-US" sz="2000" dirty="0" smtClean="0">
-                <a:solidFill>
-                  <a:schemeClr val="bg1"/>
-                </a:solidFill>
-              </a:rPr>
-              <a:t>Bạn có thể dùng kết hợp với cảm biến ánh sáng, khi trời tối thì tự động bật đèn trước lên</a:t>
-            </a:r>
-            <a:endParaRPr lang="en-US" sz="2000" dirty="0">
-              <a:solidFill>
-                <a:schemeClr val="bg1"/>
-              </a:solidFill>
+                <a:cs typeface="Arial" panose="020B0604020202020204" pitchFamily="34" charset="0"/>
+              </a:rPr>
+              <a:t>Nhấn nút B thì bật đèn RGB LED số 1 với màu Blue</a:t>
+            </a:r>
+            <a:endParaRPr lang="en-US" dirty="0">
+              <a:latin typeface="Arial" panose="020B0604020202020204" pitchFamily="34" charset="0"/>
+              <a:cs typeface="Arial" panose="020B0604020202020204" pitchFamily="34" charset="0"/>
+            </a:endParaRPr>
+          </a:p>
+        </p:txBody>
+      </p:sp>
+      <p:sp>
+        <p:nvSpPr>
+          <p:cNvPr id="26" name="TextBox 25"/>
+          <p:cNvSpPr txBox="1"/>
+          <p:nvPr/>
+        </p:nvSpPr>
+        <p:spPr>
+          <a:xfrm>
+            <a:off x="924201" y="5467434"/>
+            <a:ext cx="3436673" cy="707886"/>
+          </a:xfrm>
+          <a:prstGeom prst="rect">
+            <a:avLst/>
+          </a:prstGeom>
+          <a:noFill/>
+        </p:spPr>
+        <p:txBody>
+          <a:bodyPr wrap="square" rtlCol="0">
+            <a:spAutoFit/>
+          </a:bodyPr>
+          <a:lstStyle/>
+          <a:p>
+            <a:r>
+              <a:rPr lang="en-US" sz="2000" dirty="0" smtClean="0">
+                <a:cs typeface="Arial" panose="020B0604020202020204" pitchFamily="34" charset="0"/>
+              </a:rPr>
+              <a:t>Nhấn nút A+B thì tắt tất cả đèn RGB LED</a:t>
+            </a:r>
+            <a:endParaRPr lang="en-US" dirty="0">
+              <a:latin typeface="Arial" panose="020B0604020202020204" pitchFamily="34" charset="0"/>
+              <a:cs typeface="Arial" panose="020B0604020202020204" pitchFamily="34" charset="0"/>
             </a:endParaRPr>
           </a:p>
         </p:txBody>
       </p:sp>
       <p:pic>
         <p:nvPicPr>
-          <p:cNvPr id="28" name="Picture 27"/>
+          <p:cNvPr id="27" name="Picture 26"/>
           <p:cNvPicPr>
             <a:picLocks noChangeAspect="1"/>
           </p:cNvPicPr>
           <p:nvPr/>
         </p:nvPicPr>
         <p:blipFill>
-          <a:blip r:embed="rId5" cstate="print">
+          <a:blip r:embed="rId5"/>
+          <a:stretch>
+            <a:fillRect/>
+          </a:stretch>
+        </p:blipFill>
+        <p:spPr>
+          <a:xfrm>
+            <a:off x="4721207" y="5162695"/>
+            <a:ext cx="2086266" cy="1200318"/>
+          </a:xfrm>
+          <a:prstGeom prst="rect">
+            <a:avLst/>
+          </a:prstGeom>
+        </p:spPr>
+      </p:pic>
+      <p:sp>
+        <p:nvSpPr>
+          <p:cNvPr id="29" name="TextBox 28"/>
+          <p:cNvSpPr txBox="1"/>
+          <p:nvPr/>
+        </p:nvSpPr>
+        <p:spPr>
+          <a:xfrm>
+            <a:off x="542728" y="1810720"/>
+            <a:ext cx="8113782" cy="400110"/>
+          </a:xfrm>
+          <a:prstGeom prst="rect">
+            <a:avLst/>
+          </a:prstGeom>
+          <a:noFill/>
+        </p:spPr>
+        <p:txBody>
+          <a:bodyPr wrap="square" rtlCol="0">
+            <a:spAutoFit/>
+          </a:bodyPr>
+          <a:lstStyle/>
+          <a:p>
+            <a:r>
+              <a:rPr lang="en-US" sz="2000" dirty="0" smtClean="0">
+                <a:cs typeface="Arial" panose="020B0604020202020204" pitchFamily="34" charset="0"/>
+              </a:rPr>
+              <a:t>Ví dụ tham khảo về cách bật và tắt, chọn màu cho các đèn RGB LED</a:t>
+            </a:r>
+            <a:endParaRPr lang="en-US" dirty="0">
+              <a:latin typeface="Arial" panose="020B0604020202020204" pitchFamily="34" charset="0"/>
+              <a:cs typeface="Arial" panose="020B0604020202020204" pitchFamily="34" charset="0"/>
+            </a:endParaRPr>
+          </a:p>
+        </p:txBody>
+      </p:sp>
+      <p:pic>
+        <p:nvPicPr>
+          <p:cNvPr id="30" name="Picture 29"/>
+          <p:cNvPicPr>
+            <a:picLocks noChangeAspect="1"/>
+          </p:cNvPicPr>
+          <p:nvPr/>
+        </p:nvPicPr>
+        <p:blipFill>
+          <a:blip r:embed="rId6" cstate="print">
             <a:extLst>
               <a:ext uri="{28A0092B-C50C-407E-A947-70E740481C1C}">
                 <a14:useLocalDpi xmlns:a14="http://schemas.microsoft.com/office/drawing/2010/main" val="0"/>
@@ -3197,8 +3172,8 @@
         </p:blipFill>
         <p:spPr>
           <a:xfrm>
-            <a:off x="730099" y="5120764"/>
-            <a:ext cx="740892" cy="852026"/>
+            <a:off x="7150421" y="4818903"/>
+            <a:ext cx="1425474" cy="1544913"/>
           </a:xfrm>
           <a:prstGeom prst="rect">
             <a:avLst/>
@@ -3208,7 +3183,7 @@
     </p:spTree>
     <p:extLst>
       <p:ext uri="{BB962C8B-B14F-4D97-AF65-F5344CB8AC3E}">
-        <p14:creationId xmlns:p14="http://schemas.microsoft.com/office/powerpoint/2010/main" val="4186408214"/>
+        <p14:creationId xmlns:p14="http://schemas.microsoft.com/office/powerpoint/2010/main" val="996229113"/>
       </p:ext>
     </p:extLst>
   </p:cSld>
@@ -3344,14 +3319,42 @@
                 <a:latin typeface="UTM Helve" panose="02040603050506020204" pitchFamily="18" charset="0"/>
                 <a:ea typeface="Roboto" pitchFamily="2" charset="0"/>
               </a:rPr>
-              <a:t>12.3 RGB LED</a:t>
-            </a:r>
-            <a:endParaRPr lang="en-US" sz="2400" b="1" dirty="0">
-              <a:solidFill>
-                <a:srgbClr val="64C7E9"/>
-              </a:solidFill>
-              <a:latin typeface="UTM Helve" panose="02040603050506020204" pitchFamily="18" charset="0"/>
-              <a:ea typeface="Roboto" pitchFamily="2" charset="0"/>
+              <a:t>12.4 Head Light</a:t>
+            </a:r>
+          </a:p>
+        </p:txBody>
+      </p:sp>
+      <p:sp>
+        <p:nvSpPr>
+          <p:cNvPr id="5" name="TextBox 4"/>
+          <p:cNvSpPr txBox="1"/>
+          <p:nvPr/>
+        </p:nvSpPr>
+        <p:spPr>
+          <a:xfrm>
+            <a:off x="473627" y="1280136"/>
+            <a:ext cx="8074025" cy="400110"/>
+          </a:xfrm>
+          <a:prstGeom prst="rect">
+            <a:avLst/>
+          </a:prstGeom>
+          <a:noFill/>
+        </p:spPr>
+        <p:txBody>
+          <a:bodyPr wrap="square" rtlCol="0">
+            <a:spAutoFit/>
+          </a:bodyPr>
+          <a:lstStyle/>
+          <a:p>
+            <a:r>
+              <a:rPr lang="en-US" sz="2000" dirty="0" smtClean="0">
+                <a:cs typeface="Arial" panose="020B0604020202020204" pitchFamily="34" charset="0"/>
+              </a:rPr>
+              <a:t>Trong bài học này chúng ta tìm hiểu cách điều khiển đèn trước</a:t>
+            </a:r>
+            <a:endParaRPr lang="en-US" sz="2000" dirty="0">
+              <a:latin typeface="Arial" panose="020B0604020202020204" pitchFamily="34" charset="0"/>
+              <a:cs typeface="Arial" panose="020B0604020202020204" pitchFamily="34" charset="0"/>
             </a:endParaRPr>
           </a:p>
         </p:txBody>
@@ -3364,7 +3367,7 @@
         </p:nvSpPr>
         <p:spPr>
           <a:xfrm>
-            <a:off x="644352" y="2899420"/>
+            <a:off x="644352" y="2068339"/>
             <a:ext cx="171494" cy="171494"/>
           </a:xfrm>
           <a:prstGeom prst="rect">
@@ -3410,8 +3413,8 @@
         </p:nvSpPr>
         <p:spPr>
           <a:xfrm>
-            <a:off x="924201" y="2799937"/>
-            <a:ext cx="3436673" cy="400110"/>
+            <a:off x="924201" y="1968856"/>
+            <a:ext cx="3436673" cy="1015663"/>
           </a:xfrm>
           <a:prstGeom prst="rect">
             <a:avLst/>
@@ -3425,10 +3428,16 @@
           <a:lstStyle/>
           <a:p>
             <a:r>
+              <a:rPr lang="en-US" sz="2000" b="1" dirty="0" smtClean="0">
+                <a:cs typeface="Arial" panose="020B0604020202020204" pitchFamily="34" charset="0"/>
+              </a:rPr>
+              <a:t>Set left/right headlight to on/off</a:t>
+            </a:r>
+            <a:r>
               <a:rPr lang="en-US" sz="2000" dirty="0" smtClean="0">
                 <a:cs typeface="Arial" panose="020B0604020202020204" pitchFamily="34" charset="0"/>
               </a:rPr>
-              <a:t>Nhấn nút A thì bật đèn trái</a:t>
+              <a:t>: bật hoặc tắt đèn trái hoặc phải</a:t>
             </a:r>
             <a:endParaRPr lang="en-US" dirty="0">
               <a:latin typeface="Arial" panose="020B0604020202020204" pitchFamily="34" charset="0"/>
@@ -3439,13 +3448,13 @@
       </p:sp>
       <p:sp>
         <p:nvSpPr>
-          <p:cNvPr id="8" name="Rectangle 7"/>
+          <p:cNvPr id="10" name="Rectangle 9"/>
           <p:cNvSpPr/>
           <p:nvPr/>
         </p:nvSpPr>
         <p:spPr>
           <a:xfrm>
-            <a:off x="644352" y="3502836"/>
+            <a:off x="644352" y="3410942"/>
             <a:ext cx="171494" cy="171494"/>
           </a:xfrm>
           <a:prstGeom prst="rect">
@@ -3485,23 +3494,67 @@
       </p:sp>
       <p:sp>
         <p:nvSpPr>
-          <p:cNvPr id="10" name="Rectangle 9"/>
+          <p:cNvPr id="11" name="TextBox 10"/>
+          <p:cNvSpPr txBox="1"/>
+          <p:nvPr/>
+        </p:nvSpPr>
+        <p:spPr>
+          <a:xfrm>
+            <a:off x="924201" y="3245199"/>
+            <a:ext cx="3436673" cy="1015663"/>
+          </a:xfrm>
+          <a:prstGeom prst="rect">
+            <a:avLst/>
+          </a:prstGeom>
+          <a:noFill/>
+        </p:spPr>
+        <p:txBody>
+          <a:bodyPr wrap="square" rtlCol="0">
+            <a:spAutoFit/>
+          </a:bodyPr>
+          <a:lstStyle/>
+          <a:p>
+            <a:r>
+              <a:rPr lang="en-US" sz="2000" b="1" dirty="0" smtClean="0">
+                <a:cs typeface="Arial" panose="020B0604020202020204" pitchFamily="34" charset="0"/>
+              </a:rPr>
+              <a:t>Toggle left/right headlight</a:t>
+            </a:r>
+            <a:r>
+              <a:rPr lang="en-US" sz="2000" dirty="0" smtClean="0">
+                <a:cs typeface="Arial" panose="020B0604020202020204" pitchFamily="34" charset="0"/>
+              </a:rPr>
+              <a:t>: nếu đèn trái hoặc phải đang mở thì tắt và ngược lại.</a:t>
+            </a:r>
+            <a:endParaRPr lang="en-US" dirty="0">
+              <a:latin typeface="Arial" panose="020B0604020202020204" pitchFamily="34" charset="0"/>
+              <a:cs typeface="Arial" panose="020B0604020202020204" pitchFamily="34" charset="0"/>
+            </a:endParaRPr>
+          </a:p>
+        </p:txBody>
+      </p:sp>
+      <p:sp>
+        <p:nvSpPr>
+          <p:cNvPr id="21" name="Rounded Rectangle 20"/>
           <p:cNvSpPr/>
           <p:nvPr/>
         </p:nvSpPr>
         <p:spPr>
           <a:xfrm>
-            <a:off x="644351" y="4124162"/>
-            <a:ext cx="185997" cy="171494"/>
-          </a:xfrm>
-          <a:prstGeom prst="rect">
-            <a:avLst/>
-          </a:prstGeom>
-          <a:solidFill>
-            <a:srgbClr val="64C7E9"/>
-          </a:solidFill>
-          <a:ln>
-            <a:noFill/>
+            <a:off x="473627" y="1881810"/>
+            <a:ext cx="4098373" cy="2597425"/>
+          </a:xfrm>
+          <a:prstGeom prst="roundRect">
+            <a:avLst>
+              <a:gd name="adj" fmla="val 3719"/>
+            </a:avLst>
+          </a:prstGeom>
+          <a:noFill/>
+          <a:ln w="28575">
+            <a:solidFill>
+              <a:srgbClr val="64C7E9"/>
+            </a:solidFill>
+            <a:prstDash val="sysDash"/>
           </a:ln>
         </p:spPr>
         <p:style>
@@ -3529,54 +3582,6 @@
           </a:p>
         </p:txBody>
       </p:sp>
-      <p:sp>
-        <p:nvSpPr>
-          <p:cNvPr id="21" name="TextBox 20"/>
-          <p:cNvSpPr txBox="1"/>
-          <p:nvPr/>
-        </p:nvSpPr>
-        <p:spPr>
-          <a:xfrm>
-            <a:off x="1098981" y="1272143"/>
-            <a:ext cx="4122376" cy="461665"/>
-          </a:xfrm>
-          <a:prstGeom prst="rect">
-            <a:avLst/>
-          </a:prstGeom>
-          <a:noFill/>
-        </p:spPr>
-        <p:txBody>
-          <a:bodyPr wrap="square" rtlCol="0">
-            <a:spAutoFit/>
-          </a:bodyPr>
-          <a:lstStyle/>
-          <a:p>
-            <a:r>
-              <a:rPr lang="en-US" sz="2400" b="1" dirty="0" smtClean="0">
-                <a:solidFill>
-                  <a:schemeClr val="tx1">
-                    <a:lumMod val="85000"/>
-                    <a:lumOff val="15000"/>
-                  </a:schemeClr>
-                </a:solidFill>
-                <a:latin typeface="UTM Helve" panose="02040603050506020204" pitchFamily="18" charset="0"/>
-                <a:ea typeface="Roboto" pitchFamily="2" charset="0"/>
-              </a:rPr>
-              <a:t>Thao tác với Makcode</a:t>
-            </a:r>
-            <a:endParaRPr lang="en-US" sz="2400" b="1" dirty="0">
-              <a:solidFill>
-                <a:schemeClr val="tx1">
-                  <a:lumMod val="85000"/>
-                  <a:lumOff val="15000"/>
-                </a:schemeClr>
-              </a:solidFill>
-              <a:latin typeface="UTM Helve" panose="02040603050506020204" pitchFamily="18" charset="0"/>
-              <a:ea typeface="Roboto" pitchFamily="2" charset="0"/>
-            </a:endParaRPr>
-          </a:p>
-        </p:txBody>
-      </p:sp>
       <p:pic>
         <p:nvPicPr>
           <p:cNvPr id="22" name="Picture 21"/>
@@ -3586,7 +3591,112 @@
           <p:nvPr/>
         </p:nvPicPr>
         <p:blipFill>
-          <a:blip r:embed="rId2">
+          <a:blip r:embed="rId2"/>
+          <a:stretch>
+            <a:fillRect/>
+          </a:stretch>
+        </p:blipFill>
+        <p:spPr>
+          <a:xfrm>
+            <a:off x="5022574" y="1968856"/>
+            <a:ext cx="2800741" cy="590632"/>
+          </a:xfrm>
+          <a:prstGeom prst="rect">
+            <a:avLst/>
+          </a:prstGeom>
+        </p:spPr>
+      </p:pic>
+      <p:pic>
+        <p:nvPicPr>
+          <p:cNvPr id="23" name="Picture 22"/>
+          <p:cNvPicPr>
+            <a:picLocks noChangeAspect="1"/>
+          </p:cNvPicPr>
+          <p:nvPr/>
+        </p:nvPicPr>
+        <p:blipFill>
+          <a:blip r:embed="rId3"/>
+          <a:stretch>
+            <a:fillRect/>
+          </a:stretch>
+        </p:blipFill>
+        <p:spPr>
+          <a:xfrm>
+            <a:off x="5022574" y="3232792"/>
+            <a:ext cx="2133898" cy="581106"/>
+          </a:xfrm>
+          <a:prstGeom prst="rect">
+            <a:avLst/>
+          </a:prstGeom>
+        </p:spPr>
+      </p:pic>
+      <p:sp>
+        <p:nvSpPr>
+          <p:cNvPr id="24" name="Rounded Rectangle 23"/>
+          <p:cNvSpPr/>
+          <p:nvPr/>
+        </p:nvSpPr>
+        <p:spPr>
+          <a:xfrm>
+            <a:off x="473627" y="4985008"/>
+            <a:ext cx="7928251" cy="1183688"/>
+          </a:xfrm>
+          <a:prstGeom prst="roundRect">
+            <a:avLst>
+              <a:gd name="adj" fmla="val 12992"/>
+            </a:avLst>
+          </a:prstGeom>
+          <a:gradFill flip="none" rotWithShape="1">
+            <a:gsLst>
+              <a:gs pos="15000">
+                <a:srgbClr val="67C7DF"/>
+              </a:gs>
+              <a:gs pos="100000">
+                <a:srgbClr val="5EB130"/>
+              </a:gs>
+            </a:gsLst>
+            <a:lin ang="0" scaled="1"/>
+            <a:tileRect/>
+          </a:gradFill>
+          <a:ln>
+            <a:noFill/>
+          </a:ln>
+        </p:spPr>
+        <p:style>
+          <a:lnRef idx="2">
+            <a:schemeClr val="accent1">
+              <a:shade val="50000"/>
+            </a:schemeClr>
+          </a:lnRef>
+          <a:fillRef idx="1">
+            <a:schemeClr val="accent1"/>
+          </a:fillRef>
+          <a:effectRef idx="0">
+            <a:schemeClr val="accent1"/>
+          </a:effectRef>
+          <a:fontRef idx="minor">
+            <a:schemeClr val="lt1"/>
+          </a:fontRef>
+        </p:style>
+        <p:txBody>
+          <a:bodyPr rtlCol="0" anchor="ctr"/>
+          <a:lstStyle/>
+          <a:p>
+            <a:pPr algn="ctr"/>
+            <a:endParaRPr lang="en-US"/>
+          </a:p>
+        </p:txBody>
+      </p:sp>
+      <p:pic>
+        <p:nvPicPr>
+          <p:cNvPr id="25" name="Picture 24"/>
+          <p:cNvPicPr>
+            <a:picLocks noChangeAspect="1"/>
+          </p:cNvPicPr>
+          <p:nvPr/>
+        </p:nvPicPr>
+        <p:blipFill>
+          <a:blip r:embed="rId4">
             <a:extLst>
               <a:ext uri="{28A0092B-C50C-407E-A947-70E740481C1C}">
                 <a14:useLocalDpi xmlns:a14="http://schemas.microsoft.com/office/drawing/2010/main" val="0"/>
@@ -3599,8 +3709,8 @@
         </p:blipFill>
         <p:spPr>
           <a:xfrm>
-            <a:off x="542728" y="1345100"/>
-            <a:ext cx="466725" cy="409575"/>
+            <a:off x="6948487" y="4035043"/>
+            <a:ext cx="1749655" cy="1644413"/>
           </a:xfrm>
           <a:prstGeom prst="rect">
             <a:avLst/>
@@ -3609,14 +3719,14 @@
       </p:pic>
       <p:sp>
         <p:nvSpPr>
-          <p:cNvPr id="25" name="TextBox 24"/>
+          <p:cNvPr id="26" name="TextBox 25"/>
           <p:cNvSpPr txBox="1"/>
           <p:nvPr/>
         </p:nvSpPr>
         <p:spPr>
           <a:xfrm>
-            <a:off x="924201" y="3371253"/>
-            <a:ext cx="3436673" cy="400110"/>
+            <a:off x="1590261" y="5229347"/>
+            <a:ext cx="5358226" cy="707886"/>
           </a:xfrm>
           <a:prstGeom prst="rect">
             <a:avLst/>
@@ -3631,234 +3741,44 @@
           <a:p>
             <a:r>
               <a:rPr lang="en-US" sz="2000" dirty="0" smtClean="0">
-                <a:cs typeface="Arial" panose="020B0604020202020204" pitchFamily="34" charset="0"/>
-              </a:rPr>
-              <a:t>Nhấn nút B thì bật đèn phải</a:t>
-            </a:r>
-            <a:endParaRPr lang="en-US" dirty="0">
-              <a:latin typeface="Arial" panose="020B0604020202020204" pitchFamily="34" charset="0"/>
-              <a:cs typeface="Arial" panose="020B0604020202020204" pitchFamily="34" charset="0"/>
-            </a:endParaRPr>
-          </a:p>
-        </p:txBody>
-      </p:sp>
-      <p:sp>
-        <p:nvSpPr>
-          <p:cNvPr id="26" name="TextBox 25"/>
-          <p:cNvSpPr txBox="1"/>
-          <p:nvPr/>
-        </p:nvSpPr>
-        <p:spPr>
-          <a:xfrm>
-            <a:off x="924201" y="4000236"/>
-            <a:ext cx="3727312" cy="400110"/>
-          </a:xfrm>
-          <a:prstGeom prst="rect">
-            <a:avLst/>
-          </a:prstGeom>
-          <a:noFill/>
-        </p:spPr>
-        <p:txBody>
-          <a:bodyPr wrap="square" rtlCol="0">
-            <a:spAutoFit/>
-          </a:bodyPr>
-          <a:lstStyle/>
-          <a:p>
-            <a:r>
-              <a:rPr lang="en-US" sz="2000" dirty="0" smtClean="0">
-                <a:cs typeface="Arial" panose="020B0604020202020204" pitchFamily="34" charset="0"/>
-              </a:rPr>
-              <a:t>Nhấn nút A+B thì bật cả 2 đèn</a:t>
-            </a:r>
-            <a:endParaRPr lang="en-US" dirty="0">
-              <a:latin typeface="Arial" panose="020B0604020202020204" pitchFamily="34" charset="0"/>
-              <a:cs typeface="Arial" panose="020B0604020202020204" pitchFamily="34" charset="0"/>
-            </a:endParaRPr>
-          </a:p>
-        </p:txBody>
-      </p:sp>
-      <p:sp>
-        <p:nvSpPr>
-          <p:cNvPr id="29" name="TextBox 28"/>
-          <p:cNvSpPr txBox="1"/>
-          <p:nvPr/>
-        </p:nvSpPr>
-        <p:spPr>
-          <a:xfrm>
-            <a:off x="542728" y="1810720"/>
-            <a:ext cx="4546107" cy="707886"/>
-          </a:xfrm>
-          <a:prstGeom prst="rect">
-            <a:avLst/>
-          </a:prstGeom>
-          <a:noFill/>
-        </p:spPr>
-        <p:txBody>
-          <a:bodyPr wrap="square" rtlCol="0">
-            <a:spAutoFit/>
-          </a:bodyPr>
-          <a:lstStyle/>
-          <a:p>
-            <a:r>
-              <a:rPr lang="en-US" sz="2000" dirty="0" smtClean="0">
-                <a:cs typeface="Arial" panose="020B0604020202020204" pitchFamily="34" charset="0"/>
-              </a:rPr>
-              <a:t>Ví dụ tham khảo về cách bật và tắt 2 đèn trước</a:t>
-            </a:r>
-            <a:endParaRPr lang="en-US" dirty="0">
-              <a:latin typeface="Arial" panose="020B0604020202020204" pitchFamily="34" charset="0"/>
-              <a:cs typeface="Arial" panose="020B0604020202020204" pitchFamily="34" charset="0"/>
+                <a:solidFill>
+                  <a:schemeClr val="bg1"/>
+                </a:solidFill>
+              </a:rPr>
+              <a:t>Bạn có thể dùng kết hợp với cảm biến ánh sáng, khi trời tối thì tự động bật đèn trước lên</a:t>
+            </a:r>
+            <a:endParaRPr lang="en-US" sz="2000" dirty="0">
+              <a:solidFill>
+                <a:schemeClr val="bg1"/>
+              </a:solidFill>
             </a:endParaRPr>
           </a:p>
         </p:txBody>
       </p:sp>
       <p:pic>
         <p:nvPicPr>
-          <p:cNvPr id="5" name="Picture 4"/>
+          <p:cNvPr id="28" name="Picture 27"/>
           <p:cNvPicPr>
             <a:picLocks noChangeAspect="1"/>
           </p:cNvPicPr>
           <p:nvPr/>
         </p:nvPicPr>
         <p:blipFill>
-          <a:blip r:embed="rId3"/>
+          <a:blip r:embed="rId5" cstate="print">
+            <a:extLst>
+              <a:ext uri="{28A0092B-C50C-407E-A947-70E740481C1C}">
+                <a14:useLocalDpi xmlns:a14="http://schemas.microsoft.com/office/drawing/2010/main" val="0"/>
+              </a:ext>
+            </a:extLst>
+          </a:blip>
           <a:stretch>
             <a:fillRect/>
           </a:stretch>
         </p:blipFill>
         <p:spPr>
           <a:xfrm>
-            <a:off x="5310885" y="1462995"/>
-            <a:ext cx="2991267" cy="4801270"/>
-          </a:xfrm>
-          <a:prstGeom prst="rect">
-            <a:avLst/>
-          </a:prstGeom>
-        </p:spPr>
-      </p:pic>
-      <p:sp>
-        <p:nvSpPr>
-          <p:cNvPr id="19" name="Rectangle 18"/>
-          <p:cNvSpPr/>
-          <p:nvPr/>
-        </p:nvSpPr>
-        <p:spPr>
-          <a:xfrm>
-            <a:off x="644351" y="4760266"/>
-            <a:ext cx="185997" cy="171494"/>
-          </a:xfrm>
-          <a:prstGeom prst="rect">
-            <a:avLst/>
-          </a:prstGeom>
-          <a:solidFill>
-            <a:srgbClr val="64C7E9"/>
-          </a:solidFill>
-          <a:ln>
-            <a:noFill/>
-          </a:ln>
-        </p:spPr>
-        <p:style>
-          <a:lnRef idx="2">
-            <a:schemeClr val="accent1">
-              <a:shade val="50000"/>
-            </a:schemeClr>
-          </a:lnRef>
-          <a:fillRef idx="1">
-            <a:schemeClr val="accent1"/>
-          </a:fillRef>
-          <a:effectRef idx="0">
-            <a:schemeClr val="accent1"/>
-          </a:effectRef>
-          <a:fontRef idx="minor">
-            <a:schemeClr val="lt1"/>
-          </a:fontRef>
-        </p:style>
-        <p:txBody>
-          <a:bodyPr rtlCol="0" anchor="ctr"/>
-          <a:lstStyle/>
-          <a:p>
-            <a:pPr algn="ctr"/>
-            <a:endParaRPr lang="en-US"/>
-          </a:p>
-        </p:txBody>
-      </p:sp>
-      <p:sp>
-        <p:nvSpPr>
-          <p:cNvPr id="20" name="TextBox 19"/>
-          <p:cNvSpPr txBox="1"/>
-          <p:nvPr/>
-        </p:nvSpPr>
-        <p:spPr>
-          <a:xfrm>
-            <a:off x="924201" y="4636340"/>
-            <a:ext cx="3727312" cy="400110"/>
-          </a:xfrm>
-          <a:prstGeom prst="rect">
-            <a:avLst/>
-          </a:prstGeom>
-          <a:noFill/>
-        </p:spPr>
-        <p:txBody>
-          <a:bodyPr wrap="square" rtlCol="0">
-            <a:spAutoFit/>
-          </a:bodyPr>
-          <a:lstStyle/>
-          <a:p>
-            <a:r>
-              <a:rPr lang="en-US" sz="2000" dirty="0" smtClean="0">
-                <a:cs typeface="Arial" panose="020B0604020202020204" pitchFamily="34" charset="0"/>
-              </a:rPr>
-              <a:t>Chạm vào Logo thì tắt cả 2 đèn</a:t>
-            </a:r>
-            <a:endParaRPr lang="en-US" dirty="0">
-              <a:latin typeface="Arial" panose="020B0604020202020204" pitchFamily="34" charset="0"/>
-              <a:cs typeface="Arial" panose="020B0604020202020204" pitchFamily="34" charset="0"/>
-            </a:endParaRPr>
-          </a:p>
-        </p:txBody>
-      </p:sp>
-      <p:pic>
-        <p:nvPicPr>
-          <p:cNvPr id="9" name="Picture 8"/>
-          <p:cNvPicPr>
-            <a:picLocks noChangeAspect="1"/>
-          </p:cNvPicPr>
-          <p:nvPr/>
-        </p:nvPicPr>
-        <p:blipFill>
-          <a:blip r:embed="rId4"/>
-          <a:stretch>
-            <a:fillRect/>
-          </a:stretch>
-        </p:blipFill>
-        <p:spPr>
-          <a:xfrm>
-            <a:off x="788393" y="5705377"/>
-            <a:ext cx="657317" cy="724001"/>
-          </a:xfrm>
-          <a:prstGeom prst="rect">
-            <a:avLst/>
-          </a:prstGeom>
-        </p:spPr>
-      </p:pic>
-      <p:pic>
-        <p:nvPicPr>
-          <p:cNvPr id="11" name="Picture 10"/>
-          <p:cNvPicPr>
-            <a:picLocks noChangeAspect="1"/>
-          </p:cNvPicPr>
-          <p:nvPr/>
-        </p:nvPicPr>
-        <p:blipFill>
-          <a:blip r:embed="rId5"/>
-          <a:stretch>
-            <a:fillRect/>
-          </a:stretch>
-        </p:blipFill>
-        <p:spPr>
-          <a:xfrm>
-            <a:off x="1681910" y="5643901"/>
-            <a:ext cx="590632" cy="743054"/>
+            <a:off x="730099" y="5120764"/>
+            <a:ext cx="740892" cy="852026"/>
           </a:xfrm>
           <a:prstGeom prst="rect">
             <a:avLst/>
@@ -3868,7 +3788,7 @@
     </p:spTree>
     <p:extLst>
       <p:ext uri="{BB962C8B-B14F-4D97-AF65-F5344CB8AC3E}">
-        <p14:creationId xmlns:p14="http://schemas.microsoft.com/office/powerpoint/2010/main" val="3920486458"/>
+        <p14:creationId xmlns:p14="http://schemas.microsoft.com/office/powerpoint/2010/main" val="4186408214"/>
       </p:ext>
     </p:extLst>
   </p:cSld>
@@ -3921,309 +3841,7 @@
       </p:sp>
       <p:sp>
         <p:nvSpPr>
-          <p:cNvPr id="3" name="Title 1"/>
-          <p:cNvSpPr txBox="1">
-            <a:spLocks/>
-          </p:cNvSpPr>
-          <p:nvPr/>
-        </p:nvSpPr>
-        <p:spPr>
-          <a:xfrm>
-            <a:off x="709053" y="4862785"/>
-            <a:ext cx="5644503" cy="508846"/>
-          </a:xfrm>
-          <a:prstGeom prst="rect">
-            <a:avLst/>
-          </a:prstGeom>
-        </p:spPr>
-        <p:txBody>
-          <a:bodyPr/>
-          <a:lstStyle>
-            <a:lvl1pPr algn="l" defTabSz="914400" rtl="0" eaLnBrk="1" latinLnBrk="0" hangingPunct="1">
-              <a:lnSpc>
-                <a:spcPct val="90000"/>
-              </a:lnSpc>
-              <a:spcBef>
-                <a:spcPct val="0"/>
-              </a:spcBef>
-              <a:buNone/>
-              <a:defRPr sz="3200" b="1" kern="1200">
-                <a:solidFill>
-                  <a:srgbClr val="019DD0"/>
-                </a:solidFill>
-                <a:latin typeface="Arial" panose="020B0604020202020204" pitchFamily="34" charset="0"/>
-                <a:ea typeface="+mj-ea"/>
-                <a:cs typeface="Arial" panose="020B0604020202020204" pitchFamily="34" charset="0"/>
-              </a:defRPr>
-            </a:lvl1pPr>
-          </a:lstStyle>
-          <a:p>
-            <a:pPr>
-              <a:lnSpc>
-                <a:spcPct val="100000"/>
-              </a:lnSpc>
-            </a:pPr>
-            <a:r>
-              <a:rPr lang="en-US" sz="2000" b="0" dirty="0" smtClean="0">
-                <a:solidFill>
-                  <a:schemeClr val="tx1">
-                    <a:lumMod val="95000"/>
-                    <a:lumOff val="5000"/>
-                  </a:schemeClr>
-                </a:solidFill>
-                <a:ea typeface="Roboto Condensed" pitchFamily="2" charset="0"/>
-              </a:rPr>
-              <a:t>Bước 1: Click Download tải file về máy tính</a:t>
-            </a:r>
-          </a:p>
-        </p:txBody>
-      </p:sp>
-      <p:pic>
-        <p:nvPicPr>
-          <p:cNvPr id="4" name="Picture 3"/>
-          <p:cNvPicPr>
-            <a:picLocks noChangeAspect="1"/>
-          </p:cNvPicPr>
-          <p:nvPr/>
-        </p:nvPicPr>
-        <p:blipFill>
-          <a:blip r:embed="rId2"/>
-          <a:stretch>
-            <a:fillRect/>
-          </a:stretch>
-        </p:blipFill>
-        <p:spPr>
-          <a:xfrm>
-            <a:off x="5743928" y="4822111"/>
-            <a:ext cx="2909512" cy="456394"/>
-          </a:xfrm>
-          <a:prstGeom prst="rect">
-            <a:avLst/>
-          </a:prstGeom>
-        </p:spPr>
-      </p:pic>
-      <p:sp>
-        <p:nvSpPr>
-          <p:cNvPr id="5" name="Title 1"/>
-          <p:cNvSpPr txBox="1">
-            <a:spLocks/>
-          </p:cNvSpPr>
-          <p:nvPr/>
-        </p:nvSpPr>
-        <p:spPr>
-          <a:xfrm>
-            <a:off x="709053" y="5412305"/>
-            <a:ext cx="8047836" cy="496573"/>
-          </a:xfrm>
-          <a:prstGeom prst="rect">
-            <a:avLst/>
-          </a:prstGeom>
-        </p:spPr>
-        <p:txBody>
-          <a:bodyPr/>
-          <a:lstStyle>
-            <a:lvl1pPr algn="l" defTabSz="914400" rtl="0" eaLnBrk="1" latinLnBrk="0" hangingPunct="1">
-              <a:lnSpc>
-                <a:spcPct val="90000"/>
-              </a:lnSpc>
-              <a:spcBef>
-                <a:spcPct val="0"/>
-              </a:spcBef>
-              <a:buNone/>
-              <a:defRPr sz="3200" b="1" kern="1200">
-                <a:solidFill>
-                  <a:srgbClr val="019DD0"/>
-                </a:solidFill>
-                <a:latin typeface="Arial" panose="020B0604020202020204" pitchFamily="34" charset="0"/>
-                <a:ea typeface="+mj-ea"/>
-                <a:cs typeface="Arial" panose="020B0604020202020204" pitchFamily="34" charset="0"/>
-              </a:defRPr>
-            </a:lvl1pPr>
-          </a:lstStyle>
-          <a:p>
-            <a:pPr>
-              <a:lnSpc>
-                <a:spcPct val="100000"/>
-              </a:lnSpc>
-            </a:pPr>
-            <a:r>
-              <a:rPr lang="en-US" sz="2000" b="0" dirty="0" smtClean="0">
-                <a:solidFill>
-                  <a:schemeClr val="tx1">
-                    <a:lumMod val="95000"/>
-                    <a:lumOff val="5000"/>
-                  </a:schemeClr>
-                </a:solidFill>
-                <a:ea typeface="Roboto Condensed" pitchFamily="2" charset="0"/>
-              </a:rPr>
-              <a:t>Bước 2: Gắn đầu USB vào máy tính, đầu micro USB vào micro:bit </a:t>
-            </a:r>
-          </a:p>
-        </p:txBody>
-      </p:sp>
-      <p:sp>
-        <p:nvSpPr>
-          <p:cNvPr id="8" name="TextBox 7"/>
-          <p:cNvSpPr txBox="1"/>
-          <p:nvPr/>
-        </p:nvSpPr>
-        <p:spPr>
-          <a:xfrm>
-            <a:off x="1265305" y="1364739"/>
-            <a:ext cx="5649845" cy="461665"/>
-          </a:xfrm>
-          <a:prstGeom prst="rect">
-            <a:avLst/>
-          </a:prstGeom>
-          <a:noFill/>
-        </p:spPr>
-        <p:txBody>
-          <a:bodyPr wrap="square" rtlCol="0">
-            <a:spAutoFit/>
-          </a:bodyPr>
-          <a:lstStyle/>
-          <a:p>
-            <a:r>
-              <a:rPr lang="en-US" sz="2400" b="1" dirty="0" smtClean="0">
-                <a:solidFill>
-                  <a:schemeClr val="tx1">
-                    <a:lumMod val="85000"/>
-                    <a:lumOff val="15000"/>
-                  </a:schemeClr>
-                </a:solidFill>
-                <a:latin typeface="UTM Helve" panose="02040603050506020204" pitchFamily="18" charset="0"/>
-                <a:ea typeface="Roboto" pitchFamily="2" charset="0"/>
-              </a:rPr>
-              <a:t>Đưa chương trình vào micro:bit</a:t>
-            </a:r>
-            <a:endParaRPr lang="en-US" sz="2400" b="1" dirty="0">
-              <a:solidFill>
-                <a:schemeClr val="tx1">
-                  <a:lumMod val="85000"/>
-                  <a:lumOff val="15000"/>
-                </a:schemeClr>
-              </a:solidFill>
-              <a:latin typeface="UTM Helve" panose="02040603050506020204" pitchFamily="18" charset="0"/>
-              <a:ea typeface="Roboto" pitchFamily="2" charset="0"/>
-            </a:endParaRPr>
-          </a:p>
-        </p:txBody>
-      </p:sp>
-      <p:pic>
-        <p:nvPicPr>
-          <p:cNvPr id="9" name="Picture 8"/>
-          <p:cNvPicPr>
-            <a:picLocks noChangeAspect="1"/>
-          </p:cNvPicPr>
-          <p:nvPr/>
-        </p:nvPicPr>
-        <p:blipFill>
-          <a:blip r:embed="rId3">
-            <a:extLst>
-              <a:ext uri="{28A0092B-C50C-407E-A947-70E740481C1C}">
-                <a14:useLocalDpi xmlns:a14="http://schemas.microsoft.com/office/drawing/2010/main" val="0"/>
-              </a:ext>
-            </a:extLst>
-          </a:blip>
-          <a:stretch>
-            <a:fillRect/>
-          </a:stretch>
-        </p:blipFill>
-        <p:spPr>
-          <a:xfrm>
-            <a:off x="709053" y="1437696"/>
-            <a:ext cx="466725" cy="409575"/>
-          </a:xfrm>
-          <a:prstGeom prst="rect">
-            <a:avLst/>
-          </a:prstGeom>
-        </p:spPr>
-      </p:pic>
-      <p:pic>
-        <p:nvPicPr>
-          <p:cNvPr id="11" name="Picture 10"/>
-          <p:cNvPicPr>
-            <a:picLocks noChangeAspect="1"/>
-          </p:cNvPicPr>
-          <p:nvPr/>
-        </p:nvPicPr>
-        <p:blipFill rotWithShape="1">
-          <a:blip r:embed="rId4"/>
-          <a:srcRect t="9567"/>
-          <a:stretch/>
-        </p:blipFill>
-        <p:spPr>
-          <a:xfrm>
-            <a:off x="1477989" y="1992477"/>
-            <a:ext cx="6441059" cy="2452204"/>
-          </a:xfrm>
-          <a:prstGeom prst="rect">
-            <a:avLst/>
-          </a:prstGeom>
-        </p:spPr>
-      </p:pic>
-      <p:sp>
-        <p:nvSpPr>
-          <p:cNvPr id="12" name="Title 1"/>
-          <p:cNvSpPr txBox="1">
-            <a:spLocks/>
-          </p:cNvSpPr>
-          <p:nvPr/>
-        </p:nvSpPr>
-        <p:spPr>
-          <a:xfrm>
-            <a:off x="709053" y="5983805"/>
-            <a:ext cx="8047836" cy="496573"/>
-          </a:xfrm>
-          <a:prstGeom prst="rect">
-            <a:avLst/>
-          </a:prstGeom>
-        </p:spPr>
-        <p:txBody>
-          <a:bodyPr/>
-          <a:lstStyle>
-            <a:lvl1pPr algn="l" defTabSz="914400" rtl="0" eaLnBrk="1" latinLnBrk="0" hangingPunct="1">
-              <a:lnSpc>
-                <a:spcPct val="90000"/>
-              </a:lnSpc>
-              <a:spcBef>
-                <a:spcPct val="0"/>
-              </a:spcBef>
-              <a:buNone/>
-              <a:defRPr sz="3200" b="1" kern="1200">
-                <a:solidFill>
-                  <a:srgbClr val="019DD0"/>
-                </a:solidFill>
-                <a:latin typeface="Arial" panose="020B0604020202020204" pitchFamily="34" charset="0"/>
-                <a:ea typeface="+mj-ea"/>
-                <a:cs typeface="Arial" panose="020B0604020202020204" pitchFamily="34" charset="0"/>
-              </a:defRPr>
-            </a:lvl1pPr>
-          </a:lstStyle>
-          <a:p>
-            <a:pPr>
-              <a:lnSpc>
-                <a:spcPct val="100000"/>
-              </a:lnSpc>
-            </a:pPr>
-            <a:r>
-              <a:rPr lang="en-US" sz="2000" b="0" dirty="0" smtClean="0">
-                <a:solidFill>
-                  <a:schemeClr val="tx1">
-                    <a:lumMod val="95000"/>
-                    <a:lumOff val="5000"/>
-                  </a:schemeClr>
-                </a:solidFill>
-                <a:ea typeface="Roboto Condensed" pitchFamily="2" charset="0"/>
-              </a:rPr>
-              <a:t>Bước 3: Copy file .hex vào micro:bit </a:t>
-            </a:r>
-          </a:p>
-        </p:txBody>
-      </p:sp>
-      <p:sp>
-        <p:nvSpPr>
-          <p:cNvPr id="13" name="Rectangle 12"/>
+          <p:cNvPr id="3" name="Rectangle 2"/>
           <p:cNvSpPr/>
           <p:nvPr/>
         </p:nvSpPr>
@@ -4278,7 +3896,7 @@
       </p:sp>
       <p:sp>
         <p:nvSpPr>
-          <p:cNvPr id="14" name="TextBox 13"/>
+          <p:cNvPr id="4" name="TextBox 3"/>
           <p:cNvSpPr txBox="1"/>
           <p:nvPr/>
         </p:nvSpPr>
@@ -4298,16 +3916,6 @@
           </a:bodyPr>
           <a:lstStyle/>
           <a:p>
-            <a:r>
-              <a:rPr lang="en-US" sz="2400" b="1" dirty="0" smtClean="0">
-                <a:solidFill>
-                  <a:srgbClr val="64C7E9"/>
-                </a:solidFill>
-                <a:latin typeface="UTM Helve" panose="02040603050506020204" pitchFamily="18" charset="0"/>
-                <a:ea typeface="Roboto" pitchFamily="2" charset="0"/>
-              </a:rPr>
-              <a:t>Head </a:t>
-            </a:r>
             <a:r>
               <a:rPr lang="en-US" sz="2400" b="1" dirty="0">
                 <a:solidFill>
@@ -4316,11 +3924,225 @@
                 <a:latin typeface="UTM Helve" panose="02040603050506020204" pitchFamily="18" charset="0"/>
                 <a:ea typeface="Roboto" pitchFamily="2" charset="0"/>
               </a:rPr>
-              <a:t>Light và RGB LED trên reka:bit</a:t>
+              <a:t>12.3 RGB LED</a:t>
+            </a:r>
+          </a:p>
+        </p:txBody>
+      </p:sp>
+      <p:sp>
+        <p:nvSpPr>
+          <p:cNvPr id="6" name="Rectangle 5"/>
+          <p:cNvSpPr/>
+          <p:nvPr/>
+        </p:nvSpPr>
+        <p:spPr>
+          <a:xfrm>
+            <a:off x="644352" y="2899420"/>
+            <a:ext cx="171494" cy="171494"/>
+          </a:xfrm>
+          <a:prstGeom prst="rect">
+            <a:avLst/>
+          </a:prstGeom>
+          <a:solidFill>
+            <a:srgbClr val="64C7E9"/>
+          </a:solidFill>
+          <a:ln>
+            <a:noFill/>
+          </a:ln>
+        </p:spPr>
+        <p:style>
+          <a:lnRef idx="2">
+            <a:schemeClr val="accent1">
+              <a:shade val="50000"/>
+            </a:schemeClr>
+          </a:lnRef>
+          <a:fillRef idx="1">
+            <a:schemeClr val="accent1"/>
+          </a:fillRef>
+          <a:effectRef idx="0">
+            <a:schemeClr val="accent1"/>
+          </a:effectRef>
+          <a:fontRef idx="minor">
+            <a:schemeClr val="lt1"/>
+          </a:fontRef>
+        </p:style>
+        <p:txBody>
+          <a:bodyPr rtlCol="0" anchor="ctr"/>
+          <a:lstStyle/>
+          <a:p>
+            <a:pPr algn="ctr"/>
+            <a:endParaRPr lang="en-US"/>
+          </a:p>
+        </p:txBody>
+      </p:sp>
+      <p:sp>
+        <p:nvSpPr>
+          <p:cNvPr id="7" name="TextBox 6"/>
+          <p:cNvSpPr txBox="1"/>
+          <p:nvPr/>
+        </p:nvSpPr>
+        <p:spPr>
+          <a:xfrm>
+            <a:off x="924201" y="2799937"/>
+            <a:ext cx="3436673" cy="400110"/>
+          </a:xfrm>
+          <a:prstGeom prst="rect">
+            <a:avLst/>
+          </a:prstGeom>
+          <a:noFill/>
+        </p:spPr>
+        <p:txBody>
+          <a:bodyPr wrap="square" rtlCol="0">
+            <a:spAutoFit/>
+          </a:bodyPr>
+          <a:lstStyle/>
+          <a:p>
+            <a:r>
+              <a:rPr lang="en-US" sz="2000" dirty="0" smtClean="0">
+                <a:cs typeface="Arial" panose="020B0604020202020204" pitchFamily="34" charset="0"/>
+              </a:rPr>
+              <a:t>Nhấn nút A thì bật đèn trái</a:t>
+            </a:r>
+            <a:endParaRPr lang="en-US" dirty="0">
+              <a:latin typeface="Arial" panose="020B0604020202020204" pitchFamily="34" charset="0"/>
+              <a:cs typeface="Arial" panose="020B0604020202020204" pitchFamily="34" charset="0"/>
+            </a:endParaRPr>
+          </a:p>
+        </p:txBody>
+      </p:sp>
+      <p:sp>
+        <p:nvSpPr>
+          <p:cNvPr id="8" name="Rectangle 7"/>
+          <p:cNvSpPr/>
+          <p:nvPr/>
+        </p:nvSpPr>
+        <p:spPr>
+          <a:xfrm>
+            <a:off x="644352" y="3502836"/>
+            <a:ext cx="171494" cy="171494"/>
+          </a:xfrm>
+          <a:prstGeom prst="rect">
+            <a:avLst/>
+          </a:prstGeom>
+          <a:solidFill>
+            <a:srgbClr val="64C7E9"/>
+          </a:solidFill>
+          <a:ln>
+            <a:noFill/>
+          </a:ln>
+        </p:spPr>
+        <p:style>
+          <a:lnRef idx="2">
+            <a:schemeClr val="accent1">
+              <a:shade val="50000"/>
+            </a:schemeClr>
+          </a:lnRef>
+          <a:fillRef idx="1">
+            <a:schemeClr val="accent1"/>
+          </a:fillRef>
+          <a:effectRef idx="0">
+            <a:schemeClr val="accent1"/>
+          </a:effectRef>
+          <a:fontRef idx="minor">
+            <a:schemeClr val="lt1"/>
+          </a:fontRef>
+        </p:style>
+        <p:txBody>
+          <a:bodyPr rtlCol="0" anchor="ctr"/>
+          <a:lstStyle/>
+          <a:p>
+            <a:pPr algn="ctr"/>
+            <a:endParaRPr lang="en-US"/>
+          </a:p>
+        </p:txBody>
+      </p:sp>
+      <p:sp>
+        <p:nvSpPr>
+          <p:cNvPr id="10" name="Rectangle 9"/>
+          <p:cNvSpPr/>
+          <p:nvPr/>
+        </p:nvSpPr>
+        <p:spPr>
+          <a:xfrm>
+            <a:off x="644351" y="4124162"/>
+            <a:ext cx="185997" cy="171494"/>
+          </a:xfrm>
+          <a:prstGeom prst="rect">
+            <a:avLst/>
+          </a:prstGeom>
+          <a:solidFill>
+            <a:srgbClr val="64C7E9"/>
+          </a:solidFill>
+          <a:ln>
+            <a:noFill/>
+          </a:ln>
+        </p:spPr>
+        <p:style>
+          <a:lnRef idx="2">
+            <a:schemeClr val="accent1">
+              <a:shade val="50000"/>
+            </a:schemeClr>
+          </a:lnRef>
+          <a:fillRef idx="1">
+            <a:schemeClr val="accent1"/>
+          </a:fillRef>
+          <a:effectRef idx="0">
+            <a:schemeClr val="accent1"/>
+          </a:effectRef>
+          <a:fontRef idx="minor">
+            <a:schemeClr val="lt1"/>
+          </a:fontRef>
+        </p:style>
+        <p:txBody>
+          <a:bodyPr rtlCol="0" anchor="ctr"/>
+          <a:lstStyle/>
+          <a:p>
+            <a:pPr algn="ctr"/>
+            <a:endParaRPr lang="en-US"/>
+          </a:p>
+        </p:txBody>
+      </p:sp>
+      <p:sp>
+        <p:nvSpPr>
+          <p:cNvPr id="21" name="TextBox 20"/>
+          <p:cNvSpPr txBox="1"/>
+          <p:nvPr/>
+        </p:nvSpPr>
+        <p:spPr>
+          <a:xfrm>
+            <a:off x="1098981" y="1272143"/>
+            <a:ext cx="4122376" cy="461665"/>
+          </a:xfrm>
+          <a:prstGeom prst="rect">
+            <a:avLst/>
+          </a:prstGeom>
+          <a:noFill/>
+        </p:spPr>
+        <p:txBody>
+          <a:bodyPr wrap="square" rtlCol="0">
+            <a:spAutoFit/>
+          </a:bodyPr>
+          <a:lstStyle/>
+          <a:p>
+            <a:r>
+              <a:rPr lang="en-US" sz="2400" b="1" dirty="0" smtClean="0">
+                <a:solidFill>
+                  <a:schemeClr val="tx1">
+                    <a:lumMod val="85000"/>
+                    <a:lumOff val="15000"/>
+                  </a:schemeClr>
+                </a:solidFill>
+                <a:latin typeface="UTM Helve" panose="02040603050506020204" pitchFamily="18" charset="0"/>
+                <a:ea typeface="Roboto" pitchFamily="2" charset="0"/>
+              </a:rPr>
+              <a:t>Thao tác với Makcode</a:t>
             </a:r>
             <a:endParaRPr lang="en-US" sz="2400" b="1" dirty="0">
               <a:solidFill>
-                <a:srgbClr val="64C7E9"/>
+                <a:schemeClr val="tx1">
+                  <a:lumMod val="85000"/>
+                  <a:lumOff val="15000"/>
+                </a:schemeClr>
               </a:solidFill>
               <a:latin typeface="UTM Helve" panose="02040603050506020204" pitchFamily="18" charset="0"/>
               <a:ea typeface="Roboto" pitchFamily="2" charset="0"/>
@@ -4328,10 +4150,298 @@
           </a:p>
         </p:txBody>
       </p:sp>
+      <p:pic>
+        <p:nvPicPr>
+          <p:cNvPr id="22" name="Picture 21"/>
+          <p:cNvPicPr>
+            <a:picLocks noChangeAspect="1"/>
+          </p:cNvPicPr>
+          <p:nvPr/>
+        </p:nvPicPr>
+        <p:blipFill>
+          <a:blip r:embed="rId2">
+            <a:extLst>
+              <a:ext uri="{28A0092B-C50C-407E-A947-70E740481C1C}">
+                <a14:useLocalDpi xmlns:a14="http://schemas.microsoft.com/office/drawing/2010/main" val="0"/>
+              </a:ext>
+            </a:extLst>
+          </a:blip>
+          <a:stretch>
+            <a:fillRect/>
+          </a:stretch>
+        </p:blipFill>
+        <p:spPr>
+          <a:xfrm>
+            <a:off x="542728" y="1345100"/>
+            <a:ext cx="466725" cy="409575"/>
+          </a:xfrm>
+          <a:prstGeom prst="rect">
+            <a:avLst/>
+          </a:prstGeom>
+        </p:spPr>
+      </p:pic>
+      <p:sp>
+        <p:nvSpPr>
+          <p:cNvPr id="25" name="TextBox 24"/>
+          <p:cNvSpPr txBox="1"/>
+          <p:nvPr/>
+        </p:nvSpPr>
+        <p:spPr>
+          <a:xfrm>
+            <a:off x="924201" y="3371253"/>
+            <a:ext cx="3436673" cy="400110"/>
+          </a:xfrm>
+          <a:prstGeom prst="rect">
+            <a:avLst/>
+          </a:prstGeom>
+          <a:noFill/>
+        </p:spPr>
+        <p:txBody>
+          <a:bodyPr wrap="square" rtlCol="0">
+            <a:spAutoFit/>
+          </a:bodyPr>
+          <a:lstStyle/>
+          <a:p>
+            <a:r>
+              <a:rPr lang="en-US" sz="2000" dirty="0" smtClean="0">
+                <a:cs typeface="Arial" panose="020B0604020202020204" pitchFamily="34" charset="0"/>
+              </a:rPr>
+              <a:t>Nhấn nút B thì bật đèn phải</a:t>
+            </a:r>
+            <a:endParaRPr lang="en-US" dirty="0">
+              <a:latin typeface="Arial" panose="020B0604020202020204" pitchFamily="34" charset="0"/>
+              <a:cs typeface="Arial" panose="020B0604020202020204" pitchFamily="34" charset="0"/>
+            </a:endParaRPr>
+          </a:p>
+        </p:txBody>
+      </p:sp>
+      <p:sp>
+        <p:nvSpPr>
+          <p:cNvPr id="26" name="TextBox 25"/>
+          <p:cNvSpPr txBox="1"/>
+          <p:nvPr/>
+        </p:nvSpPr>
+        <p:spPr>
+          <a:xfrm>
+            <a:off x="924201" y="4000236"/>
+            <a:ext cx="3727312" cy="400110"/>
+          </a:xfrm>
+          <a:prstGeom prst="rect">
+            <a:avLst/>
+          </a:prstGeom>
+          <a:noFill/>
+        </p:spPr>
+        <p:txBody>
+          <a:bodyPr wrap="square" rtlCol="0">
+            <a:spAutoFit/>
+          </a:bodyPr>
+          <a:lstStyle/>
+          <a:p>
+            <a:r>
+              <a:rPr lang="en-US" sz="2000" dirty="0" smtClean="0">
+                <a:cs typeface="Arial" panose="020B0604020202020204" pitchFamily="34" charset="0"/>
+              </a:rPr>
+              <a:t>Nhấn nút A+B thì bật cả 2 đèn</a:t>
+            </a:r>
+            <a:endParaRPr lang="en-US" dirty="0">
+              <a:latin typeface="Arial" panose="020B0604020202020204" pitchFamily="34" charset="0"/>
+              <a:cs typeface="Arial" panose="020B0604020202020204" pitchFamily="34" charset="0"/>
+            </a:endParaRPr>
+          </a:p>
+        </p:txBody>
+      </p:sp>
+      <p:sp>
+        <p:nvSpPr>
+          <p:cNvPr id="29" name="TextBox 28"/>
+          <p:cNvSpPr txBox="1"/>
+          <p:nvPr/>
+        </p:nvSpPr>
+        <p:spPr>
+          <a:xfrm>
+            <a:off x="542728" y="1810720"/>
+            <a:ext cx="4546107" cy="707886"/>
+          </a:xfrm>
+          <a:prstGeom prst="rect">
+            <a:avLst/>
+          </a:prstGeom>
+          <a:noFill/>
+        </p:spPr>
+        <p:txBody>
+          <a:bodyPr wrap="square" rtlCol="0">
+            <a:spAutoFit/>
+          </a:bodyPr>
+          <a:lstStyle/>
+          <a:p>
+            <a:r>
+              <a:rPr lang="en-US" sz="2000" dirty="0" smtClean="0">
+                <a:cs typeface="Arial" panose="020B0604020202020204" pitchFamily="34" charset="0"/>
+              </a:rPr>
+              <a:t>Ví dụ tham khảo về cách bật và tắt 2 đèn trước</a:t>
+            </a:r>
+            <a:endParaRPr lang="en-US" dirty="0">
+              <a:latin typeface="Arial" panose="020B0604020202020204" pitchFamily="34" charset="0"/>
+              <a:cs typeface="Arial" panose="020B0604020202020204" pitchFamily="34" charset="0"/>
+            </a:endParaRPr>
+          </a:p>
+        </p:txBody>
+      </p:sp>
+      <p:pic>
+        <p:nvPicPr>
+          <p:cNvPr id="5" name="Picture 4"/>
+          <p:cNvPicPr>
+            <a:picLocks noChangeAspect="1"/>
+          </p:cNvPicPr>
+          <p:nvPr/>
+        </p:nvPicPr>
+        <p:blipFill>
+          <a:blip r:embed="rId3"/>
+          <a:stretch>
+            <a:fillRect/>
+          </a:stretch>
+        </p:blipFill>
+        <p:spPr>
+          <a:xfrm>
+            <a:off x="5310885" y="1462995"/>
+            <a:ext cx="2991267" cy="4801270"/>
+          </a:xfrm>
+          <a:prstGeom prst="rect">
+            <a:avLst/>
+          </a:prstGeom>
+        </p:spPr>
+      </p:pic>
+      <p:sp>
+        <p:nvSpPr>
+          <p:cNvPr id="19" name="Rectangle 18"/>
+          <p:cNvSpPr/>
+          <p:nvPr/>
+        </p:nvSpPr>
+        <p:spPr>
+          <a:xfrm>
+            <a:off x="644351" y="4760266"/>
+            <a:ext cx="185997" cy="171494"/>
+          </a:xfrm>
+          <a:prstGeom prst="rect">
+            <a:avLst/>
+          </a:prstGeom>
+          <a:solidFill>
+            <a:srgbClr val="64C7E9"/>
+          </a:solidFill>
+          <a:ln>
+            <a:noFill/>
+          </a:ln>
+        </p:spPr>
+        <p:style>
+          <a:lnRef idx="2">
+            <a:schemeClr val="accent1">
+              <a:shade val="50000"/>
+            </a:schemeClr>
+          </a:lnRef>
+          <a:fillRef idx="1">
+            <a:schemeClr val="accent1"/>
+          </a:fillRef>
+          <a:effectRef idx="0">
+            <a:schemeClr val="accent1"/>
+          </a:effectRef>
+          <a:fontRef idx="minor">
+            <a:schemeClr val="lt1"/>
+          </a:fontRef>
+        </p:style>
+        <p:txBody>
+          <a:bodyPr rtlCol="0" anchor="ctr"/>
+          <a:lstStyle/>
+          <a:p>
+            <a:pPr algn="ctr"/>
+            <a:endParaRPr lang="en-US"/>
+          </a:p>
+        </p:txBody>
+      </p:sp>
+      <p:sp>
+        <p:nvSpPr>
+          <p:cNvPr id="20" name="TextBox 19"/>
+          <p:cNvSpPr txBox="1"/>
+          <p:nvPr/>
+        </p:nvSpPr>
+        <p:spPr>
+          <a:xfrm>
+            <a:off x="924201" y="4636340"/>
+            <a:ext cx="3727312" cy="400110"/>
+          </a:xfrm>
+          <a:prstGeom prst="rect">
+            <a:avLst/>
+          </a:prstGeom>
+          <a:noFill/>
+        </p:spPr>
+        <p:txBody>
+          <a:bodyPr wrap="square" rtlCol="0">
+            <a:spAutoFit/>
+          </a:bodyPr>
+          <a:lstStyle/>
+          <a:p>
+            <a:r>
+              <a:rPr lang="en-US" sz="2000" dirty="0" smtClean="0">
+                <a:cs typeface="Arial" panose="020B0604020202020204" pitchFamily="34" charset="0"/>
+              </a:rPr>
+              <a:t>Chạm vào Logo thì tắt cả 2 đèn</a:t>
+            </a:r>
+            <a:endParaRPr lang="en-US" dirty="0">
+              <a:latin typeface="Arial" panose="020B0604020202020204" pitchFamily="34" charset="0"/>
+              <a:cs typeface="Arial" panose="020B0604020202020204" pitchFamily="34" charset="0"/>
+            </a:endParaRPr>
+          </a:p>
+        </p:txBody>
+      </p:sp>
+      <p:pic>
+        <p:nvPicPr>
+          <p:cNvPr id="9" name="Picture 8"/>
+          <p:cNvPicPr>
+            <a:picLocks noChangeAspect="1"/>
+          </p:cNvPicPr>
+          <p:nvPr/>
+        </p:nvPicPr>
+        <p:blipFill>
+          <a:blip r:embed="rId4"/>
+          <a:stretch>
+            <a:fillRect/>
+          </a:stretch>
+        </p:blipFill>
+        <p:spPr>
+          <a:xfrm>
+            <a:off x="788393" y="5705377"/>
+            <a:ext cx="657317" cy="724001"/>
+          </a:xfrm>
+          <a:prstGeom prst="rect">
+            <a:avLst/>
+          </a:prstGeom>
+        </p:spPr>
+      </p:pic>
+      <p:pic>
+        <p:nvPicPr>
+          <p:cNvPr id="11" name="Picture 10"/>
+          <p:cNvPicPr>
+            <a:picLocks noChangeAspect="1"/>
+          </p:cNvPicPr>
+          <p:nvPr/>
+        </p:nvPicPr>
+        <p:blipFill>
+          <a:blip r:embed="rId5"/>
+          <a:stretch>
+            <a:fillRect/>
+          </a:stretch>
+        </p:blipFill>
+        <p:spPr>
+          <a:xfrm>
+            <a:off x="1681910" y="5643901"/>
+            <a:ext cx="590632" cy="743054"/>
+          </a:xfrm>
+          <a:prstGeom prst="rect">
+            <a:avLst/>
+          </a:prstGeom>
+        </p:spPr>
+      </p:pic>
     </p:spTree>
     <p:extLst>
       <p:ext uri="{BB962C8B-B14F-4D97-AF65-F5344CB8AC3E}">
-        <p14:creationId xmlns:p14="http://schemas.microsoft.com/office/powerpoint/2010/main" val="3773185111"/>
+        <p14:creationId xmlns:p14="http://schemas.microsoft.com/office/powerpoint/2010/main" val="3920486458"/>
       </p:ext>
     </p:extLst>
   </p:cSld>
@@ -4384,112 +4494,7 @@
       </p:sp>
       <p:sp>
         <p:nvSpPr>
-          <p:cNvPr id="5" name="TextBox 4"/>
-          <p:cNvSpPr txBox="1"/>
-          <p:nvPr/>
-        </p:nvSpPr>
-        <p:spPr>
-          <a:xfrm>
-            <a:off x="1265305" y="1364739"/>
-            <a:ext cx="5649845" cy="461665"/>
-          </a:xfrm>
-          <a:prstGeom prst="rect">
-            <a:avLst/>
-          </a:prstGeom>
-          <a:noFill/>
-        </p:spPr>
-        <p:txBody>
-          <a:bodyPr wrap="square" rtlCol="0">
-            <a:spAutoFit/>
-          </a:bodyPr>
-          <a:lstStyle/>
-          <a:p>
-            <a:r>
-              <a:rPr lang="en-US" sz="2400" b="1" dirty="0" smtClean="0">
-                <a:solidFill>
-                  <a:schemeClr val="tx1">
-                    <a:lumMod val="85000"/>
-                    <a:lumOff val="15000"/>
-                  </a:schemeClr>
-                </a:solidFill>
-                <a:latin typeface="UTM Helve" panose="02040603050506020204" pitchFamily="18" charset="0"/>
-                <a:ea typeface="Roboto" pitchFamily="2" charset="0"/>
-              </a:rPr>
-              <a:t>Giữ an toàn cho micro:bit</a:t>
-            </a:r>
-            <a:endParaRPr lang="en-US" sz="2400" b="1" dirty="0">
-              <a:solidFill>
-                <a:schemeClr val="tx1">
-                  <a:lumMod val="85000"/>
-                  <a:lumOff val="15000"/>
-                </a:schemeClr>
-              </a:solidFill>
-              <a:latin typeface="UTM Helve" panose="02040603050506020204" pitchFamily="18" charset="0"/>
-              <a:ea typeface="Roboto" pitchFamily="2" charset="0"/>
-            </a:endParaRPr>
-          </a:p>
-        </p:txBody>
-      </p:sp>
-      <p:pic>
-        <p:nvPicPr>
-          <p:cNvPr id="6" name="Picture 5"/>
-          <p:cNvPicPr>
-            <a:picLocks noChangeAspect="1"/>
-          </p:cNvPicPr>
-          <p:nvPr/>
-        </p:nvPicPr>
-        <p:blipFill>
-          <a:blip r:embed="rId2">
-            <a:extLst>
-              <a:ext uri="{28A0092B-C50C-407E-A947-70E740481C1C}">
-                <a14:useLocalDpi xmlns:a14="http://schemas.microsoft.com/office/drawing/2010/main" val="0"/>
-              </a:ext>
-            </a:extLst>
-          </a:blip>
-          <a:stretch>
-            <a:fillRect/>
-          </a:stretch>
-        </p:blipFill>
-        <p:spPr>
-          <a:xfrm>
-            <a:off x="709053" y="1437696"/>
-            <a:ext cx="466725" cy="409575"/>
-          </a:xfrm>
-          <a:prstGeom prst="rect">
-            <a:avLst/>
-          </a:prstGeom>
-        </p:spPr>
-      </p:pic>
-      <p:pic>
-        <p:nvPicPr>
-          <p:cNvPr id="7" name="Google Shape;149;p5"/>
-          <p:cNvPicPr preferRelativeResize="0"/>
-          <p:nvPr/>
-        </p:nvPicPr>
-        <p:blipFill rotWithShape="1">
-          <a:blip r:embed="rId3">
-            <a:alphaModFix/>
-          </a:blip>
-          <a:srcRect/>
-          <a:stretch/>
-        </p:blipFill>
-        <p:spPr>
-          <a:xfrm>
-            <a:off x="804690" y="2535250"/>
-            <a:ext cx="3206517" cy="3182856"/>
-          </a:xfrm>
-          <a:prstGeom prst="rect">
-            <a:avLst/>
-          </a:prstGeom>
-          <a:noFill/>
-          <a:ln>
-            <a:noFill/>
-          </a:ln>
-        </p:spPr>
-      </p:pic>
-      <p:sp>
-        <p:nvSpPr>
-          <p:cNvPr id="8" name="Title 1"/>
+          <p:cNvPr id="3" name="Title 1"/>
           <p:cNvSpPr txBox="1">
             <a:spLocks/>
           </p:cNvSpPr>
@@ -4497,8 +4502,8 @@
         </p:nvSpPr>
         <p:spPr>
           <a:xfrm>
-            <a:off x="4261791" y="2490360"/>
-            <a:ext cx="4253559" cy="3227746"/>
+            <a:off x="709053" y="4862785"/>
+            <a:ext cx="5644503" cy="508846"/>
           </a:xfrm>
           <a:prstGeom prst="rect">
             <a:avLst/>
@@ -4526,15 +4531,13 @@
             </a:lvl1pPr>
           </a:lstStyle>
           <a:p>
-            <a:pPr marL="342900" indent="-342900">
+            <a:pPr>
               <a:lnSpc>
                 <a:spcPct val="100000"/>
               </a:lnSpc>
-              <a:buFont typeface="Arial" panose="020B0604020202020204" pitchFamily="34" charset="0"/>
-              <a:buChar char="•"/>
             </a:pPr>
             <a:r>
-              <a:rPr lang="en-US" sz="2400" b="0" dirty="0">
+              <a:rPr lang="en-US" sz="2000" b="0" dirty="0" smtClean="0">
                 <a:solidFill>
                   <a:schemeClr val="tx1">
                     <a:lumMod val="95000"/>
@@ -4543,10 +4546,81 @@
                 </a:solidFill>
                 <a:ea typeface="Roboto Condensed" pitchFamily="2" charset="0"/>
               </a:rPr>
-              <a:t>Cầm micro:bit cẩn thận ở các </a:t>
-            </a:r>
-            <a:r>
-              <a:rPr lang="en-US" sz="2400" b="0" dirty="0" smtClean="0">
+              <a:t>Bước 1: Click Download tải file về máy tính</a:t>
+            </a:r>
+          </a:p>
+        </p:txBody>
+      </p:sp>
+      <p:pic>
+        <p:nvPicPr>
+          <p:cNvPr id="4" name="Picture 3"/>
+          <p:cNvPicPr>
+            <a:picLocks noChangeAspect="1"/>
+          </p:cNvPicPr>
+          <p:nvPr/>
+        </p:nvPicPr>
+        <p:blipFill>
+          <a:blip r:embed="rId2"/>
+          <a:stretch>
+            <a:fillRect/>
+          </a:stretch>
+        </p:blipFill>
+        <p:spPr>
+          <a:xfrm>
+            <a:off x="5743928" y="4822111"/>
+            <a:ext cx="2909512" cy="456394"/>
+          </a:xfrm>
+          <a:prstGeom prst="rect">
+            <a:avLst/>
+          </a:prstGeom>
+        </p:spPr>
+      </p:pic>
+      <p:sp>
+        <p:nvSpPr>
+          <p:cNvPr id="5" name="Title 1"/>
+          <p:cNvSpPr txBox="1">
+            <a:spLocks/>
+          </p:cNvSpPr>
+          <p:nvPr/>
+        </p:nvSpPr>
+        <p:spPr>
+          <a:xfrm>
+            <a:off x="709053" y="5412305"/>
+            <a:ext cx="8047836" cy="496573"/>
+          </a:xfrm>
+          <a:prstGeom prst="rect">
+            <a:avLst/>
+          </a:prstGeom>
+        </p:spPr>
+        <p:txBody>
+          <a:bodyPr/>
+          <a:lstStyle>
+            <a:lvl1pPr algn="l" defTabSz="914400" rtl="0" eaLnBrk="1" latinLnBrk="0" hangingPunct="1">
+              <a:lnSpc>
+                <a:spcPct val="90000"/>
+              </a:lnSpc>
+              <a:spcBef>
+                <a:spcPct val="0"/>
+              </a:spcBef>
+              <a:buNone/>
+              <a:defRPr sz="3200" b="1" kern="1200">
+                <a:solidFill>
+                  <a:srgbClr val="019DD0"/>
+                </a:solidFill>
+                <a:latin typeface="Arial" panose="020B0604020202020204" pitchFamily="34" charset="0"/>
+                <a:ea typeface="+mj-ea"/>
+                <a:cs typeface="Arial" panose="020B0604020202020204" pitchFamily="34" charset="0"/>
+              </a:defRPr>
+            </a:lvl1pPr>
+          </a:lstStyle>
+          <a:p>
+            <a:pPr>
+              <a:lnSpc>
+                <a:spcPct val="100000"/>
+              </a:lnSpc>
+            </a:pPr>
+            <a:r>
+              <a:rPr lang="en-US" sz="2000" b="0" dirty="0" smtClean="0">
                 <a:solidFill>
                   <a:schemeClr val="tx1">
                     <a:lumMod val="95000"/>
@@ -4555,10 +4629,158 @@
                 </a:solidFill>
                 <a:ea typeface="Roboto Condensed" pitchFamily="2" charset="0"/>
               </a:rPr>
-              <a:t>cạnh</a:t>
-            </a:r>
-            <a:br>
-              <a:rPr lang="en-US" sz="2400" b="0" dirty="0" smtClean="0">
+              <a:t>Bước 2: Gắn đầu USB vào máy tính, đầu micro USB vào micro:bit </a:t>
+            </a:r>
+          </a:p>
+        </p:txBody>
+      </p:sp>
+      <p:sp>
+        <p:nvSpPr>
+          <p:cNvPr id="8" name="TextBox 7"/>
+          <p:cNvSpPr txBox="1"/>
+          <p:nvPr/>
+        </p:nvSpPr>
+        <p:spPr>
+          <a:xfrm>
+            <a:off x="1265305" y="1364739"/>
+            <a:ext cx="5649845" cy="461665"/>
+          </a:xfrm>
+          <a:prstGeom prst="rect">
+            <a:avLst/>
+          </a:prstGeom>
+          <a:noFill/>
+        </p:spPr>
+        <p:txBody>
+          <a:bodyPr wrap="square" rtlCol="0">
+            <a:spAutoFit/>
+          </a:bodyPr>
+          <a:lstStyle/>
+          <a:p>
+            <a:r>
+              <a:rPr lang="en-US" sz="2400" b="1" dirty="0" smtClean="0">
+                <a:solidFill>
+                  <a:schemeClr val="tx1">
+                    <a:lumMod val="85000"/>
+                    <a:lumOff val="15000"/>
+                  </a:schemeClr>
+                </a:solidFill>
+                <a:latin typeface="UTM Helve" panose="02040603050506020204" pitchFamily="18" charset="0"/>
+                <a:ea typeface="Roboto" pitchFamily="2" charset="0"/>
+              </a:rPr>
+              <a:t>Đưa chương trình vào micro:bit</a:t>
+            </a:r>
+            <a:endParaRPr lang="en-US" sz="2400" b="1" dirty="0">
+              <a:solidFill>
+                <a:schemeClr val="tx1">
+                  <a:lumMod val="85000"/>
+                  <a:lumOff val="15000"/>
+                </a:schemeClr>
+              </a:solidFill>
+              <a:latin typeface="UTM Helve" panose="02040603050506020204" pitchFamily="18" charset="0"/>
+              <a:ea typeface="Roboto" pitchFamily="2" charset="0"/>
+            </a:endParaRPr>
+          </a:p>
+        </p:txBody>
+      </p:sp>
+      <p:pic>
+        <p:nvPicPr>
+          <p:cNvPr id="9" name="Picture 8"/>
+          <p:cNvPicPr>
+            <a:picLocks noChangeAspect="1"/>
+          </p:cNvPicPr>
+          <p:nvPr/>
+        </p:nvPicPr>
+        <p:blipFill>
+          <a:blip r:embed="rId3">
+            <a:extLst>
+              <a:ext uri="{28A0092B-C50C-407E-A947-70E740481C1C}">
+                <a14:useLocalDpi xmlns:a14="http://schemas.microsoft.com/office/drawing/2010/main" val="0"/>
+              </a:ext>
+            </a:extLst>
+          </a:blip>
+          <a:stretch>
+            <a:fillRect/>
+          </a:stretch>
+        </p:blipFill>
+        <p:spPr>
+          <a:xfrm>
+            <a:off x="709053" y="1437696"/>
+            <a:ext cx="466725" cy="409575"/>
+          </a:xfrm>
+          <a:prstGeom prst="rect">
+            <a:avLst/>
+          </a:prstGeom>
+        </p:spPr>
+      </p:pic>
+      <p:pic>
+        <p:nvPicPr>
+          <p:cNvPr id="11" name="Picture 10"/>
+          <p:cNvPicPr>
+            <a:picLocks noChangeAspect="1"/>
+          </p:cNvPicPr>
+          <p:nvPr/>
+        </p:nvPicPr>
+        <p:blipFill rotWithShape="1">
+          <a:blip r:embed="rId4"/>
+          <a:srcRect t="9567"/>
+          <a:stretch/>
+        </p:blipFill>
+        <p:spPr>
+          <a:xfrm>
+            <a:off x="1477989" y="1992477"/>
+            <a:ext cx="6441059" cy="2452204"/>
+          </a:xfrm>
+          <a:prstGeom prst="rect">
+            <a:avLst/>
+          </a:prstGeom>
+        </p:spPr>
+      </p:pic>
+      <p:sp>
+        <p:nvSpPr>
+          <p:cNvPr id="12" name="Title 1"/>
+          <p:cNvSpPr txBox="1">
+            <a:spLocks/>
+          </p:cNvSpPr>
+          <p:nvPr/>
+        </p:nvSpPr>
+        <p:spPr>
+          <a:xfrm>
+            <a:off x="709053" y="5983805"/>
+            <a:ext cx="8047836" cy="496573"/>
+          </a:xfrm>
+          <a:prstGeom prst="rect">
+            <a:avLst/>
+          </a:prstGeom>
+        </p:spPr>
+        <p:txBody>
+          <a:bodyPr/>
+          <a:lstStyle>
+            <a:lvl1pPr algn="l" defTabSz="914400" rtl="0" eaLnBrk="1" latinLnBrk="0" hangingPunct="1">
+              <a:lnSpc>
+                <a:spcPct val="90000"/>
+              </a:lnSpc>
+              <a:spcBef>
+                <a:spcPct val="0"/>
+              </a:spcBef>
+              <a:buNone/>
+              <a:defRPr sz="3200" b="1" kern="1200">
+                <a:solidFill>
+                  <a:srgbClr val="019DD0"/>
+                </a:solidFill>
+                <a:latin typeface="Arial" panose="020B0604020202020204" pitchFamily="34" charset="0"/>
+                <a:ea typeface="+mj-ea"/>
+                <a:cs typeface="Arial" panose="020B0604020202020204" pitchFamily="34" charset="0"/>
+              </a:defRPr>
+            </a:lvl1pPr>
+          </a:lstStyle>
+          <a:p>
+            <a:pPr>
+              <a:lnSpc>
+                <a:spcPct val="100000"/>
+              </a:lnSpc>
+            </a:pPr>
+            <a:r>
+              <a:rPr lang="en-US" sz="2000" b="0" dirty="0" smtClean="0">
                 <a:solidFill>
                   <a:schemeClr val="tx1">
                     <a:lumMod val="95000"/>
@@ -4567,84 +4789,14 @@
                 </a:solidFill>
                 <a:ea typeface="Roboto Condensed" pitchFamily="2" charset="0"/>
               </a:rPr>
-            </a:br>
-            <a:endParaRPr lang="en-US" sz="2400" b="0" dirty="0" smtClean="0">
-              <a:solidFill>
-                <a:schemeClr val="tx1">
-                  <a:lumMod val="95000"/>
-                  <a:lumOff val="5000"/>
-                </a:schemeClr>
-              </a:solidFill>
-              <a:ea typeface="Roboto Condensed" pitchFamily="2" charset="0"/>
-            </a:endParaRPr>
-          </a:p>
-          <a:p>
-            <a:pPr marL="342900" indent="-342900">
-              <a:lnSpc>
-                <a:spcPct val="100000"/>
-              </a:lnSpc>
-              <a:buFont typeface="Arial" panose="020B0604020202020204" pitchFamily="34" charset="0"/>
-              <a:buChar char="•"/>
-            </a:pPr>
-            <a:r>
-              <a:rPr lang="en-US" sz="2400" b="0" dirty="0" smtClean="0">
-                <a:solidFill>
-                  <a:schemeClr val="tx1">
-                    <a:lumMod val="95000"/>
-                    <a:lumOff val="5000"/>
-                  </a:schemeClr>
-                </a:solidFill>
-                <a:ea typeface="Roboto Condensed" pitchFamily="2" charset="0"/>
-              </a:rPr>
-              <a:t>Tránh chạm vào các bộ phận</a:t>
-            </a:r>
-            <a:br>
-              <a:rPr lang="en-US" sz="2400" b="0" dirty="0" smtClean="0">
-                <a:solidFill>
-                  <a:schemeClr val="tx1">
-                    <a:lumMod val="95000"/>
-                    <a:lumOff val="5000"/>
-                  </a:schemeClr>
-                </a:solidFill>
-                <a:ea typeface="Roboto Condensed" pitchFamily="2" charset="0"/>
-              </a:rPr>
-            </a:br>
-            <a:endParaRPr lang="en-US" sz="2400" b="0" dirty="0" smtClean="0">
-              <a:solidFill>
-                <a:schemeClr val="tx1">
-                  <a:lumMod val="95000"/>
-                  <a:lumOff val="5000"/>
-                </a:schemeClr>
-              </a:solidFill>
-              <a:ea typeface="Roboto Condensed" pitchFamily="2" charset="0"/>
-            </a:endParaRPr>
-          </a:p>
-          <a:p>
-            <a:pPr marL="342900" indent="-342900">
-              <a:lnSpc>
-                <a:spcPct val="100000"/>
-              </a:lnSpc>
-              <a:buFont typeface="Arial" panose="020B0604020202020204" pitchFamily="34" charset="0"/>
-              <a:buChar char="•"/>
-            </a:pPr>
-            <a:r>
-              <a:rPr lang="en-US" sz="2400" b="0" dirty="0" smtClean="0">
-                <a:solidFill>
-                  <a:schemeClr val="tx1">
-                    <a:lumMod val="95000"/>
-                    <a:lumOff val="5000"/>
-                  </a:schemeClr>
-                </a:solidFill>
-                <a:ea typeface="Roboto Condensed" pitchFamily="2" charset="0"/>
-              </a:rPr>
-              <a:t>Tránh xa micro:bit khỏi nước</a:t>
-            </a:r>
-          </a:p>
-        </p:txBody>
-      </p:sp>
-      <p:sp>
-        <p:nvSpPr>
-          <p:cNvPr id="9" name="Rectangle 8"/>
+              <a:t>Bước 3: Copy file .hex vào micro:bit </a:t>
+            </a:r>
+          </a:p>
+        </p:txBody>
+      </p:sp>
+      <p:sp>
+        <p:nvSpPr>
+          <p:cNvPr id="13" name="Rectangle 12"/>
           <p:cNvSpPr/>
           <p:nvPr/>
         </p:nvSpPr>
@@ -4699,7 +4851,7 @@
       </p:sp>
       <p:sp>
         <p:nvSpPr>
-          <p:cNvPr id="11" name="TextBox 10"/>
+          <p:cNvPr id="14" name="TextBox 13"/>
           <p:cNvSpPr txBox="1"/>
           <p:nvPr/>
         </p:nvSpPr>
@@ -4739,20 +4891,13 @@
               </a:rPr>
               <a:t>Light và RGB LED trên reka:bit</a:t>
             </a:r>
-            <a:endParaRPr lang="en-US" sz="2400" b="1" dirty="0">
-              <a:solidFill>
-                <a:srgbClr val="64C7E9"/>
-              </a:solidFill>
-              <a:latin typeface="UTM Helve" panose="02040603050506020204" pitchFamily="18" charset="0"/>
-              <a:ea typeface="Roboto" pitchFamily="2" charset="0"/>
-            </a:endParaRPr>
           </a:p>
         </p:txBody>
       </p:sp>
     </p:spTree>
     <p:extLst>
       <p:ext uri="{BB962C8B-B14F-4D97-AF65-F5344CB8AC3E}">
-        <p14:creationId xmlns:p14="http://schemas.microsoft.com/office/powerpoint/2010/main" val="2800974292"/>
+        <p14:creationId xmlns:p14="http://schemas.microsoft.com/office/powerpoint/2010/main" val="3773185111"/>
       </p:ext>
     </p:extLst>
   </p:cSld>
@@ -4805,69 +4950,14 @@
       </p:sp>
       <p:sp>
         <p:nvSpPr>
-          <p:cNvPr id="3" name="Rectangle 2"/>
-          <p:cNvSpPr/>
-          <p:nvPr/>
-        </p:nvSpPr>
-        <p:spPr>
-          <a:xfrm>
-            <a:off x="301925" y="1051379"/>
-            <a:ext cx="8454964" cy="27432"/>
-          </a:xfrm>
-          <a:prstGeom prst="rect">
-            <a:avLst/>
-          </a:prstGeom>
-          <a:gradFill flip="none" rotWithShape="1">
-            <a:gsLst>
-              <a:gs pos="15000">
-                <a:srgbClr val="67C7DF"/>
-              </a:gs>
-              <a:gs pos="100000">
-                <a:srgbClr val="5EB130"/>
-              </a:gs>
-            </a:gsLst>
-            <a:lin ang="0" scaled="1"/>
-            <a:tileRect/>
-          </a:gradFill>
-          <a:ln>
-            <a:noFill/>
-          </a:ln>
-        </p:spPr>
-        <p:style>
-          <a:lnRef idx="2">
-            <a:schemeClr val="accent1">
-              <a:shade val="50000"/>
-            </a:schemeClr>
-          </a:lnRef>
-          <a:fillRef idx="1">
-            <a:schemeClr val="accent1"/>
-          </a:fillRef>
-          <a:effectRef idx="0">
-            <a:schemeClr val="accent1"/>
-          </a:effectRef>
-          <a:fontRef idx="minor">
-            <a:schemeClr val="lt1"/>
-          </a:fontRef>
-        </p:style>
-        <p:txBody>
-          <a:bodyPr rtlCol="0" anchor="ctr"/>
-          <a:lstStyle/>
-          <a:p>
-            <a:pPr algn="ctr"/>
-            <a:endParaRPr lang="en-US"/>
-          </a:p>
-        </p:txBody>
-      </p:sp>
-      <p:sp>
-        <p:nvSpPr>
-          <p:cNvPr id="4" name="TextBox 3"/>
+          <p:cNvPr id="5" name="TextBox 4"/>
           <p:cNvSpPr txBox="1"/>
           <p:nvPr/>
         </p:nvSpPr>
         <p:spPr>
           <a:xfrm>
-            <a:off x="248815" y="546584"/>
-            <a:ext cx="7374995" cy="461665"/>
+            <a:off x="1265305" y="1364739"/>
+            <a:ext cx="5649845" cy="461665"/>
           </a:xfrm>
           <a:prstGeom prst="rect">
             <a:avLst/>
@@ -4880,71 +4970,6 @@
           </a:bodyPr>
           <a:lstStyle/>
           <a:p>
-            <a:r>
-              <a:rPr lang="en-US" sz="2400" b="1" dirty="0" smtClean="0">
-                <a:solidFill>
-                  <a:srgbClr val="64C7E9"/>
-                </a:solidFill>
-                <a:latin typeface="UTM Helve" panose="02040603050506020204" pitchFamily="18" charset="0"/>
-                <a:ea typeface="Roboto" pitchFamily="2" charset="0"/>
-              </a:rPr>
-              <a:t>12.4 </a:t>
-            </a:r>
-            <a:r>
-              <a:rPr lang="en-US" sz="2400" b="1" dirty="0" smtClean="0">
-                <a:solidFill>
-                  <a:srgbClr val="64C7E9"/>
-                </a:solidFill>
-                <a:latin typeface="UTM Helve" panose="02040603050506020204" pitchFamily="18" charset="0"/>
-                <a:ea typeface="Roboto" pitchFamily="2" charset="0"/>
-              </a:rPr>
-              <a:t>Hoạt động học viên</a:t>
-            </a:r>
-            <a:endParaRPr lang="en-US" sz="2400" b="1" dirty="0">
-              <a:solidFill>
-                <a:srgbClr val="64C7E9"/>
-              </a:solidFill>
-              <a:latin typeface="UTM Helve" panose="02040603050506020204" pitchFamily="18" charset="0"/>
-              <a:ea typeface="Roboto" pitchFamily="2" charset="0"/>
-            </a:endParaRPr>
-          </a:p>
-        </p:txBody>
-      </p:sp>
-      <p:sp>
-        <p:nvSpPr>
-          <p:cNvPr id="5" name="TextBox 4"/>
-          <p:cNvSpPr txBox="1"/>
-          <p:nvPr/>
-        </p:nvSpPr>
-        <p:spPr>
-          <a:xfrm>
-            <a:off x="1265306" y="1364739"/>
-            <a:ext cx="3505477" cy="461665"/>
-          </a:xfrm>
-          <a:prstGeom prst="rect">
-            <a:avLst/>
-          </a:prstGeom>
-          <a:noFill/>
-        </p:spPr>
-        <p:txBody>
-          <a:bodyPr wrap="square" rtlCol="0">
-            <a:spAutoFit/>
-          </a:bodyPr>
-          <a:lstStyle/>
-          <a:p>
-            <a:r>
-              <a:rPr lang="vi-VN" sz="2400" b="1" dirty="0">
-                <a:solidFill>
-                  <a:schemeClr val="tx1">
-                    <a:lumMod val="85000"/>
-                    <a:lumOff val="15000"/>
-                  </a:schemeClr>
-                </a:solidFill>
-                <a:latin typeface="UTM Helve" panose="02040603050506020204" pitchFamily="18" charset="0"/>
-                <a:ea typeface="Roboto" pitchFamily="2" charset="0"/>
-              </a:rPr>
-              <a:t>Xe </a:t>
-            </a:r>
             <a:r>
               <a:rPr lang="en-US" sz="2400" b="1" dirty="0" smtClean="0">
                 <a:solidFill>
@@ -4956,7 +4981,7 @@
                 <a:latin typeface="UTM Helve" panose="02040603050506020204" pitchFamily="18" charset="0"/>
                 <a:ea typeface="Roboto" pitchFamily="2" charset="0"/>
               </a:rPr>
-              <a:t>cấp cứu zoom:bit</a:t>
+              <a:t>Giữ an toàn cho micro:bit</a:t>
             </a:r>
             <a:endParaRPr lang="en-US" sz="2400" b="1" dirty="0">
               <a:solidFill>
@@ -5001,9 +5026,36 @@
           </a:prstGeom>
         </p:spPr>
       </p:pic>
-      <p:sp>
-        <p:nvSpPr>
-          <p:cNvPr id="21" name="Title 1"/>
+      <p:pic>
+        <p:nvPicPr>
+          <p:cNvPr id="7" name="Google Shape;149;p5"/>
+          <p:cNvPicPr preferRelativeResize="0"/>
+          <p:nvPr/>
+        </p:nvPicPr>
+        <p:blipFill rotWithShape="1">
+          <a:blip r:embed="rId3">
+            <a:alphaModFix/>
+          </a:blip>
+          <a:srcRect/>
+          <a:stretch/>
+        </p:blipFill>
+        <p:spPr>
+          <a:xfrm>
+            <a:off x="804690" y="2535250"/>
+            <a:ext cx="3206517" cy="3182856"/>
+          </a:xfrm>
+          <a:prstGeom prst="rect">
+            <a:avLst/>
+          </a:prstGeom>
+          <a:noFill/>
+          <a:ln>
+            <a:noFill/>
+          </a:ln>
+        </p:spPr>
+      </p:pic>
+      <p:sp>
+        <p:nvSpPr>
+          <p:cNvPr id="8" name="Title 1"/>
           <p:cNvSpPr txBox="1">
             <a:spLocks/>
           </p:cNvSpPr>
@@ -5011,8 +5063,8 @@
         </p:nvSpPr>
         <p:spPr>
           <a:xfrm>
-            <a:off x="709053" y="2028427"/>
-            <a:ext cx="7118507" cy="429492"/>
+            <a:off x="4261791" y="2490360"/>
+            <a:ext cx="4253559" cy="3227746"/>
           </a:xfrm>
           <a:prstGeom prst="rect">
             <a:avLst/>
@@ -5040,13 +5092,15 @@
             </a:lvl1pPr>
           </a:lstStyle>
           <a:p>
-            <a:pPr>
+            <a:pPr marL="342900" indent="-342900">
               <a:lnSpc>
                 <a:spcPct val="100000"/>
               </a:lnSpc>
+              <a:buFont typeface="Arial" panose="020B0604020202020204" pitchFamily="34" charset="0"/>
+              <a:buChar char="•"/>
             </a:pPr>
             <a:r>
-              <a:rPr lang="en-US" sz="2000" b="0" dirty="0" smtClean="0">
+              <a:rPr lang="en-US" sz="2400" b="0" dirty="0">
                 <a:solidFill>
                   <a:schemeClr val="tx1">
                     <a:lumMod val="95000"/>
@@ -5055,9 +5109,32 @@
                 </a:solidFill>
                 <a:ea typeface="Roboto Condensed" pitchFamily="2" charset="0"/>
               </a:rPr>
-              <a:t>Dùng zoom:bit giả lập một xe cấp cứu với yêu cầu như sau:</a:t>
-            </a:r>
-            <a:endParaRPr lang="en-US" sz="2000" dirty="0" smtClean="0">
+              <a:t>Cầm micro:bit cẩn thận ở các </a:t>
+            </a:r>
+            <a:r>
+              <a:rPr lang="en-US" sz="2400" b="0" dirty="0" smtClean="0">
+                <a:solidFill>
+                  <a:schemeClr val="tx1">
+                    <a:lumMod val="95000"/>
+                    <a:lumOff val="5000"/>
+                  </a:schemeClr>
+                </a:solidFill>
+                <a:ea typeface="Roboto Condensed" pitchFamily="2" charset="0"/>
+              </a:rPr>
+              <a:t>cạnh</a:t>
+            </a:r>
+            <a:br>
+              <a:rPr lang="en-US" sz="2400" b="0" dirty="0" smtClean="0">
+                <a:solidFill>
+                  <a:schemeClr val="tx1">
+                    <a:lumMod val="95000"/>
+                    <a:lumOff val="5000"/>
+                  </a:schemeClr>
+                </a:solidFill>
+                <a:ea typeface="Roboto Condensed" pitchFamily="2" charset="0"/>
+              </a:rPr>
+            </a:br>
+            <a:endParaRPr lang="en-US" sz="2400" b="0" dirty="0" smtClean="0">
               <a:solidFill>
                 <a:schemeClr val="tx1">
                   <a:lumMod val="95000"/>
@@ -5067,141 +5144,16 @@
               <a:ea typeface="Roboto Condensed" pitchFamily="2" charset="0"/>
             </a:endParaRPr>
           </a:p>
-        </p:txBody>
-      </p:sp>
-      <p:sp>
-        <p:nvSpPr>
-          <p:cNvPr id="11" name="Rectangle 10"/>
-          <p:cNvSpPr/>
-          <p:nvPr/>
-        </p:nvSpPr>
-        <p:spPr>
-          <a:xfrm>
-            <a:off x="4294682" y="2811400"/>
-            <a:ext cx="171494" cy="171494"/>
-          </a:xfrm>
-          <a:prstGeom prst="rect">
-            <a:avLst/>
-          </a:prstGeom>
-          <a:solidFill>
-            <a:srgbClr val="64C7E9"/>
-          </a:solidFill>
-          <a:ln>
-            <a:noFill/>
-          </a:ln>
-        </p:spPr>
-        <p:style>
-          <a:lnRef idx="2">
-            <a:schemeClr val="accent1">
-              <a:shade val="50000"/>
-            </a:schemeClr>
-          </a:lnRef>
-          <a:fillRef idx="1">
-            <a:schemeClr val="accent1"/>
-          </a:fillRef>
-          <a:effectRef idx="0">
-            <a:schemeClr val="accent1"/>
-          </a:effectRef>
-          <a:fontRef idx="minor">
-            <a:schemeClr val="lt1"/>
-          </a:fontRef>
-        </p:style>
-        <p:txBody>
-          <a:bodyPr rtlCol="0" anchor="ctr"/>
-          <a:lstStyle/>
-          <a:p>
-            <a:pPr algn="ctr"/>
-            <a:endParaRPr lang="en-US"/>
-          </a:p>
-        </p:txBody>
-      </p:sp>
-      <p:pic>
-        <p:nvPicPr>
-          <p:cNvPr id="2050" name="Picture 2" descr="Vector an ambulance travels to call a sick patient. flat  illustration."/>
-          <p:cNvPicPr>
-            <a:picLocks noChangeAspect="1" noChangeArrowheads="1"/>
-          </p:cNvPicPr>
-          <p:nvPr/>
-        </p:nvPicPr>
-        <p:blipFill>
-          <a:blip r:embed="rId3">
-            <a:extLst>
-              <a:ext uri="{28A0092B-C50C-407E-A947-70E740481C1C}">
-                <a14:useLocalDpi xmlns:a14="http://schemas.microsoft.com/office/drawing/2010/main" val="0"/>
-              </a:ext>
-            </a:extLst>
-          </a:blip>
-          <a:srcRect/>
-          <a:stretch>
-            <a:fillRect/>
-          </a:stretch>
-        </p:blipFill>
-        <p:spPr bwMode="auto">
-          <a:xfrm>
-            <a:off x="248815" y="2747434"/>
-            <a:ext cx="4045867" cy="3851977"/>
-          </a:xfrm>
-          <a:prstGeom prst="rect">
-            <a:avLst/>
-          </a:prstGeom>
-          <a:noFill/>
-          <a:extLst>
-            <a:ext uri="{909E8E84-426E-40DD-AFC4-6F175D3DCCD1}">
-              <a14:hiddenFill xmlns:a14="http://schemas.microsoft.com/office/drawing/2010/main">
-                <a:solidFill>
-                  <a:srgbClr val="FFFFFF"/>
-                </a:solidFill>
-              </a14:hiddenFill>
-            </a:ext>
-          </a:extLst>
-        </p:spPr>
-      </p:pic>
-      <p:sp>
-        <p:nvSpPr>
-          <p:cNvPr id="12" name="Title 1"/>
-          <p:cNvSpPr txBox="1">
-            <a:spLocks/>
-          </p:cNvSpPr>
-          <p:nvPr/>
-        </p:nvSpPr>
-        <p:spPr>
-          <a:xfrm>
-            <a:off x="4532436" y="3583957"/>
-            <a:ext cx="3979607" cy="1864928"/>
-          </a:xfrm>
-          <a:prstGeom prst="rect">
-            <a:avLst/>
-          </a:prstGeom>
-        </p:spPr>
-        <p:txBody>
-          <a:bodyPr/>
-          <a:lstStyle>
-            <a:lvl1pPr algn="l" defTabSz="914400" rtl="0" eaLnBrk="1" latinLnBrk="0" hangingPunct="1">
-              <a:lnSpc>
-                <a:spcPct val="90000"/>
-              </a:lnSpc>
-              <a:spcBef>
-                <a:spcPct val="0"/>
-              </a:spcBef>
-              <a:buNone/>
-              <a:defRPr sz="3200" b="1" kern="1200">
-                <a:solidFill>
-                  <a:srgbClr val="019DD0"/>
-                </a:solidFill>
-                <a:latin typeface="Arial" panose="020B0604020202020204" pitchFamily="34" charset="0"/>
-                <a:ea typeface="+mj-ea"/>
-                <a:cs typeface="Arial" panose="020B0604020202020204" pitchFamily="34" charset="0"/>
-              </a:defRPr>
-            </a:lvl1pPr>
-          </a:lstStyle>
-          <a:p>
-            <a:pPr>
+          <a:p>
+            <a:pPr marL="342900" indent="-342900">
               <a:lnSpc>
                 <a:spcPct val="100000"/>
               </a:lnSpc>
+              <a:buFont typeface="Arial" panose="020B0604020202020204" pitchFamily="34" charset="0"/>
+              <a:buChar char="•"/>
             </a:pPr>
             <a:r>
-              <a:rPr lang="vi-VN" sz="2000" b="0" dirty="0">
+              <a:rPr lang="en-US" sz="2400" b="0" dirty="0" smtClean="0">
                 <a:solidFill>
                   <a:schemeClr val="tx1">
                     <a:lumMod val="95000"/>
@@ -5210,10 +5162,10 @@
                 </a:solidFill>
                 <a:ea typeface="Roboto Condensed" pitchFamily="2" charset="0"/>
               </a:rPr>
-              <a:t>Để tăng sự thu hút của mọi người và nhường đường để xe chạy, </a:t>
-            </a:r>
-            <a:r>
-              <a:rPr lang="en-US" sz="2000" b="0" dirty="0" smtClean="0">
+              <a:t>Tránh chạm vào các bộ phận</a:t>
+            </a:r>
+            <a:br>
+              <a:rPr lang="en-US" sz="2400" b="0" dirty="0" smtClean="0">
                 <a:solidFill>
                   <a:schemeClr val="tx1">
                     <a:lumMod val="95000"/>
@@ -5222,153 +5174,8 @@
                 </a:solidFill>
                 <a:ea typeface="Roboto Condensed" pitchFamily="2" charset="0"/>
               </a:rPr>
-              <a:t>bạn </a:t>
-            </a:r>
-            <a:r>
-              <a:rPr lang="vi-VN" sz="2000" b="0" dirty="0" smtClean="0">
-                <a:solidFill>
-                  <a:schemeClr val="tx1">
-                    <a:lumMod val="95000"/>
-                    <a:lumOff val="5000"/>
-                  </a:schemeClr>
-                </a:solidFill>
-                <a:ea typeface="Roboto Condensed" pitchFamily="2" charset="0"/>
-              </a:rPr>
-              <a:t>có </a:t>
-            </a:r>
-            <a:r>
-              <a:rPr lang="vi-VN" sz="2000" b="0" dirty="0">
-                <a:solidFill>
-                  <a:schemeClr val="tx1">
-                    <a:lumMod val="95000"/>
-                    <a:lumOff val="5000"/>
-                  </a:schemeClr>
-                </a:solidFill>
-                <a:ea typeface="Roboto Condensed" pitchFamily="2" charset="0"/>
-              </a:rPr>
-              <a:t>thể vừa cho </a:t>
-            </a:r>
-            <a:r>
-              <a:rPr lang="vi-VN" sz="2000" b="0" dirty="0" smtClean="0">
-                <a:solidFill>
-                  <a:schemeClr val="tx1">
-                    <a:lumMod val="95000"/>
-                    <a:lumOff val="5000"/>
-                  </a:schemeClr>
-                </a:solidFill>
-                <a:ea typeface="Roboto Condensed" pitchFamily="2" charset="0"/>
-              </a:rPr>
-              <a:t>đèn</a:t>
-            </a:r>
-            <a:r>
-              <a:rPr lang="en-US" sz="2000" b="0" dirty="0" smtClean="0">
-                <a:solidFill>
-                  <a:schemeClr val="tx1">
-                    <a:lumMod val="95000"/>
-                    <a:lumOff val="5000"/>
-                  </a:schemeClr>
-                </a:solidFill>
-                <a:ea typeface="Roboto Condensed" pitchFamily="2" charset="0"/>
-              </a:rPr>
-              <a:t> RGB LED</a:t>
-            </a:r>
-            <a:r>
-              <a:rPr lang="vi-VN" sz="2000" b="0" dirty="0" smtClean="0">
-                <a:solidFill>
-                  <a:schemeClr val="tx1">
-                    <a:lumMod val="95000"/>
-                    <a:lumOff val="5000"/>
-                  </a:schemeClr>
-                </a:solidFill>
-                <a:ea typeface="Roboto Condensed" pitchFamily="2" charset="0"/>
-              </a:rPr>
-              <a:t> </a:t>
-            </a:r>
-            <a:r>
-              <a:rPr lang="vi-VN" sz="2000" b="0" dirty="0">
-                <a:solidFill>
-                  <a:schemeClr val="tx1">
-                    <a:lumMod val="95000"/>
-                    <a:lumOff val="5000"/>
-                  </a:schemeClr>
-                </a:solidFill>
-                <a:ea typeface="Roboto Condensed" pitchFamily="2" charset="0"/>
-              </a:rPr>
-              <a:t>nhấp </a:t>
-            </a:r>
-            <a:r>
-              <a:rPr lang="vi-VN" sz="2000" b="0" dirty="0" smtClean="0">
-                <a:solidFill>
-                  <a:schemeClr val="tx1">
-                    <a:lumMod val="95000"/>
-                    <a:lumOff val="5000"/>
-                  </a:schemeClr>
-                </a:solidFill>
-                <a:ea typeface="Roboto Condensed" pitchFamily="2" charset="0"/>
-              </a:rPr>
-              <a:t>nháy</a:t>
-            </a:r>
-            <a:r>
-              <a:rPr lang="en-US" sz="2000" b="0" dirty="0" smtClean="0">
-                <a:solidFill>
-                  <a:schemeClr val="tx1">
-                    <a:lumMod val="95000"/>
-                    <a:lumOff val="5000"/>
-                  </a:schemeClr>
-                </a:solidFill>
-                <a:ea typeface="Roboto Condensed" pitchFamily="2" charset="0"/>
-              </a:rPr>
-              <a:t> liên tục</a:t>
-            </a:r>
-            <a:r>
-              <a:rPr lang="vi-VN" sz="2000" b="0" dirty="0" smtClean="0">
-                <a:solidFill>
-                  <a:schemeClr val="tx1">
-                    <a:lumMod val="95000"/>
-                    <a:lumOff val="5000"/>
-                  </a:schemeClr>
-                </a:solidFill>
-                <a:ea typeface="Roboto Condensed" pitchFamily="2" charset="0"/>
-              </a:rPr>
-              <a:t> </a:t>
-            </a:r>
-            <a:r>
-              <a:rPr lang="vi-VN" sz="2000" b="0" dirty="0">
-                <a:solidFill>
-                  <a:schemeClr val="tx1">
-                    <a:lumMod val="95000"/>
-                    <a:lumOff val="5000"/>
-                  </a:schemeClr>
-                </a:solidFill>
-                <a:ea typeface="Roboto Condensed" pitchFamily="2" charset="0"/>
-              </a:rPr>
-              <a:t>vừa phát ra tiếng còi báo </a:t>
-            </a:r>
-            <a:r>
-              <a:rPr lang="vi-VN" sz="2000" b="0" dirty="0" smtClean="0">
-                <a:solidFill>
-                  <a:schemeClr val="tx1">
-                    <a:lumMod val="95000"/>
-                    <a:lumOff val="5000"/>
-                  </a:schemeClr>
-                </a:solidFill>
-                <a:ea typeface="Roboto Condensed" pitchFamily="2" charset="0"/>
-              </a:rPr>
-              <a:t>động</a:t>
-            </a:r>
-            <a:r>
-              <a:rPr lang="en-US" sz="2000" b="0" dirty="0" smtClean="0">
-                <a:solidFill>
-                  <a:schemeClr val="tx1">
-                    <a:lumMod val="95000"/>
-                    <a:lumOff val="5000"/>
-                  </a:schemeClr>
-                </a:solidFill>
-                <a:ea typeface="Roboto Condensed" pitchFamily="2" charset="0"/>
-              </a:rPr>
-              <a:t> tò te to tè bằng các khối âm thanh</a:t>
-            </a:r>
-            <a:endParaRPr lang="en-US" sz="2000" dirty="0" smtClean="0">
+            </a:br>
+            <a:endParaRPr lang="en-US" sz="2400" b="0" dirty="0" smtClean="0">
               <a:solidFill>
                 <a:schemeClr val="tx1">
                   <a:lumMod val="95000"/>
@@ -5378,25 +5185,55 @@
               <a:ea typeface="Roboto Condensed" pitchFamily="2" charset="0"/>
             </a:endParaRPr>
           </a:p>
-        </p:txBody>
-      </p:sp>
-      <p:sp>
-        <p:nvSpPr>
-          <p:cNvPr id="13" name="Rectangle 12"/>
+          <a:p>
+            <a:pPr marL="342900" indent="-342900">
+              <a:lnSpc>
+                <a:spcPct val="100000"/>
+              </a:lnSpc>
+              <a:buFont typeface="Arial" panose="020B0604020202020204" pitchFamily="34" charset="0"/>
+              <a:buChar char="•"/>
+            </a:pPr>
+            <a:r>
+              <a:rPr lang="en-US" sz="2400" b="0" dirty="0" smtClean="0">
+                <a:solidFill>
+                  <a:schemeClr val="tx1">
+                    <a:lumMod val="95000"/>
+                    <a:lumOff val="5000"/>
+                  </a:schemeClr>
+                </a:solidFill>
+                <a:ea typeface="Roboto Condensed" pitchFamily="2" charset="0"/>
+              </a:rPr>
+              <a:t>Tránh xa micro:bit khỏi nước</a:t>
+            </a:r>
+          </a:p>
+        </p:txBody>
+      </p:sp>
+      <p:sp>
+        <p:nvSpPr>
+          <p:cNvPr id="9" name="Rectangle 8"/>
           <p:cNvSpPr/>
           <p:nvPr/>
         </p:nvSpPr>
         <p:spPr>
           <a:xfrm>
-            <a:off x="4294682" y="3727414"/>
-            <a:ext cx="171494" cy="171494"/>
-          </a:xfrm>
-          <a:prstGeom prst="rect">
-            <a:avLst/>
-          </a:prstGeom>
-          <a:solidFill>
-            <a:srgbClr val="64C7E9"/>
-          </a:solidFill>
+            <a:off x="301925" y="1051379"/>
+            <a:ext cx="8454964" cy="27432"/>
+          </a:xfrm>
+          <a:prstGeom prst="rect">
+            <a:avLst/>
+          </a:prstGeom>
+          <a:gradFill flip="none" rotWithShape="1">
+            <a:gsLst>
+              <a:gs pos="15000">
+                <a:srgbClr val="67C7DF"/>
+              </a:gs>
+              <a:gs pos="100000">
+                <a:srgbClr val="5EB130"/>
+              </a:gs>
+            </a:gsLst>
+            <a:lin ang="0" scaled="1"/>
+            <a:tileRect/>
+          </a:gradFill>
           <a:ln>
             <a:noFill/>
           </a:ln>
@@ -5428,190 +5265,53 @@
       </p:sp>
       <p:sp>
         <p:nvSpPr>
-          <p:cNvPr id="15" name="Title 1"/>
-          <p:cNvSpPr txBox="1">
-            <a:spLocks/>
-          </p:cNvSpPr>
-          <p:nvPr/>
-        </p:nvSpPr>
-        <p:spPr>
-          <a:xfrm>
-            <a:off x="4532436" y="2685384"/>
-            <a:ext cx="3979607" cy="816644"/>
-          </a:xfrm>
-          <a:prstGeom prst="rect">
-            <a:avLst/>
-          </a:prstGeom>
-        </p:spPr>
-        <p:txBody>
-          <a:bodyPr/>
-          <a:lstStyle>
-            <a:lvl1pPr algn="l" defTabSz="914400" rtl="0" eaLnBrk="1" latinLnBrk="0" hangingPunct="1">
-              <a:lnSpc>
-                <a:spcPct val="90000"/>
-              </a:lnSpc>
-              <a:spcBef>
-                <a:spcPct val="0"/>
-              </a:spcBef>
-              <a:buNone/>
-              <a:defRPr sz="3200" b="1" kern="1200">
+          <p:cNvPr id="11" name="TextBox 10"/>
+          <p:cNvSpPr txBox="1"/>
+          <p:nvPr/>
+        </p:nvSpPr>
+        <p:spPr>
+          <a:xfrm>
+            <a:off x="248815" y="546584"/>
+            <a:ext cx="7374995" cy="461665"/>
+          </a:xfrm>
+          <a:prstGeom prst="rect">
+            <a:avLst/>
+          </a:prstGeom>
+          <a:noFill/>
+        </p:spPr>
+        <p:txBody>
+          <a:bodyPr wrap="square" rtlCol="0">
+            <a:spAutoFit/>
+          </a:bodyPr>
+          <a:lstStyle/>
+          <a:p>
+            <a:r>
+              <a:rPr lang="en-US" sz="2400" b="1" dirty="0" smtClean="0">
                 <a:solidFill>
-                  <a:srgbClr val="019DD0"/>
+                  <a:srgbClr val="64C7E9"/>
                 </a:solidFill>
-                <a:latin typeface="Arial" panose="020B0604020202020204" pitchFamily="34" charset="0"/>
-                <a:ea typeface="+mj-ea"/>
-                <a:cs typeface="Arial" panose="020B0604020202020204" pitchFamily="34" charset="0"/>
-              </a:defRPr>
-            </a:lvl1pPr>
-          </a:lstStyle>
-          <a:p>
-            <a:pPr>
-              <a:lnSpc>
-                <a:spcPct val="100000"/>
-              </a:lnSpc>
-            </a:pPr>
-            <a:r>
-              <a:rPr lang="en-US" sz="2000" b="0" dirty="0" smtClean="0">
+                <a:latin typeface="UTM Helve" panose="02040603050506020204" pitchFamily="18" charset="0"/>
+                <a:ea typeface="Roboto" pitchFamily="2" charset="0"/>
+              </a:rPr>
+              <a:t>Head </a:t>
+            </a:r>
+            <a:r>
+              <a:rPr lang="en-US" sz="2400" b="1" dirty="0">
                 <a:solidFill>
-                  <a:schemeClr val="tx1">
-                    <a:lumMod val="95000"/>
-                    <a:lumOff val="5000"/>
-                  </a:schemeClr>
+                  <a:srgbClr val="64C7E9"/>
                 </a:solidFill>
-                <a:ea typeface="Roboto Condensed" pitchFamily="2" charset="0"/>
-              </a:rPr>
-              <a:t>Nhấn nút A thì bắt đầu nháy 2 đền LED RGB với màu Đỏ</a:t>
-            </a:r>
-            <a:endParaRPr lang="en-US" sz="2000" dirty="0" smtClean="0">
-              <a:solidFill>
-                <a:schemeClr val="tx1">
-                  <a:lumMod val="95000"/>
-                  <a:lumOff val="5000"/>
-                </a:schemeClr>
-              </a:solidFill>
-              <a:ea typeface="Roboto Condensed" pitchFamily="2" charset="0"/>
-            </a:endParaRPr>
-          </a:p>
-        </p:txBody>
-      </p:sp>
-      <p:sp>
-        <p:nvSpPr>
-          <p:cNvPr id="16" name="Rectangle 15"/>
-          <p:cNvSpPr/>
-          <p:nvPr/>
-        </p:nvSpPr>
-        <p:spPr>
-          <a:xfrm>
-            <a:off x="4294682" y="5726878"/>
-            <a:ext cx="171494" cy="171494"/>
-          </a:xfrm>
-          <a:prstGeom prst="rect">
-            <a:avLst/>
-          </a:prstGeom>
-          <a:solidFill>
-            <a:srgbClr val="64C7E9"/>
-          </a:solidFill>
-          <a:ln>
-            <a:noFill/>
-          </a:ln>
-        </p:spPr>
-        <p:style>
-          <a:lnRef idx="2">
-            <a:schemeClr val="accent1">
-              <a:shade val="50000"/>
-            </a:schemeClr>
-          </a:lnRef>
-          <a:fillRef idx="1">
-            <a:schemeClr val="accent1"/>
-          </a:fillRef>
-          <a:effectRef idx="0">
-            <a:schemeClr val="accent1"/>
-          </a:effectRef>
-          <a:fontRef idx="minor">
-            <a:schemeClr val="lt1"/>
-          </a:fontRef>
-        </p:style>
-        <p:txBody>
-          <a:bodyPr rtlCol="0" anchor="ctr"/>
-          <a:lstStyle/>
-          <a:p>
-            <a:pPr algn="ctr"/>
-            <a:endParaRPr lang="en-US"/>
-          </a:p>
-        </p:txBody>
-      </p:sp>
-      <p:sp>
-        <p:nvSpPr>
-          <p:cNvPr id="17" name="Title 1"/>
-          <p:cNvSpPr txBox="1">
-            <a:spLocks/>
-          </p:cNvSpPr>
-          <p:nvPr/>
-        </p:nvSpPr>
-        <p:spPr>
-          <a:xfrm>
-            <a:off x="4532436" y="5600862"/>
-            <a:ext cx="3979607" cy="816644"/>
-          </a:xfrm>
-          <a:prstGeom prst="rect">
-            <a:avLst/>
-          </a:prstGeom>
-        </p:spPr>
-        <p:txBody>
-          <a:bodyPr/>
-          <a:lstStyle>
-            <a:lvl1pPr algn="l" defTabSz="914400" rtl="0" eaLnBrk="1" latinLnBrk="0" hangingPunct="1">
-              <a:lnSpc>
-                <a:spcPct val="90000"/>
-              </a:lnSpc>
-              <a:spcBef>
-                <a:spcPct val="0"/>
-              </a:spcBef>
-              <a:buNone/>
-              <a:defRPr sz="3200" b="1" kern="1200">
-                <a:solidFill>
-                  <a:srgbClr val="019DD0"/>
-                </a:solidFill>
-                <a:latin typeface="Arial" panose="020B0604020202020204" pitchFamily="34" charset="0"/>
-                <a:ea typeface="+mj-ea"/>
-                <a:cs typeface="Arial" panose="020B0604020202020204" pitchFamily="34" charset="0"/>
-              </a:defRPr>
-            </a:lvl1pPr>
-          </a:lstStyle>
-          <a:p>
-            <a:pPr>
-              <a:lnSpc>
-                <a:spcPct val="100000"/>
-              </a:lnSpc>
-            </a:pPr>
-            <a:r>
-              <a:rPr lang="en-US" sz="2000" b="0" dirty="0" smtClean="0">
-                <a:solidFill>
-                  <a:schemeClr val="tx1">
-                    <a:lumMod val="95000"/>
-                    <a:lumOff val="5000"/>
-                  </a:schemeClr>
-                </a:solidFill>
-                <a:ea typeface="Roboto Condensed" pitchFamily="2" charset="0"/>
-              </a:rPr>
-              <a:t>Nhấn nút B để tắt đèn và âm thanh</a:t>
-            </a:r>
-            <a:endParaRPr lang="en-US" sz="2000" dirty="0" smtClean="0">
-              <a:solidFill>
-                <a:schemeClr val="tx1">
-                  <a:lumMod val="95000"/>
-                  <a:lumOff val="5000"/>
-                </a:schemeClr>
-              </a:solidFill>
-              <a:ea typeface="Roboto Condensed" pitchFamily="2" charset="0"/>
-            </a:endParaRPr>
+                <a:latin typeface="UTM Helve" panose="02040603050506020204" pitchFamily="18" charset="0"/>
+                <a:ea typeface="Roboto" pitchFamily="2" charset="0"/>
+              </a:rPr>
+              <a:t>Light và RGB LED trên reka:bit</a:t>
+            </a:r>
           </a:p>
         </p:txBody>
       </p:sp>
     </p:spTree>
     <p:extLst>
       <p:ext uri="{BB962C8B-B14F-4D97-AF65-F5344CB8AC3E}">
-        <p14:creationId xmlns:p14="http://schemas.microsoft.com/office/powerpoint/2010/main" val="785694606"/>
+        <p14:creationId xmlns:p14="http://schemas.microsoft.com/office/powerpoint/2010/main" val="2800974292"/>
       </p:ext>
     </p:extLst>
   </p:cSld>
@@ -5747,8 +5447,847 @@
                 <a:latin typeface="UTM Helve" panose="02040603050506020204" pitchFamily="18" charset="0"/>
                 <a:ea typeface="Roboto" pitchFamily="2" charset="0"/>
               </a:rPr>
-              <a:t>12.4 </a:t>
-            </a:r>
+              <a:t>12.4 Hoạt động học viên</a:t>
+            </a:r>
+            <a:endParaRPr lang="en-US" sz="2400" b="1" dirty="0">
+              <a:solidFill>
+                <a:srgbClr val="64C7E9"/>
+              </a:solidFill>
+              <a:latin typeface="UTM Helve" panose="02040603050506020204" pitchFamily="18" charset="0"/>
+              <a:ea typeface="Roboto" pitchFamily="2" charset="0"/>
+            </a:endParaRPr>
+          </a:p>
+        </p:txBody>
+      </p:sp>
+      <p:sp>
+        <p:nvSpPr>
+          <p:cNvPr id="5" name="TextBox 4"/>
+          <p:cNvSpPr txBox="1"/>
+          <p:nvPr/>
+        </p:nvSpPr>
+        <p:spPr>
+          <a:xfrm>
+            <a:off x="1265306" y="1364739"/>
+            <a:ext cx="3505477" cy="461665"/>
+          </a:xfrm>
+          <a:prstGeom prst="rect">
+            <a:avLst/>
+          </a:prstGeom>
+          <a:noFill/>
+        </p:spPr>
+        <p:txBody>
+          <a:bodyPr wrap="square" rtlCol="0">
+            <a:spAutoFit/>
+          </a:bodyPr>
+          <a:lstStyle/>
+          <a:p>
+            <a:r>
+              <a:rPr lang="vi-VN" sz="2400" b="1" dirty="0">
+                <a:solidFill>
+                  <a:schemeClr val="tx1">
+                    <a:lumMod val="85000"/>
+                    <a:lumOff val="15000"/>
+                  </a:schemeClr>
+                </a:solidFill>
+                <a:latin typeface="UTM Helve" panose="02040603050506020204" pitchFamily="18" charset="0"/>
+                <a:ea typeface="Roboto" pitchFamily="2" charset="0"/>
+              </a:rPr>
+              <a:t>Xe </a:t>
+            </a:r>
+            <a:r>
+              <a:rPr lang="en-US" sz="2400" b="1" dirty="0" smtClean="0">
+                <a:solidFill>
+                  <a:schemeClr val="tx1">
+                    <a:lumMod val="85000"/>
+                    <a:lumOff val="15000"/>
+                  </a:schemeClr>
+                </a:solidFill>
+                <a:latin typeface="UTM Helve" panose="02040603050506020204" pitchFamily="18" charset="0"/>
+                <a:ea typeface="Roboto" pitchFamily="2" charset="0"/>
+              </a:rPr>
+              <a:t>cấp cứu zoom:bit</a:t>
+            </a:r>
+            <a:endParaRPr lang="en-US" sz="2400" b="1" dirty="0">
+              <a:solidFill>
+                <a:schemeClr val="tx1">
+                  <a:lumMod val="85000"/>
+                  <a:lumOff val="15000"/>
+                </a:schemeClr>
+              </a:solidFill>
+              <a:latin typeface="UTM Helve" panose="02040603050506020204" pitchFamily="18" charset="0"/>
+              <a:ea typeface="Roboto" pitchFamily="2" charset="0"/>
+            </a:endParaRPr>
+          </a:p>
+        </p:txBody>
+      </p:sp>
+      <p:pic>
+        <p:nvPicPr>
+          <p:cNvPr id="6" name="Picture 5"/>
+          <p:cNvPicPr>
+            <a:picLocks noChangeAspect="1"/>
+          </p:cNvPicPr>
+          <p:nvPr/>
+        </p:nvPicPr>
+        <p:blipFill>
+          <a:blip r:embed="rId2">
+            <a:extLst>
+              <a:ext uri="{28A0092B-C50C-407E-A947-70E740481C1C}">
+                <a14:useLocalDpi xmlns:a14="http://schemas.microsoft.com/office/drawing/2010/main" val="0"/>
+              </a:ext>
+            </a:extLst>
+          </a:blip>
+          <a:stretch>
+            <a:fillRect/>
+          </a:stretch>
+        </p:blipFill>
+        <p:spPr>
+          <a:xfrm>
+            <a:off x="709053" y="1437696"/>
+            <a:ext cx="466725" cy="409575"/>
+          </a:xfrm>
+          <a:prstGeom prst="rect">
+            <a:avLst/>
+          </a:prstGeom>
+        </p:spPr>
+      </p:pic>
+      <p:sp>
+        <p:nvSpPr>
+          <p:cNvPr id="21" name="Title 1"/>
+          <p:cNvSpPr txBox="1">
+            <a:spLocks/>
+          </p:cNvSpPr>
+          <p:nvPr/>
+        </p:nvSpPr>
+        <p:spPr>
+          <a:xfrm>
+            <a:off x="709053" y="2028427"/>
+            <a:ext cx="7118507" cy="429492"/>
+          </a:xfrm>
+          <a:prstGeom prst="rect">
+            <a:avLst/>
+          </a:prstGeom>
+        </p:spPr>
+        <p:txBody>
+          <a:bodyPr/>
+          <a:lstStyle>
+            <a:lvl1pPr algn="l" defTabSz="914400" rtl="0" eaLnBrk="1" latinLnBrk="0" hangingPunct="1">
+              <a:lnSpc>
+                <a:spcPct val="90000"/>
+              </a:lnSpc>
+              <a:spcBef>
+                <a:spcPct val="0"/>
+              </a:spcBef>
+              <a:buNone/>
+              <a:defRPr sz="3200" b="1" kern="1200">
+                <a:solidFill>
+                  <a:srgbClr val="019DD0"/>
+                </a:solidFill>
+                <a:latin typeface="Arial" panose="020B0604020202020204" pitchFamily="34" charset="0"/>
+                <a:ea typeface="+mj-ea"/>
+                <a:cs typeface="Arial" panose="020B0604020202020204" pitchFamily="34" charset="0"/>
+              </a:defRPr>
+            </a:lvl1pPr>
+          </a:lstStyle>
+          <a:p>
+            <a:pPr>
+              <a:lnSpc>
+                <a:spcPct val="100000"/>
+              </a:lnSpc>
+            </a:pPr>
+            <a:r>
+              <a:rPr lang="en-US" sz="2000" b="0" dirty="0" smtClean="0">
+                <a:solidFill>
+                  <a:schemeClr val="tx1">
+                    <a:lumMod val="95000"/>
+                    <a:lumOff val="5000"/>
+                  </a:schemeClr>
+                </a:solidFill>
+                <a:ea typeface="Roboto Condensed" pitchFamily="2" charset="0"/>
+              </a:rPr>
+              <a:t>Dùng zoom:bit giả lập một xe cấp cứu với yêu cầu như sau:</a:t>
+            </a:r>
+            <a:endParaRPr lang="en-US" sz="2000" dirty="0" smtClean="0">
+              <a:solidFill>
+                <a:schemeClr val="tx1">
+                  <a:lumMod val="95000"/>
+                  <a:lumOff val="5000"/>
+                </a:schemeClr>
+              </a:solidFill>
+              <a:ea typeface="Roboto Condensed" pitchFamily="2" charset="0"/>
+            </a:endParaRPr>
+          </a:p>
+        </p:txBody>
+      </p:sp>
+      <p:sp>
+        <p:nvSpPr>
+          <p:cNvPr id="11" name="Rectangle 10"/>
+          <p:cNvSpPr/>
+          <p:nvPr/>
+        </p:nvSpPr>
+        <p:spPr>
+          <a:xfrm>
+            <a:off x="4294682" y="2811400"/>
+            <a:ext cx="171494" cy="171494"/>
+          </a:xfrm>
+          <a:prstGeom prst="rect">
+            <a:avLst/>
+          </a:prstGeom>
+          <a:solidFill>
+            <a:srgbClr val="64C7E9"/>
+          </a:solidFill>
+          <a:ln>
+            <a:noFill/>
+          </a:ln>
+        </p:spPr>
+        <p:style>
+          <a:lnRef idx="2">
+            <a:schemeClr val="accent1">
+              <a:shade val="50000"/>
+            </a:schemeClr>
+          </a:lnRef>
+          <a:fillRef idx="1">
+            <a:schemeClr val="accent1"/>
+          </a:fillRef>
+          <a:effectRef idx="0">
+            <a:schemeClr val="accent1"/>
+          </a:effectRef>
+          <a:fontRef idx="minor">
+            <a:schemeClr val="lt1"/>
+          </a:fontRef>
+        </p:style>
+        <p:txBody>
+          <a:bodyPr rtlCol="0" anchor="ctr"/>
+          <a:lstStyle/>
+          <a:p>
+            <a:pPr algn="ctr"/>
+            <a:endParaRPr lang="en-US"/>
+          </a:p>
+        </p:txBody>
+      </p:sp>
+      <p:pic>
+        <p:nvPicPr>
+          <p:cNvPr id="2050" name="Picture 2" descr="Vector an ambulance travels to call a sick patient. flat  illustration."/>
+          <p:cNvPicPr>
+            <a:picLocks noChangeAspect="1" noChangeArrowheads="1"/>
+          </p:cNvPicPr>
+          <p:nvPr/>
+        </p:nvPicPr>
+        <p:blipFill>
+          <a:blip r:embed="rId3">
+            <a:extLst>
+              <a:ext uri="{28A0092B-C50C-407E-A947-70E740481C1C}">
+                <a14:useLocalDpi xmlns:a14="http://schemas.microsoft.com/office/drawing/2010/main" val="0"/>
+              </a:ext>
+            </a:extLst>
+          </a:blip>
+          <a:srcRect/>
+          <a:stretch>
+            <a:fillRect/>
+          </a:stretch>
+        </p:blipFill>
+        <p:spPr bwMode="auto">
+          <a:xfrm>
+            <a:off x="248815" y="2747434"/>
+            <a:ext cx="4045867" cy="3851977"/>
+          </a:xfrm>
+          <a:prstGeom prst="rect">
+            <a:avLst/>
+          </a:prstGeom>
+          <a:noFill/>
+          <a:extLst>
+            <a:ext uri="{909E8E84-426E-40DD-AFC4-6F175D3DCCD1}">
+              <a14:hiddenFill xmlns:a14="http://schemas.microsoft.com/office/drawing/2010/main">
+                <a:solidFill>
+                  <a:srgbClr val="FFFFFF"/>
+                </a:solidFill>
+              </a14:hiddenFill>
+            </a:ext>
+          </a:extLst>
+        </p:spPr>
+      </p:pic>
+      <p:sp>
+        <p:nvSpPr>
+          <p:cNvPr id="12" name="Title 1"/>
+          <p:cNvSpPr txBox="1">
+            <a:spLocks/>
+          </p:cNvSpPr>
+          <p:nvPr/>
+        </p:nvSpPr>
+        <p:spPr>
+          <a:xfrm>
+            <a:off x="4532436" y="3583957"/>
+            <a:ext cx="3979607" cy="1864928"/>
+          </a:xfrm>
+          <a:prstGeom prst="rect">
+            <a:avLst/>
+          </a:prstGeom>
+        </p:spPr>
+        <p:txBody>
+          <a:bodyPr/>
+          <a:lstStyle>
+            <a:lvl1pPr algn="l" defTabSz="914400" rtl="0" eaLnBrk="1" latinLnBrk="0" hangingPunct="1">
+              <a:lnSpc>
+                <a:spcPct val="90000"/>
+              </a:lnSpc>
+              <a:spcBef>
+                <a:spcPct val="0"/>
+              </a:spcBef>
+              <a:buNone/>
+              <a:defRPr sz="3200" b="1" kern="1200">
+                <a:solidFill>
+                  <a:srgbClr val="019DD0"/>
+                </a:solidFill>
+                <a:latin typeface="Arial" panose="020B0604020202020204" pitchFamily="34" charset="0"/>
+                <a:ea typeface="+mj-ea"/>
+                <a:cs typeface="Arial" panose="020B0604020202020204" pitchFamily="34" charset="0"/>
+              </a:defRPr>
+            </a:lvl1pPr>
+          </a:lstStyle>
+          <a:p>
+            <a:pPr>
+              <a:lnSpc>
+                <a:spcPct val="100000"/>
+              </a:lnSpc>
+            </a:pPr>
+            <a:r>
+              <a:rPr lang="vi-VN" sz="2000" b="0" dirty="0">
+                <a:solidFill>
+                  <a:schemeClr val="tx1">
+                    <a:lumMod val="95000"/>
+                    <a:lumOff val="5000"/>
+                  </a:schemeClr>
+                </a:solidFill>
+                <a:ea typeface="Roboto Condensed" pitchFamily="2" charset="0"/>
+              </a:rPr>
+              <a:t>Để tăng sự thu hút của mọi người và nhường đường để xe chạy, </a:t>
+            </a:r>
+            <a:r>
+              <a:rPr lang="en-US" sz="2000" b="0" dirty="0" smtClean="0">
+                <a:solidFill>
+                  <a:schemeClr val="tx1">
+                    <a:lumMod val="95000"/>
+                    <a:lumOff val="5000"/>
+                  </a:schemeClr>
+                </a:solidFill>
+                <a:ea typeface="Roboto Condensed" pitchFamily="2" charset="0"/>
+              </a:rPr>
+              <a:t>bạn </a:t>
+            </a:r>
+            <a:r>
+              <a:rPr lang="vi-VN" sz="2000" b="0" dirty="0" smtClean="0">
+                <a:solidFill>
+                  <a:schemeClr val="tx1">
+                    <a:lumMod val="95000"/>
+                    <a:lumOff val="5000"/>
+                  </a:schemeClr>
+                </a:solidFill>
+                <a:ea typeface="Roboto Condensed" pitchFamily="2" charset="0"/>
+              </a:rPr>
+              <a:t>có </a:t>
+            </a:r>
+            <a:r>
+              <a:rPr lang="vi-VN" sz="2000" b="0" dirty="0">
+                <a:solidFill>
+                  <a:schemeClr val="tx1">
+                    <a:lumMod val="95000"/>
+                    <a:lumOff val="5000"/>
+                  </a:schemeClr>
+                </a:solidFill>
+                <a:ea typeface="Roboto Condensed" pitchFamily="2" charset="0"/>
+              </a:rPr>
+              <a:t>thể vừa cho </a:t>
+            </a:r>
+            <a:r>
+              <a:rPr lang="vi-VN" sz="2000" b="0" dirty="0" smtClean="0">
+                <a:solidFill>
+                  <a:schemeClr val="tx1">
+                    <a:lumMod val="95000"/>
+                    <a:lumOff val="5000"/>
+                  </a:schemeClr>
+                </a:solidFill>
+                <a:ea typeface="Roboto Condensed" pitchFamily="2" charset="0"/>
+              </a:rPr>
+              <a:t>đèn</a:t>
+            </a:r>
+            <a:r>
+              <a:rPr lang="en-US" sz="2000" b="0" dirty="0" smtClean="0">
+                <a:solidFill>
+                  <a:schemeClr val="tx1">
+                    <a:lumMod val="95000"/>
+                    <a:lumOff val="5000"/>
+                  </a:schemeClr>
+                </a:solidFill>
+                <a:ea typeface="Roboto Condensed" pitchFamily="2" charset="0"/>
+              </a:rPr>
+              <a:t> RGB LED</a:t>
+            </a:r>
+            <a:r>
+              <a:rPr lang="vi-VN" sz="2000" b="0" dirty="0" smtClean="0">
+                <a:solidFill>
+                  <a:schemeClr val="tx1">
+                    <a:lumMod val="95000"/>
+                    <a:lumOff val="5000"/>
+                  </a:schemeClr>
+                </a:solidFill>
+                <a:ea typeface="Roboto Condensed" pitchFamily="2" charset="0"/>
+              </a:rPr>
+              <a:t> </a:t>
+            </a:r>
+            <a:r>
+              <a:rPr lang="vi-VN" sz="2000" b="0" dirty="0">
+                <a:solidFill>
+                  <a:schemeClr val="tx1">
+                    <a:lumMod val="95000"/>
+                    <a:lumOff val="5000"/>
+                  </a:schemeClr>
+                </a:solidFill>
+                <a:ea typeface="Roboto Condensed" pitchFamily="2" charset="0"/>
+              </a:rPr>
+              <a:t>nhấp </a:t>
+            </a:r>
+            <a:r>
+              <a:rPr lang="vi-VN" sz="2000" b="0" dirty="0" smtClean="0">
+                <a:solidFill>
+                  <a:schemeClr val="tx1">
+                    <a:lumMod val="95000"/>
+                    <a:lumOff val="5000"/>
+                  </a:schemeClr>
+                </a:solidFill>
+                <a:ea typeface="Roboto Condensed" pitchFamily="2" charset="0"/>
+              </a:rPr>
+              <a:t>nháy</a:t>
+            </a:r>
+            <a:r>
+              <a:rPr lang="en-US" sz="2000" b="0" dirty="0" smtClean="0">
+                <a:solidFill>
+                  <a:schemeClr val="tx1">
+                    <a:lumMod val="95000"/>
+                    <a:lumOff val="5000"/>
+                  </a:schemeClr>
+                </a:solidFill>
+                <a:ea typeface="Roboto Condensed" pitchFamily="2" charset="0"/>
+              </a:rPr>
+              <a:t> liên tục</a:t>
+            </a:r>
+            <a:r>
+              <a:rPr lang="vi-VN" sz="2000" b="0" dirty="0" smtClean="0">
+                <a:solidFill>
+                  <a:schemeClr val="tx1">
+                    <a:lumMod val="95000"/>
+                    <a:lumOff val="5000"/>
+                  </a:schemeClr>
+                </a:solidFill>
+                <a:ea typeface="Roboto Condensed" pitchFamily="2" charset="0"/>
+              </a:rPr>
+              <a:t> </a:t>
+            </a:r>
+            <a:r>
+              <a:rPr lang="vi-VN" sz="2000" b="0" dirty="0">
+                <a:solidFill>
+                  <a:schemeClr val="tx1">
+                    <a:lumMod val="95000"/>
+                    <a:lumOff val="5000"/>
+                  </a:schemeClr>
+                </a:solidFill>
+                <a:ea typeface="Roboto Condensed" pitchFamily="2" charset="0"/>
+              </a:rPr>
+              <a:t>vừa phát ra tiếng còi báo </a:t>
+            </a:r>
+            <a:r>
+              <a:rPr lang="vi-VN" sz="2000" b="0" dirty="0" smtClean="0">
+                <a:solidFill>
+                  <a:schemeClr val="tx1">
+                    <a:lumMod val="95000"/>
+                    <a:lumOff val="5000"/>
+                  </a:schemeClr>
+                </a:solidFill>
+                <a:ea typeface="Roboto Condensed" pitchFamily="2" charset="0"/>
+              </a:rPr>
+              <a:t>động</a:t>
+            </a:r>
+            <a:r>
+              <a:rPr lang="en-US" sz="2000" b="0" dirty="0" smtClean="0">
+                <a:solidFill>
+                  <a:schemeClr val="tx1">
+                    <a:lumMod val="95000"/>
+                    <a:lumOff val="5000"/>
+                  </a:schemeClr>
+                </a:solidFill>
+                <a:ea typeface="Roboto Condensed" pitchFamily="2" charset="0"/>
+              </a:rPr>
+              <a:t> tò te to tè bằng các khối âm thanh</a:t>
+            </a:r>
+            <a:endParaRPr lang="en-US" sz="2000" dirty="0" smtClean="0">
+              <a:solidFill>
+                <a:schemeClr val="tx1">
+                  <a:lumMod val="95000"/>
+                  <a:lumOff val="5000"/>
+                </a:schemeClr>
+              </a:solidFill>
+              <a:ea typeface="Roboto Condensed" pitchFamily="2" charset="0"/>
+            </a:endParaRPr>
+          </a:p>
+        </p:txBody>
+      </p:sp>
+      <p:sp>
+        <p:nvSpPr>
+          <p:cNvPr id="13" name="Rectangle 12"/>
+          <p:cNvSpPr/>
+          <p:nvPr/>
+        </p:nvSpPr>
+        <p:spPr>
+          <a:xfrm>
+            <a:off x="4294682" y="3727414"/>
+            <a:ext cx="171494" cy="171494"/>
+          </a:xfrm>
+          <a:prstGeom prst="rect">
+            <a:avLst/>
+          </a:prstGeom>
+          <a:solidFill>
+            <a:srgbClr val="64C7E9"/>
+          </a:solidFill>
+          <a:ln>
+            <a:noFill/>
+          </a:ln>
+        </p:spPr>
+        <p:style>
+          <a:lnRef idx="2">
+            <a:schemeClr val="accent1">
+              <a:shade val="50000"/>
+            </a:schemeClr>
+          </a:lnRef>
+          <a:fillRef idx="1">
+            <a:schemeClr val="accent1"/>
+          </a:fillRef>
+          <a:effectRef idx="0">
+            <a:schemeClr val="accent1"/>
+          </a:effectRef>
+          <a:fontRef idx="minor">
+            <a:schemeClr val="lt1"/>
+          </a:fontRef>
+        </p:style>
+        <p:txBody>
+          <a:bodyPr rtlCol="0" anchor="ctr"/>
+          <a:lstStyle/>
+          <a:p>
+            <a:pPr algn="ctr"/>
+            <a:endParaRPr lang="en-US"/>
+          </a:p>
+        </p:txBody>
+      </p:sp>
+      <p:sp>
+        <p:nvSpPr>
+          <p:cNvPr id="15" name="Title 1"/>
+          <p:cNvSpPr txBox="1">
+            <a:spLocks/>
+          </p:cNvSpPr>
+          <p:nvPr/>
+        </p:nvSpPr>
+        <p:spPr>
+          <a:xfrm>
+            <a:off x="4532436" y="2685384"/>
+            <a:ext cx="3979607" cy="816644"/>
+          </a:xfrm>
+          <a:prstGeom prst="rect">
+            <a:avLst/>
+          </a:prstGeom>
+        </p:spPr>
+        <p:txBody>
+          <a:bodyPr/>
+          <a:lstStyle>
+            <a:lvl1pPr algn="l" defTabSz="914400" rtl="0" eaLnBrk="1" latinLnBrk="0" hangingPunct="1">
+              <a:lnSpc>
+                <a:spcPct val="90000"/>
+              </a:lnSpc>
+              <a:spcBef>
+                <a:spcPct val="0"/>
+              </a:spcBef>
+              <a:buNone/>
+              <a:defRPr sz="3200" b="1" kern="1200">
+                <a:solidFill>
+                  <a:srgbClr val="019DD0"/>
+                </a:solidFill>
+                <a:latin typeface="Arial" panose="020B0604020202020204" pitchFamily="34" charset="0"/>
+                <a:ea typeface="+mj-ea"/>
+                <a:cs typeface="Arial" panose="020B0604020202020204" pitchFamily="34" charset="0"/>
+              </a:defRPr>
+            </a:lvl1pPr>
+          </a:lstStyle>
+          <a:p>
+            <a:pPr>
+              <a:lnSpc>
+                <a:spcPct val="100000"/>
+              </a:lnSpc>
+            </a:pPr>
+            <a:r>
+              <a:rPr lang="en-US" sz="2000" b="0" dirty="0" smtClean="0">
+                <a:solidFill>
+                  <a:schemeClr val="tx1">
+                    <a:lumMod val="95000"/>
+                    <a:lumOff val="5000"/>
+                  </a:schemeClr>
+                </a:solidFill>
+                <a:ea typeface="Roboto Condensed" pitchFamily="2" charset="0"/>
+              </a:rPr>
+              <a:t>Nhấn nút A thì bắt đầu nháy 2 đền LED RGB với màu Đỏ</a:t>
+            </a:r>
+            <a:endParaRPr lang="en-US" sz="2000" dirty="0" smtClean="0">
+              <a:solidFill>
+                <a:schemeClr val="tx1">
+                  <a:lumMod val="95000"/>
+                  <a:lumOff val="5000"/>
+                </a:schemeClr>
+              </a:solidFill>
+              <a:ea typeface="Roboto Condensed" pitchFamily="2" charset="0"/>
+            </a:endParaRPr>
+          </a:p>
+        </p:txBody>
+      </p:sp>
+      <p:sp>
+        <p:nvSpPr>
+          <p:cNvPr id="16" name="Rectangle 15"/>
+          <p:cNvSpPr/>
+          <p:nvPr/>
+        </p:nvSpPr>
+        <p:spPr>
+          <a:xfrm>
+            <a:off x="4294682" y="5726878"/>
+            <a:ext cx="171494" cy="171494"/>
+          </a:xfrm>
+          <a:prstGeom prst="rect">
+            <a:avLst/>
+          </a:prstGeom>
+          <a:solidFill>
+            <a:srgbClr val="64C7E9"/>
+          </a:solidFill>
+          <a:ln>
+            <a:noFill/>
+          </a:ln>
+        </p:spPr>
+        <p:style>
+          <a:lnRef idx="2">
+            <a:schemeClr val="accent1">
+              <a:shade val="50000"/>
+            </a:schemeClr>
+          </a:lnRef>
+          <a:fillRef idx="1">
+            <a:schemeClr val="accent1"/>
+          </a:fillRef>
+          <a:effectRef idx="0">
+            <a:schemeClr val="accent1"/>
+          </a:effectRef>
+          <a:fontRef idx="minor">
+            <a:schemeClr val="lt1"/>
+          </a:fontRef>
+        </p:style>
+        <p:txBody>
+          <a:bodyPr rtlCol="0" anchor="ctr"/>
+          <a:lstStyle/>
+          <a:p>
+            <a:pPr algn="ctr"/>
+            <a:endParaRPr lang="en-US"/>
+          </a:p>
+        </p:txBody>
+      </p:sp>
+      <p:sp>
+        <p:nvSpPr>
+          <p:cNvPr id="17" name="Title 1"/>
+          <p:cNvSpPr txBox="1">
+            <a:spLocks/>
+          </p:cNvSpPr>
+          <p:nvPr/>
+        </p:nvSpPr>
+        <p:spPr>
+          <a:xfrm>
+            <a:off x="4532436" y="5600862"/>
+            <a:ext cx="3979607" cy="816644"/>
+          </a:xfrm>
+          <a:prstGeom prst="rect">
+            <a:avLst/>
+          </a:prstGeom>
+        </p:spPr>
+        <p:txBody>
+          <a:bodyPr/>
+          <a:lstStyle>
+            <a:lvl1pPr algn="l" defTabSz="914400" rtl="0" eaLnBrk="1" latinLnBrk="0" hangingPunct="1">
+              <a:lnSpc>
+                <a:spcPct val="90000"/>
+              </a:lnSpc>
+              <a:spcBef>
+                <a:spcPct val="0"/>
+              </a:spcBef>
+              <a:buNone/>
+              <a:defRPr sz="3200" b="1" kern="1200">
+                <a:solidFill>
+                  <a:srgbClr val="019DD0"/>
+                </a:solidFill>
+                <a:latin typeface="Arial" panose="020B0604020202020204" pitchFamily="34" charset="0"/>
+                <a:ea typeface="+mj-ea"/>
+                <a:cs typeface="Arial" panose="020B0604020202020204" pitchFamily="34" charset="0"/>
+              </a:defRPr>
+            </a:lvl1pPr>
+          </a:lstStyle>
+          <a:p>
+            <a:pPr>
+              <a:lnSpc>
+                <a:spcPct val="100000"/>
+              </a:lnSpc>
+            </a:pPr>
+            <a:r>
+              <a:rPr lang="en-US" sz="2000" b="0" dirty="0" smtClean="0">
+                <a:solidFill>
+                  <a:schemeClr val="tx1">
+                    <a:lumMod val="95000"/>
+                    <a:lumOff val="5000"/>
+                  </a:schemeClr>
+                </a:solidFill>
+                <a:ea typeface="Roboto Condensed" pitchFamily="2" charset="0"/>
+              </a:rPr>
+              <a:t>Nhấn nút B để tắt đèn và âm thanh</a:t>
+            </a:r>
+            <a:endParaRPr lang="en-US" sz="2000" dirty="0" smtClean="0">
+              <a:solidFill>
+                <a:schemeClr val="tx1">
+                  <a:lumMod val="95000"/>
+                  <a:lumOff val="5000"/>
+                </a:schemeClr>
+              </a:solidFill>
+              <a:ea typeface="Roboto Condensed" pitchFamily="2" charset="0"/>
+            </a:endParaRPr>
+          </a:p>
+        </p:txBody>
+      </p:sp>
+    </p:spTree>
+    <p:extLst>
+      <p:ext uri="{BB962C8B-B14F-4D97-AF65-F5344CB8AC3E}">
+        <p14:creationId xmlns:p14="http://schemas.microsoft.com/office/powerpoint/2010/main" val="785694606"/>
+      </p:ext>
+    </p:extLst>
+  </p:cSld>
+  <p:clrMapOvr>
+    <a:masterClrMapping/>
+  </p:clrMapOvr>
+</p:sld>
+</file>
+
+<file path=ppt/slides/slide16.xml><?xml version="1.0" encoding="utf-8"?>
+<p:sld xmlns:a="http://schemas.openxmlformats.org/drawingml/2006/main" xmlns:r="http://schemas.openxmlformats.org/officeDocument/2006/relationships" xmlns:p="http://schemas.openxmlformats.org/presentationml/2006/main">
+  <p:cSld>
+    <p:spTree>
+      <p:nvGrpSpPr>
+        <p:cNvPr id="1" name=""/>
+        <p:cNvGrpSpPr/>
+        <p:nvPr/>
+      </p:nvGrpSpPr>
+      <p:grpSpPr>
+        <a:xfrm>
+          <a:off x="0" y="0"/>
+          <a:ext cx="0" cy="0"/>
+          <a:chOff x="0" y="0"/>
+          <a:chExt cx="0" cy="0"/>
+        </a:xfrm>
+      </p:grpSpPr>
+      <p:sp>
+        <p:nvSpPr>
+          <p:cNvPr id="2" name="Slide Number Placeholder 1"/>
+          <p:cNvSpPr>
+            <a:spLocks noGrp="1"/>
+          </p:cNvSpPr>
+          <p:nvPr>
+            <p:ph type="sldNum" sz="quarter" idx="12"/>
+          </p:nvPr>
+        </p:nvSpPr>
+        <p:spPr/>
+        <p:txBody>
+          <a:bodyPr/>
+          <a:lstStyle/>
+          <a:p>
+            <a:fld id="{7D9EC917-02A2-4152-9EE3-DFE2775A77C7}" type="slidenum">
+              <a:rPr lang="en-US" smtClean="0"/>
+              <a:pPr/>
+              <a:t>16</a:t>
+            </a:fld>
+            <a:endParaRPr lang="en-US"/>
+          </a:p>
+        </p:txBody>
+      </p:sp>
+      <p:sp>
+        <p:nvSpPr>
+          <p:cNvPr id="3" name="Rectangle 2"/>
+          <p:cNvSpPr/>
+          <p:nvPr/>
+        </p:nvSpPr>
+        <p:spPr>
+          <a:xfrm>
+            <a:off x="301925" y="1051379"/>
+            <a:ext cx="8454964" cy="27432"/>
+          </a:xfrm>
+          <a:prstGeom prst="rect">
+            <a:avLst/>
+          </a:prstGeom>
+          <a:gradFill flip="none" rotWithShape="1">
+            <a:gsLst>
+              <a:gs pos="15000">
+                <a:srgbClr val="67C7DF"/>
+              </a:gs>
+              <a:gs pos="100000">
+                <a:srgbClr val="5EB130"/>
+              </a:gs>
+            </a:gsLst>
+            <a:lin ang="0" scaled="1"/>
+            <a:tileRect/>
+          </a:gradFill>
+          <a:ln>
+            <a:noFill/>
+          </a:ln>
+        </p:spPr>
+        <p:style>
+          <a:lnRef idx="2">
+            <a:schemeClr val="accent1">
+              <a:shade val="50000"/>
+            </a:schemeClr>
+          </a:lnRef>
+          <a:fillRef idx="1">
+            <a:schemeClr val="accent1"/>
+          </a:fillRef>
+          <a:effectRef idx="0">
+            <a:schemeClr val="accent1"/>
+          </a:effectRef>
+          <a:fontRef idx="minor">
+            <a:schemeClr val="lt1"/>
+          </a:fontRef>
+        </p:style>
+        <p:txBody>
+          <a:bodyPr rtlCol="0" anchor="ctr"/>
+          <a:lstStyle/>
+          <a:p>
+            <a:pPr algn="ctr"/>
+            <a:endParaRPr lang="en-US"/>
+          </a:p>
+        </p:txBody>
+      </p:sp>
+      <p:sp>
+        <p:nvSpPr>
+          <p:cNvPr id="4" name="TextBox 3"/>
+          <p:cNvSpPr txBox="1"/>
+          <p:nvPr/>
+        </p:nvSpPr>
+        <p:spPr>
+          <a:xfrm>
+            <a:off x="248815" y="546584"/>
+            <a:ext cx="7374995" cy="461665"/>
+          </a:xfrm>
+          <a:prstGeom prst="rect">
+            <a:avLst/>
+          </a:prstGeom>
+          <a:noFill/>
+        </p:spPr>
+        <p:txBody>
+          <a:bodyPr wrap="square" rtlCol="0">
+            <a:spAutoFit/>
+          </a:bodyPr>
+          <a:lstStyle/>
+          <a:p>
             <a:r>
               <a:rPr lang="en-US" sz="2400" b="1" dirty="0" smtClean="0">
                 <a:solidFill>
@@ -5757,7 +6296,7 @@
                 <a:latin typeface="UTM Helve" panose="02040603050506020204" pitchFamily="18" charset="0"/>
                 <a:ea typeface="Roboto" pitchFamily="2" charset="0"/>
               </a:rPr>
-              <a:t>Hoạt động học viên</a:t>
+              <a:t>12.4 Hoạt động học viên</a:t>
             </a:r>
             <a:endParaRPr lang="en-US" sz="2400" b="1" dirty="0">
               <a:solidFill>
@@ -9453,408 +9992,12 @@
               </a:rPr>
               <a:t>12.3 RGB LED</a:t>
             </a:r>
-            <a:endParaRPr lang="en-US" sz="2400" b="1" dirty="0">
-              <a:solidFill>
-                <a:srgbClr val="64C7E9"/>
-              </a:solidFill>
-              <a:latin typeface="UTM Helve" panose="02040603050506020204" pitchFamily="18" charset="0"/>
-              <a:ea typeface="Roboto" pitchFamily="2" charset="0"/>
-            </a:endParaRPr>
-          </a:p>
-        </p:txBody>
-      </p:sp>
-      <p:sp>
-        <p:nvSpPr>
-          <p:cNvPr id="5" name="TextBox 4"/>
-          <p:cNvSpPr txBox="1"/>
-          <p:nvPr/>
-        </p:nvSpPr>
-        <p:spPr>
-          <a:xfrm>
-            <a:off x="473627" y="1280136"/>
-            <a:ext cx="8074025" cy="400110"/>
-          </a:xfrm>
-          <a:prstGeom prst="rect">
-            <a:avLst/>
-          </a:prstGeom>
-          <a:noFill/>
-        </p:spPr>
-        <p:txBody>
-          <a:bodyPr wrap="square" rtlCol="0">
-            <a:spAutoFit/>
-          </a:bodyPr>
-          <a:lstStyle/>
-          <a:p>
-            <a:r>
-              <a:rPr lang="en-US" sz="2000" dirty="0" smtClean="0">
-                <a:cs typeface="Arial" panose="020B0604020202020204" pitchFamily="34" charset="0"/>
-              </a:rPr>
-              <a:t>Trong bài học này chúng ta tìm hiểu cách điều khiển RGB LED</a:t>
-            </a:r>
-            <a:endParaRPr lang="en-US" sz="2000" dirty="0">
-              <a:latin typeface="Arial" panose="020B0604020202020204" pitchFamily="34" charset="0"/>
-              <a:cs typeface="Arial" panose="020B0604020202020204" pitchFamily="34" charset="0"/>
-            </a:endParaRPr>
-          </a:p>
-        </p:txBody>
-      </p:sp>
-      <p:sp>
-        <p:nvSpPr>
-          <p:cNvPr id="6" name="Rectangle 5"/>
-          <p:cNvSpPr/>
-          <p:nvPr/>
-        </p:nvSpPr>
-        <p:spPr>
-          <a:xfrm>
-            <a:off x="644352" y="2068339"/>
-            <a:ext cx="171494" cy="171494"/>
-          </a:xfrm>
-          <a:prstGeom prst="rect">
-            <a:avLst/>
-          </a:prstGeom>
-          <a:solidFill>
-            <a:srgbClr val="64C7E9"/>
-          </a:solidFill>
-          <a:ln>
-            <a:noFill/>
-          </a:ln>
-        </p:spPr>
-        <p:style>
-          <a:lnRef idx="2">
-            <a:schemeClr val="accent1">
-              <a:shade val="50000"/>
-            </a:schemeClr>
-          </a:lnRef>
-          <a:fillRef idx="1">
-            <a:schemeClr val="accent1"/>
-          </a:fillRef>
-          <a:effectRef idx="0">
-            <a:schemeClr val="accent1"/>
-          </a:effectRef>
-          <a:fontRef idx="minor">
-            <a:schemeClr val="lt1"/>
-          </a:fontRef>
-        </p:style>
-        <p:txBody>
-          <a:bodyPr rtlCol="0" anchor="ctr"/>
-          <a:lstStyle/>
-          <a:p>
-            <a:pPr algn="ctr"/>
-            <a:endParaRPr lang="en-US"/>
-          </a:p>
-        </p:txBody>
-      </p:sp>
-      <p:sp>
-        <p:nvSpPr>
-          <p:cNvPr id="7" name="TextBox 6"/>
-          <p:cNvSpPr txBox="1"/>
-          <p:nvPr/>
-        </p:nvSpPr>
-        <p:spPr>
-          <a:xfrm>
-            <a:off x="924201" y="1968856"/>
-            <a:ext cx="3436673" cy="707886"/>
-          </a:xfrm>
-          <a:prstGeom prst="rect">
-            <a:avLst/>
-          </a:prstGeom>
-          <a:noFill/>
-        </p:spPr>
-        <p:txBody>
-          <a:bodyPr wrap="square" rtlCol="0">
-            <a:spAutoFit/>
-          </a:bodyPr>
-          <a:lstStyle/>
-          <a:p>
-            <a:r>
-              <a:rPr lang="en-US" sz="2000" b="1" dirty="0">
-                <a:cs typeface="Arial" panose="020B0604020202020204" pitchFamily="34" charset="0"/>
-              </a:rPr>
-              <a:t>Clear all RGB pixel: </a:t>
-            </a:r>
-            <a:r>
-              <a:rPr lang="en-US" sz="2000" dirty="0">
-                <a:cs typeface="Arial" panose="020B0604020202020204" pitchFamily="34" charset="0"/>
-              </a:rPr>
-              <a:t>tắt tất cả các </a:t>
-            </a:r>
-            <a:r>
-              <a:rPr lang="en-US" sz="2000" dirty="0" smtClean="0">
-                <a:cs typeface="Arial" panose="020B0604020202020204" pitchFamily="34" charset="0"/>
-              </a:rPr>
-              <a:t>đèn</a:t>
-            </a:r>
-            <a:endParaRPr lang="en-US" dirty="0">
-              <a:latin typeface="Arial" panose="020B0604020202020204" pitchFamily="34" charset="0"/>
-              <a:cs typeface="Arial" panose="020B0604020202020204" pitchFamily="34" charset="0"/>
-            </a:endParaRPr>
-          </a:p>
-        </p:txBody>
-      </p:sp>
-      <p:sp>
-        <p:nvSpPr>
-          <p:cNvPr id="8" name="Rectangle 7"/>
-          <p:cNvSpPr/>
-          <p:nvPr/>
-        </p:nvSpPr>
-        <p:spPr>
-          <a:xfrm>
-            <a:off x="644352" y="2876887"/>
-            <a:ext cx="171494" cy="171494"/>
-          </a:xfrm>
-          <a:prstGeom prst="rect">
-            <a:avLst/>
-          </a:prstGeom>
-          <a:solidFill>
-            <a:srgbClr val="64C7E9"/>
-          </a:solidFill>
-          <a:ln>
-            <a:noFill/>
-          </a:ln>
-        </p:spPr>
-        <p:style>
-          <a:lnRef idx="2">
-            <a:schemeClr val="accent1">
-              <a:shade val="50000"/>
-            </a:schemeClr>
-          </a:lnRef>
-          <a:fillRef idx="1">
-            <a:schemeClr val="accent1"/>
-          </a:fillRef>
-          <a:effectRef idx="0">
-            <a:schemeClr val="accent1"/>
-          </a:effectRef>
-          <a:fontRef idx="minor">
-            <a:schemeClr val="lt1"/>
-          </a:fontRef>
-        </p:style>
-        <p:txBody>
-          <a:bodyPr rtlCol="0" anchor="ctr"/>
-          <a:lstStyle/>
-          <a:p>
-            <a:pPr algn="ctr"/>
-            <a:endParaRPr lang="en-US"/>
-          </a:p>
-        </p:txBody>
-      </p:sp>
-      <p:sp>
-        <p:nvSpPr>
-          <p:cNvPr id="9" name="TextBox 8"/>
-          <p:cNvSpPr txBox="1"/>
-          <p:nvPr/>
-        </p:nvSpPr>
-        <p:spPr>
-          <a:xfrm>
-            <a:off x="924201" y="2711144"/>
-            <a:ext cx="3436673" cy="1015663"/>
-          </a:xfrm>
-          <a:prstGeom prst="rect">
-            <a:avLst/>
-          </a:prstGeom>
-          <a:noFill/>
-        </p:spPr>
-        <p:txBody>
-          <a:bodyPr wrap="square" rtlCol="0">
-            <a:spAutoFit/>
-          </a:bodyPr>
-          <a:lstStyle/>
-          <a:p>
-            <a:r>
-              <a:rPr lang="en-US" sz="2000" b="1" dirty="0">
-                <a:cs typeface="Arial" panose="020B0604020202020204" pitchFamily="34" charset="0"/>
-              </a:rPr>
-              <a:t>Set GRB pixels brightness to: </a:t>
-            </a:r>
-            <a:r>
-              <a:rPr lang="en-US" sz="2000" dirty="0">
-                <a:cs typeface="Arial" panose="020B0604020202020204" pitchFamily="34" charset="0"/>
-              </a:rPr>
-              <a:t>thay đổi độ sáng các đèn (nằm trong khoảng 0 -255)</a:t>
-            </a:r>
-            <a:endParaRPr lang="en-US" dirty="0">
-              <a:latin typeface="Arial" panose="020B0604020202020204" pitchFamily="34" charset="0"/>
-              <a:cs typeface="Arial" panose="020B0604020202020204" pitchFamily="34" charset="0"/>
-            </a:endParaRPr>
-          </a:p>
-        </p:txBody>
-      </p:sp>
-      <p:sp>
-        <p:nvSpPr>
-          <p:cNvPr id="10" name="Rectangle 9"/>
-          <p:cNvSpPr/>
-          <p:nvPr/>
-        </p:nvSpPr>
-        <p:spPr>
-          <a:xfrm>
-            <a:off x="644352" y="3976817"/>
-            <a:ext cx="171494" cy="171494"/>
-          </a:xfrm>
-          <a:prstGeom prst="rect">
-            <a:avLst/>
-          </a:prstGeom>
-          <a:solidFill>
-            <a:srgbClr val="64C7E9"/>
-          </a:solidFill>
-          <a:ln>
-            <a:noFill/>
-          </a:ln>
-        </p:spPr>
-        <p:style>
-          <a:lnRef idx="2">
-            <a:schemeClr val="accent1">
-              <a:shade val="50000"/>
-            </a:schemeClr>
-          </a:lnRef>
-          <a:fillRef idx="1">
-            <a:schemeClr val="accent1"/>
-          </a:fillRef>
-          <a:effectRef idx="0">
-            <a:schemeClr val="accent1"/>
-          </a:effectRef>
-          <a:fontRef idx="minor">
-            <a:schemeClr val="lt1"/>
-          </a:fontRef>
-        </p:style>
-        <p:txBody>
-          <a:bodyPr rtlCol="0" anchor="ctr"/>
-          <a:lstStyle/>
-          <a:p>
-            <a:pPr algn="ctr"/>
-            <a:endParaRPr lang="en-US"/>
-          </a:p>
-        </p:txBody>
-      </p:sp>
-      <p:sp>
-        <p:nvSpPr>
-          <p:cNvPr id="11" name="TextBox 10"/>
-          <p:cNvSpPr txBox="1"/>
-          <p:nvPr/>
-        </p:nvSpPr>
-        <p:spPr>
-          <a:xfrm>
-            <a:off x="924201" y="3811074"/>
-            <a:ext cx="3436673" cy="707886"/>
-          </a:xfrm>
-          <a:prstGeom prst="rect">
-            <a:avLst/>
-          </a:prstGeom>
-          <a:noFill/>
-        </p:spPr>
-        <p:txBody>
-          <a:bodyPr wrap="square" rtlCol="0">
-            <a:spAutoFit/>
-          </a:bodyPr>
-          <a:lstStyle/>
-          <a:p>
-            <a:r>
-              <a:rPr lang="en-US" sz="2000" b="1" dirty="0">
-                <a:cs typeface="Arial" panose="020B0604020202020204" pitchFamily="34" charset="0"/>
-              </a:rPr>
-              <a:t>Set all RGB pixel to: </a:t>
-            </a:r>
-            <a:r>
-              <a:rPr lang="en-US" sz="2000" dirty="0">
-                <a:cs typeface="Arial" panose="020B0604020202020204" pitchFamily="34" charset="0"/>
-              </a:rPr>
-              <a:t>đặt các đèn sang màu đã chọn</a:t>
-            </a:r>
-            <a:endParaRPr lang="en-US" dirty="0">
-              <a:latin typeface="Arial" panose="020B0604020202020204" pitchFamily="34" charset="0"/>
-              <a:cs typeface="Arial" panose="020B0604020202020204" pitchFamily="34" charset="0"/>
-            </a:endParaRPr>
-          </a:p>
-        </p:txBody>
-      </p:sp>
-      <p:sp>
-        <p:nvSpPr>
-          <p:cNvPr id="12" name="Rectangle 11"/>
-          <p:cNvSpPr/>
-          <p:nvPr/>
-        </p:nvSpPr>
-        <p:spPr>
-          <a:xfrm>
-            <a:off x="644352" y="4768970"/>
-            <a:ext cx="171494" cy="171494"/>
-          </a:xfrm>
-          <a:prstGeom prst="rect">
-            <a:avLst/>
-          </a:prstGeom>
-          <a:solidFill>
-            <a:srgbClr val="64C7E9"/>
-          </a:solidFill>
-          <a:ln>
-            <a:noFill/>
-          </a:ln>
-        </p:spPr>
-        <p:style>
-          <a:lnRef idx="2">
-            <a:schemeClr val="accent1">
-              <a:shade val="50000"/>
-            </a:schemeClr>
-          </a:lnRef>
-          <a:fillRef idx="1">
-            <a:schemeClr val="accent1"/>
-          </a:fillRef>
-          <a:effectRef idx="0">
-            <a:schemeClr val="accent1"/>
-          </a:effectRef>
-          <a:fontRef idx="minor">
-            <a:schemeClr val="lt1"/>
-          </a:fontRef>
-        </p:style>
-        <p:txBody>
-          <a:bodyPr rtlCol="0" anchor="ctr"/>
-          <a:lstStyle/>
-          <a:p>
-            <a:pPr algn="ctr"/>
-            <a:endParaRPr lang="en-US"/>
-          </a:p>
-        </p:txBody>
-      </p:sp>
-      <p:sp>
-        <p:nvSpPr>
-          <p:cNvPr id="13" name="TextBox 12"/>
-          <p:cNvSpPr txBox="1"/>
-          <p:nvPr/>
-        </p:nvSpPr>
-        <p:spPr>
-          <a:xfrm>
-            <a:off x="924201" y="4669487"/>
-            <a:ext cx="3436673" cy="707886"/>
-          </a:xfrm>
-          <a:prstGeom prst="rect">
-            <a:avLst/>
-          </a:prstGeom>
-          <a:noFill/>
-        </p:spPr>
-        <p:txBody>
-          <a:bodyPr wrap="square" rtlCol="0">
-            <a:spAutoFit/>
-          </a:bodyPr>
-          <a:lstStyle/>
-          <a:p>
-            <a:r>
-              <a:rPr lang="en-US" sz="2000" b="1" dirty="0">
-                <a:cs typeface="Arial" panose="020B0604020202020204" pitchFamily="34" charset="0"/>
-              </a:rPr>
-              <a:t>Set RGB pixel to: </a:t>
-            </a:r>
-            <a:r>
-              <a:rPr lang="en-US" sz="2000" dirty="0">
-                <a:cs typeface="Arial" panose="020B0604020202020204" pitchFamily="34" charset="0"/>
-              </a:rPr>
-              <a:t>đặt đèn vị trí 0 hoặc 1 với màu chọn</a:t>
-            </a:r>
-            <a:endParaRPr lang="en-US" dirty="0">
-              <a:latin typeface="Arial" panose="020B0604020202020204" pitchFamily="34" charset="0"/>
-              <a:cs typeface="Arial" panose="020B0604020202020204" pitchFamily="34" charset="0"/>
-            </a:endParaRPr>
           </a:p>
         </p:txBody>
       </p:sp>
       <p:pic>
         <p:nvPicPr>
-          <p:cNvPr id="14" name="Picture 13"/>
+          <p:cNvPr id="5" name="Picture 4"/>
           <p:cNvPicPr>
             <a:picLocks noChangeAspect="1"/>
           </p:cNvPicPr>
@@ -9868,8 +10011,8 @@
         </p:blipFill>
         <p:spPr>
           <a:xfrm>
-            <a:off x="5184992" y="5766873"/>
-            <a:ext cx="2695951" cy="419158"/>
+            <a:off x="1355485" y="2286932"/>
+            <a:ext cx="6268325" cy="2724530"/>
           </a:xfrm>
           <a:prstGeom prst="rect">
             <a:avLst/>
@@ -9878,60 +10021,14 @@
       </p:pic>
       <p:sp>
         <p:nvSpPr>
-          <p:cNvPr id="15" name="Rectangle 14"/>
-          <p:cNvSpPr/>
-          <p:nvPr/>
-        </p:nvSpPr>
-        <p:spPr>
-          <a:xfrm>
-            <a:off x="644352" y="5656866"/>
-            <a:ext cx="171494" cy="171494"/>
-          </a:xfrm>
-          <a:prstGeom prst="rect">
-            <a:avLst/>
-          </a:prstGeom>
-          <a:solidFill>
-            <a:srgbClr val="64C7E9"/>
-          </a:solidFill>
-          <a:ln>
-            <a:noFill/>
-          </a:ln>
-        </p:spPr>
-        <p:style>
-          <a:lnRef idx="2">
-            <a:schemeClr val="accent1">
-              <a:shade val="50000"/>
-            </a:schemeClr>
-          </a:lnRef>
-          <a:fillRef idx="1">
-            <a:schemeClr val="accent1"/>
-          </a:fillRef>
-          <a:effectRef idx="0">
-            <a:schemeClr val="accent1"/>
-          </a:effectRef>
-          <a:fontRef idx="minor">
-            <a:schemeClr val="lt1"/>
-          </a:fontRef>
-        </p:style>
-        <p:txBody>
-          <a:bodyPr rtlCol="0" anchor="ctr"/>
-          <a:lstStyle/>
-          <a:p>
-            <a:pPr algn="ctr"/>
-            <a:endParaRPr lang="en-US"/>
-          </a:p>
-        </p:txBody>
-      </p:sp>
-      <p:sp>
-        <p:nvSpPr>
-          <p:cNvPr id="16" name="TextBox 15"/>
+          <p:cNvPr id="6" name="TextBox 5"/>
           <p:cNvSpPr txBox="1"/>
           <p:nvPr/>
         </p:nvSpPr>
         <p:spPr>
           <a:xfrm>
-            <a:off x="924201" y="5557383"/>
-            <a:ext cx="3436673" cy="707886"/>
+            <a:off x="682864" y="1602086"/>
+            <a:ext cx="8074025" cy="400110"/>
           </a:xfrm>
           <a:prstGeom prst="rect">
             <a:avLst/>
@@ -9945,173 +10042,57 @@
           <a:lstStyle/>
           <a:p>
             <a:r>
-              <a:rPr lang="en-US" sz="2000" b="1" dirty="0" smtClean="0">
-                <a:cs typeface="Arial" panose="020B0604020202020204" pitchFamily="34" charset="0"/>
-              </a:rPr>
-              <a:t>Red green blue:</a:t>
-            </a:r>
-            <a:r>
               <a:rPr lang="en-US" sz="2000" dirty="0" smtClean="0">
                 <a:cs typeface="Arial" panose="020B0604020202020204" pitchFamily="34" charset="0"/>
               </a:rPr>
-              <a:t> set màu theo mã màu rgb</a:t>
-            </a:r>
-            <a:endParaRPr lang="en-US" dirty="0">
+              <a:t>Vị trí 2 đèn LED RGB trên bo mạch reka:bit</a:t>
+            </a:r>
+            <a:endParaRPr lang="en-US" sz="2000" dirty="0">
               <a:latin typeface="Arial" panose="020B0604020202020204" pitchFamily="34" charset="0"/>
               <a:cs typeface="Arial" panose="020B0604020202020204" pitchFamily="34" charset="0"/>
             </a:endParaRPr>
           </a:p>
         </p:txBody>
       </p:sp>
-      <p:pic>
-        <p:nvPicPr>
-          <p:cNvPr id="17" name="Picture 16"/>
-          <p:cNvPicPr>
-            <a:picLocks noChangeAspect="1"/>
-          </p:cNvPicPr>
-          <p:nvPr/>
-        </p:nvPicPr>
-        <p:blipFill>
-          <a:blip r:embed="rId3"/>
-          <a:stretch>
-            <a:fillRect/>
-          </a:stretch>
-        </p:blipFill>
-        <p:spPr>
-          <a:xfrm>
-            <a:off x="5184992" y="4760453"/>
-            <a:ext cx="2229161" cy="581106"/>
-          </a:xfrm>
-          <a:prstGeom prst="rect">
-            <a:avLst/>
-          </a:prstGeom>
-        </p:spPr>
-      </p:pic>
-      <p:pic>
-        <p:nvPicPr>
-          <p:cNvPr id="18" name="Picture 17"/>
-          <p:cNvPicPr>
-            <a:picLocks noChangeAspect="1"/>
-          </p:cNvPicPr>
-          <p:nvPr/>
-        </p:nvPicPr>
-        <p:blipFill>
-          <a:blip r:embed="rId4"/>
-          <a:stretch>
-            <a:fillRect/>
-          </a:stretch>
-        </p:blipFill>
-        <p:spPr>
-          <a:xfrm>
-            <a:off x="5175466" y="3862521"/>
-            <a:ext cx="2238687" cy="571580"/>
-          </a:xfrm>
-          <a:prstGeom prst="rect">
-            <a:avLst/>
-          </a:prstGeom>
-        </p:spPr>
-      </p:pic>
-      <p:pic>
-        <p:nvPicPr>
-          <p:cNvPr id="19" name="Picture 18"/>
-          <p:cNvPicPr>
-            <a:picLocks noChangeAspect="1"/>
-          </p:cNvPicPr>
-          <p:nvPr/>
-        </p:nvPicPr>
-        <p:blipFill>
-          <a:blip r:embed="rId5"/>
-          <a:stretch>
-            <a:fillRect/>
-          </a:stretch>
-        </p:blipFill>
-        <p:spPr>
-          <a:xfrm>
-            <a:off x="5146886" y="2837048"/>
-            <a:ext cx="2772162" cy="600159"/>
-          </a:xfrm>
-          <a:prstGeom prst="rect">
-            <a:avLst/>
-          </a:prstGeom>
-        </p:spPr>
-      </p:pic>
-      <p:pic>
-        <p:nvPicPr>
-          <p:cNvPr id="20" name="Picture 19"/>
-          <p:cNvPicPr>
-            <a:picLocks noChangeAspect="1"/>
-          </p:cNvPicPr>
-          <p:nvPr/>
-        </p:nvPicPr>
-        <p:blipFill>
-          <a:blip r:embed="rId6"/>
-          <a:stretch>
-            <a:fillRect/>
-          </a:stretch>
-        </p:blipFill>
-        <p:spPr>
-          <a:xfrm>
-            <a:off x="5146886" y="1948258"/>
-            <a:ext cx="1714739" cy="600159"/>
-          </a:xfrm>
-          <a:prstGeom prst="rect">
-            <a:avLst/>
-          </a:prstGeom>
-        </p:spPr>
-      </p:pic>
-      <p:sp>
-        <p:nvSpPr>
-          <p:cNvPr id="21" name="Rounded Rectangle 20"/>
-          <p:cNvSpPr/>
-          <p:nvPr/>
-        </p:nvSpPr>
-        <p:spPr>
-          <a:xfrm>
-            <a:off x="473627" y="1881810"/>
-            <a:ext cx="4098373" cy="4452731"/>
-          </a:xfrm>
-          <a:prstGeom prst="roundRect">
-            <a:avLst>
-              <a:gd name="adj" fmla="val 3719"/>
-            </a:avLst>
+      <p:sp>
+        <p:nvSpPr>
+          <p:cNvPr id="7" name="TextBox 6"/>
+          <p:cNvSpPr txBox="1"/>
+          <p:nvPr/>
+        </p:nvSpPr>
+        <p:spPr>
+          <a:xfrm>
+            <a:off x="682864" y="4901878"/>
+            <a:ext cx="7612997" cy="400110"/>
+          </a:xfrm>
+          <a:prstGeom prst="rect">
+            <a:avLst/>
           </a:prstGeom>
           <a:noFill/>
-          <a:ln w="28575">
-            <a:solidFill>
-              <a:srgbClr val="64C7E9"/>
-            </a:solidFill>
-            <a:prstDash val="sysDash"/>
-          </a:ln>
-        </p:spPr>
-        <p:style>
-          <a:lnRef idx="2">
-            <a:schemeClr val="accent1">
-              <a:shade val="50000"/>
-            </a:schemeClr>
-          </a:lnRef>
-          <a:fillRef idx="1">
-            <a:schemeClr val="accent1"/>
-          </a:fillRef>
-          <a:effectRef idx="0">
-            <a:schemeClr val="accent1"/>
-          </a:effectRef>
-          <a:fontRef idx="minor">
-            <a:schemeClr val="lt1"/>
-          </a:fontRef>
-        </p:style>
-        <p:txBody>
-          <a:bodyPr rtlCol="0" anchor="ctr"/>
-          <a:lstStyle/>
-          <a:p>
-            <a:pPr algn="ctr"/>
-            <a:endParaRPr lang="en-US"/>
+        </p:spPr>
+        <p:txBody>
+          <a:bodyPr wrap="square" rtlCol="0">
+            <a:spAutoFit/>
+          </a:bodyPr>
+          <a:lstStyle/>
+          <a:p>
+            <a:r>
+              <a:rPr lang="en-US" sz="2000" dirty="0" smtClean="0">
+                <a:cs typeface="Arial" panose="020B0604020202020204" pitchFamily="34" charset="0"/>
+              </a:rPr>
+              <a:t>Mỗi đèn đều được đánh số thứ tự tương tứng</a:t>
+            </a:r>
+            <a:endParaRPr lang="en-US" sz="2000" dirty="0">
+              <a:latin typeface="Arial" panose="020B0604020202020204" pitchFamily="34" charset="0"/>
+              <a:cs typeface="Arial" panose="020B0604020202020204" pitchFamily="34" charset="0"/>
+            </a:endParaRPr>
           </a:p>
         </p:txBody>
       </p:sp>
     </p:spTree>
     <p:extLst>
       <p:ext uri="{BB962C8B-B14F-4D97-AF65-F5344CB8AC3E}">
-        <p14:creationId xmlns:p14="http://schemas.microsoft.com/office/powerpoint/2010/main" val="805585192"/>
+        <p14:creationId xmlns:p14="http://schemas.microsoft.com/office/powerpoint/2010/main" val="988112458"/>
       </p:ext>
     </p:extLst>
   </p:cSld>
@@ -10249,12 +10230,40 @@
               </a:rPr>
               <a:t>12.3 RGB LED</a:t>
             </a:r>
-            <a:endParaRPr lang="en-US" sz="2400" b="1" dirty="0">
-              <a:solidFill>
-                <a:srgbClr val="64C7E9"/>
-              </a:solidFill>
-              <a:latin typeface="UTM Helve" panose="02040603050506020204" pitchFamily="18" charset="0"/>
-              <a:ea typeface="Roboto" pitchFamily="2" charset="0"/>
+          </a:p>
+        </p:txBody>
+      </p:sp>
+      <p:sp>
+        <p:nvSpPr>
+          <p:cNvPr id="5" name="TextBox 4"/>
+          <p:cNvSpPr txBox="1"/>
+          <p:nvPr/>
+        </p:nvSpPr>
+        <p:spPr>
+          <a:xfrm>
+            <a:off x="473627" y="1280136"/>
+            <a:ext cx="8074025" cy="400110"/>
+          </a:xfrm>
+          <a:prstGeom prst="rect">
+            <a:avLst/>
+          </a:prstGeom>
+          <a:noFill/>
+        </p:spPr>
+        <p:txBody>
+          <a:bodyPr wrap="square" rtlCol="0">
+            <a:spAutoFit/>
+          </a:bodyPr>
+          <a:lstStyle/>
+          <a:p>
+            <a:r>
+              <a:rPr lang="en-US" sz="2000" dirty="0" smtClean="0">
+                <a:cs typeface="Arial" panose="020B0604020202020204" pitchFamily="34" charset="0"/>
+              </a:rPr>
+              <a:t>Trong bài học này chúng ta tìm hiểu cách điều khiển RGB LED</a:t>
+            </a:r>
+            <a:endParaRPr lang="en-US" sz="2000" dirty="0">
+              <a:latin typeface="Arial" panose="020B0604020202020204" pitchFamily="34" charset="0"/>
+              <a:cs typeface="Arial" panose="020B0604020202020204" pitchFamily="34" charset="0"/>
             </a:endParaRPr>
           </a:p>
         </p:txBody>
@@ -10267,7 +10276,7 @@
         </p:nvSpPr>
         <p:spPr>
           <a:xfrm>
-            <a:off x="644352" y="2889974"/>
+            <a:off x="644352" y="2068339"/>
             <a:ext cx="171494" cy="171494"/>
           </a:xfrm>
           <a:prstGeom prst="rect">
@@ -10313,7 +10322,7 @@
         </p:nvSpPr>
         <p:spPr>
           <a:xfrm>
-            <a:off x="924201" y="2790491"/>
+            <a:off x="924201" y="1968856"/>
             <a:ext cx="3436673" cy="707886"/>
           </a:xfrm>
           <a:prstGeom prst="rect">
@@ -10328,10 +10337,22 @@
           <a:lstStyle/>
           <a:p>
             <a:r>
+              <a:rPr lang="en-US" sz="2000" b="1" dirty="0">
+                <a:cs typeface="Arial" panose="020B0604020202020204" pitchFamily="34" charset="0"/>
+              </a:rPr>
+              <a:t>Clear all RGB pixel: </a:t>
+            </a:r>
+            <a:r>
+              <a:rPr lang="en-US" sz="2000" dirty="0">
+                <a:cs typeface="Arial" panose="020B0604020202020204" pitchFamily="34" charset="0"/>
+              </a:rPr>
+              <a:t>tắt tất cả các </a:t>
+            </a:r>
+            <a:r>
               <a:rPr lang="en-US" sz="2000" dirty="0" smtClean="0">
                 <a:cs typeface="Arial" panose="020B0604020202020204" pitchFamily="34" charset="0"/>
               </a:rPr>
-              <a:t>Nhấn nút A thì bật đèn RGB LED số 0 với màu Đỏ</a:t>
+              <a:t>đèn</a:t>
             </a:r>
             <a:endParaRPr lang="en-US" dirty="0">
               <a:latin typeface="Arial" panose="020B0604020202020204" pitchFamily="34" charset="0"/>
@@ -10348,7 +10369,7 @@
         </p:nvSpPr>
         <p:spPr>
           <a:xfrm>
-            <a:off x="644352" y="4260543"/>
+            <a:off x="644352" y="2876887"/>
             <a:ext cx="171494" cy="171494"/>
           </a:xfrm>
           <a:prstGeom prst="rect">
@@ -10388,13 +10409,54 @@
       </p:sp>
       <p:sp>
         <p:nvSpPr>
+          <p:cNvPr id="9" name="TextBox 8"/>
+          <p:cNvSpPr txBox="1"/>
+          <p:nvPr/>
+        </p:nvSpPr>
+        <p:spPr>
+          <a:xfrm>
+            <a:off x="924201" y="2711144"/>
+            <a:ext cx="3436673" cy="1015663"/>
+          </a:xfrm>
+          <a:prstGeom prst="rect">
+            <a:avLst/>
+          </a:prstGeom>
+          <a:noFill/>
+        </p:spPr>
+        <p:txBody>
+          <a:bodyPr wrap="square" rtlCol="0">
+            <a:spAutoFit/>
+          </a:bodyPr>
+          <a:lstStyle/>
+          <a:p>
+            <a:r>
+              <a:rPr lang="en-US" sz="2000" b="1" dirty="0">
+                <a:cs typeface="Arial" panose="020B0604020202020204" pitchFamily="34" charset="0"/>
+              </a:rPr>
+              <a:t>Set GRB pixels brightness to: </a:t>
+            </a:r>
+            <a:r>
+              <a:rPr lang="en-US" sz="2000" dirty="0">
+                <a:cs typeface="Arial" panose="020B0604020202020204" pitchFamily="34" charset="0"/>
+              </a:rPr>
+              <a:t>thay đổi độ sáng các đèn (nằm trong khoảng 0 -255)</a:t>
+            </a:r>
+            <a:endParaRPr lang="en-US" dirty="0">
+              <a:latin typeface="Arial" panose="020B0604020202020204" pitchFamily="34" charset="0"/>
+              <a:cs typeface="Arial" panose="020B0604020202020204" pitchFamily="34" charset="0"/>
+            </a:endParaRPr>
+          </a:p>
+        </p:txBody>
+      </p:sp>
+      <p:sp>
+        <p:nvSpPr>
           <p:cNvPr id="10" name="Rectangle 9"/>
           <p:cNvSpPr/>
           <p:nvPr/>
         </p:nvSpPr>
         <p:spPr>
           <a:xfrm>
-            <a:off x="644352" y="5591360"/>
+            <a:off x="644352" y="3976817"/>
             <a:ext cx="171494" cy="171494"/>
           </a:xfrm>
           <a:prstGeom prst="rect">
@@ -10434,14 +10496,14 @@
       </p:sp>
       <p:sp>
         <p:nvSpPr>
-          <p:cNvPr id="21" name="TextBox 20"/>
+          <p:cNvPr id="11" name="TextBox 10"/>
           <p:cNvSpPr txBox="1"/>
           <p:nvPr/>
         </p:nvSpPr>
         <p:spPr>
           <a:xfrm>
-            <a:off x="1098981" y="1272143"/>
-            <a:ext cx="4122376" cy="461665"/>
+            <a:off x="924201" y="3811074"/>
+            <a:ext cx="3436673" cy="707886"/>
           </a:xfrm>
           <a:prstGeom prst="rect">
             <a:avLst/>
@@ -10455,64 +10517,225 @@
           <a:lstStyle/>
           <a:p>
             <a:r>
-              <a:rPr lang="en-US" sz="2400" b="1" dirty="0" smtClean="0">
-                <a:solidFill>
-                  <a:schemeClr val="tx1">
-                    <a:lumMod val="85000"/>
-                    <a:lumOff val="15000"/>
-                  </a:schemeClr>
-                </a:solidFill>
-                <a:latin typeface="UTM Helve" panose="02040603050506020204" pitchFamily="18" charset="0"/>
-                <a:ea typeface="Roboto" pitchFamily="2" charset="0"/>
-              </a:rPr>
-              <a:t>Thao tác với Makcode</a:t>
-            </a:r>
-            <a:endParaRPr lang="en-US" sz="2400" b="1" dirty="0">
-              <a:solidFill>
-                <a:schemeClr val="tx1">
-                  <a:lumMod val="85000"/>
-                  <a:lumOff val="15000"/>
-                </a:schemeClr>
-              </a:solidFill>
-              <a:latin typeface="UTM Helve" panose="02040603050506020204" pitchFamily="18" charset="0"/>
-              <a:ea typeface="Roboto" pitchFamily="2" charset="0"/>
+              <a:rPr lang="en-US" sz="2000" b="1" dirty="0">
+                <a:cs typeface="Arial" panose="020B0604020202020204" pitchFamily="34" charset="0"/>
+              </a:rPr>
+              <a:t>Set all RGB pixel to: </a:t>
+            </a:r>
+            <a:r>
+              <a:rPr lang="en-US" sz="2000" dirty="0">
+                <a:cs typeface="Arial" panose="020B0604020202020204" pitchFamily="34" charset="0"/>
+              </a:rPr>
+              <a:t>đặt các đèn sang màu đã chọn</a:t>
+            </a:r>
+            <a:endParaRPr lang="en-US" dirty="0">
+              <a:latin typeface="Arial" panose="020B0604020202020204" pitchFamily="34" charset="0"/>
+              <a:cs typeface="Arial" panose="020B0604020202020204" pitchFamily="34" charset="0"/>
+            </a:endParaRPr>
+          </a:p>
+        </p:txBody>
+      </p:sp>
+      <p:sp>
+        <p:nvSpPr>
+          <p:cNvPr id="12" name="Rectangle 11"/>
+          <p:cNvSpPr/>
+          <p:nvPr/>
+        </p:nvSpPr>
+        <p:spPr>
+          <a:xfrm>
+            <a:off x="644352" y="4768970"/>
+            <a:ext cx="171494" cy="171494"/>
+          </a:xfrm>
+          <a:prstGeom prst="rect">
+            <a:avLst/>
+          </a:prstGeom>
+          <a:solidFill>
+            <a:srgbClr val="64C7E9"/>
+          </a:solidFill>
+          <a:ln>
+            <a:noFill/>
+          </a:ln>
+        </p:spPr>
+        <p:style>
+          <a:lnRef idx="2">
+            <a:schemeClr val="accent1">
+              <a:shade val="50000"/>
+            </a:schemeClr>
+          </a:lnRef>
+          <a:fillRef idx="1">
+            <a:schemeClr val="accent1"/>
+          </a:fillRef>
+          <a:effectRef idx="0">
+            <a:schemeClr val="accent1"/>
+          </a:effectRef>
+          <a:fontRef idx="minor">
+            <a:schemeClr val="lt1"/>
+          </a:fontRef>
+        </p:style>
+        <p:txBody>
+          <a:bodyPr rtlCol="0" anchor="ctr"/>
+          <a:lstStyle/>
+          <a:p>
+            <a:pPr algn="ctr"/>
+            <a:endParaRPr lang="en-US"/>
+          </a:p>
+        </p:txBody>
+      </p:sp>
+      <p:sp>
+        <p:nvSpPr>
+          <p:cNvPr id="13" name="TextBox 12"/>
+          <p:cNvSpPr txBox="1"/>
+          <p:nvPr/>
+        </p:nvSpPr>
+        <p:spPr>
+          <a:xfrm>
+            <a:off x="924201" y="4669487"/>
+            <a:ext cx="3436673" cy="707886"/>
+          </a:xfrm>
+          <a:prstGeom prst="rect">
+            <a:avLst/>
+          </a:prstGeom>
+          <a:noFill/>
+        </p:spPr>
+        <p:txBody>
+          <a:bodyPr wrap="square" rtlCol="0">
+            <a:spAutoFit/>
+          </a:bodyPr>
+          <a:lstStyle/>
+          <a:p>
+            <a:r>
+              <a:rPr lang="en-US" sz="2000" b="1" dirty="0">
+                <a:cs typeface="Arial" panose="020B0604020202020204" pitchFamily="34" charset="0"/>
+              </a:rPr>
+              <a:t>Set RGB pixel to: </a:t>
+            </a:r>
+            <a:r>
+              <a:rPr lang="en-US" sz="2000" dirty="0">
+                <a:cs typeface="Arial" panose="020B0604020202020204" pitchFamily="34" charset="0"/>
+              </a:rPr>
+              <a:t>đặt đèn vị trí 0 hoặc 1 với màu chọn</a:t>
+            </a:r>
+            <a:endParaRPr lang="en-US" dirty="0">
+              <a:latin typeface="Arial" panose="020B0604020202020204" pitchFamily="34" charset="0"/>
+              <a:cs typeface="Arial" panose="020B0604020202020204" pitchFamily="34" charset="0"/>
             </a:endParaRPr>
           </a:p>
         </p:txBody>
       </p:sp>
       <p:pic>
         <p:nvPicPr>
-          <p:cNvPr id="22" name="Picture 21"/>
+          <p:cNvPr id="14" name="Picture 13"/>
           <p:cNvPicPr>
             <a:picLocks noChangeAspect="1"/>
           </p:cNvPicPr>
           <p:nvPr/>
         </p:nvPicPr>
         <p:blipFill>
-          <a:blip r:embed="rId2">
-            <a:extLst>
-              <a:ext uri="{28A0092B-C50C-407E-A947-70E740481C1C}">
-                <a14:useLocalDpi xmlns:a14="http://schemas.microsoft.com/office/drawing/2010/main" val="0"/>
-              </a:ext>
-            </a:extLst>
-          </a:blip>
+          <a:blip r:embed="rId2"/>
           <a:stretch>
             <a:fillRect/>
           </a:stretch>
         </p:blipFill>
         <p:spPr>
           <a:xfrm>
-            <a:off x="542728" y="1345100"/>
-            <a:ext cx="466725" cy="409575"/>
+            <a:off x="5184992" y="5766873"/>
+            <a:ext cx="2695951" cy="419158"/>
           </a:xfrm>
           <a:prstGeom prst="rect">
             <a:avLst/>
           </a:prstGeom>
         </p:spPr>
       </p:pic>
+      <p:sp>
+        <p:nvSpPr>
+          <p:cNvPr id="15" name="Rectangle 14"/>
+          <p:cNvSpPr/>
+          <p:nvPr/>
+        </p:nvSpPr>
+        <p:spPr>
+          <a:xfrm>
+            <a:off x="644352" y="5656866"/>
+            <a:ext cx="171494" cy="171494"/>
+          </a:xfrm>
+          <a:prstGeom prst="rect">
+            <a:avLst/>
+          </a:prstGeom>
+          <a:solidFill>
+            <a:srgbClr val="64C7E9"/>
+          </a:solidFill>
+          <a:ln>
+            <a:noFill/>
+          </a:ln>
+        </p:spPr>
+        <p:style>
+          <a:lnRef idx="2">
+            <a:schemeClr val="accent1">
+              <a:shade val="50000"/>
+            </a:schemeClr>
+          </a:lnRef>
+          <a:fillRef idx="1">
+            <a:schemeClr val="accent1"/>
+          </a:fillRef>
+          <a:effectRef idx="0">
+            <a:schemeClr val="accent1"/>
+          </a:effectRef>
+          <a:fontRef idx="minor">
+            <a:schemeClr val="lt1"/>
+          </a:fontRef>
+        </p:style>
+        <p:txBody>
+          <a:bodyPr rtlCol="0" anchor="ctr"/>
+          <a:lstStyle/>
+          <a:p>
+            <a:pPr algn="ctr"/>
+            <a:endParaRPr lang="en-US"/>
+          </a:p>
+        </p:txBody>
+      </p:sp>
+      <p:sp>
+        <p:nvSpPr>
+          <p:cNvPr id="16" name="TextBox 15"/>
+          <p:cNvSpPr txBox="1"/>
+          <p:nvPr/>
+        </p:nvSpPr>
+        <p:spPr>
+          <a:xfrm>
+            <a:off x="924201" y="5557383"/>
+            <a:ext cx="3436673" cy="707886"/>
+          </a:xfrm>
+          <a:prstGeom prst="rect">
+            <a:avLst/>
+          </a:prstGeom>
+          <a:noFill/>
+        </p:spPr>
+        <p:txBody>
+          <a:bodyPr wrap="square" rtlCol="0">
+            <a:spAutoFit/>
+          </a:bodyPr>
+          <a:lstStyle/>
+          <a:p>
+            <a:r>
+              <a:rPr lang="en-US" sz="2000" b="1" dirty="0" smtClean="0">
+                <a:cs typeface="Arial" panose="020B0604020202020204" pitchFamily="34" charset="0"/>
+              </a:rPr>
+              <a:t>Red green blue:</a:t>
+            </a:r>
+            <a:r>
+              <a:rPr lang="en-US" sz="2000" dirty="0" smtClean="0">
+                <a:cs typeface="Arial" panose="020B0604020202020204" pitchFamily="34" charset="0"/>
+              </a:rPr>
+              <a:t> set màu theo mã màu rgb</a:t>
+            </a:r>
+            <a:endParaRPr lang="en-US" dirty="0">
+              <a:latin typeface="Arial" panose="020B0604020202020204" pitchFamily="34" charset="0"/>
+              <a:cs typeface="Arial" panose="020B0604020202020204" pitchFamily="34" charset="0"/>
+            </a:endParaRPr>
+          </a:p>
+        </p:txBody>
+      </p:sp>
       <p:pic>
         <p:nvPicPr>
-          <p:cNvPr id="23" name="Picture 22"/>
+          <p:cNvPr id="17" name="Picture 16"/>
           <p:cNvPicPr>
             <a:picLocks noChangeAspect="1"/>
           </p:cNvPicPr>
@@ -10526,8 +10749,8 @@
         </p:blipFill>
         <p:spPr>
           <a:xfrm>
-            <a:off x="4721207" y="2461309"/>
-            <a:ext cx="2429214" cy="1200318"/>
+            <a:off x="5184992" y="4760453"/>
+            <a:ext cx="2229161" cy="581106"/>
           </a:xfrm>
           <a:prstGeom prst="rect">
             <a:avLst/>
@@ -10536,7 +10759,7 @@
       </p:pic>
       <p:pic>
         <p:nvPicPr>
-          <p:cNvPr id="24" name="Picture 23"/>
+          <p:cNvPr id="18" name="Picture 17"/>
           <p:cNvPicPr>
             <a:picLocks noChangeAspect="1"/>
           </p:cNvPicPr>
@@ -10550,87 +10773,17 @@
         </p:blipFill>
         <p:spPr>
           <a:xfrm>
-            <a:off x="4695611" y="3834783"/>
-            <a:ext cx="2400635" cy="1143160"/>
+            <a:off x="5175466" y="3862521"/>
+            <a:ext cx="2238687" cy="571580"/>
           </a:xfrm>
           <a:prstGeom prst="rect">
             <a:avLst/>
           </a:prstGeom>
         </p:spPr>
       </p:pic>
-      <p:sp>
-        <p:nvSpPr>
-          <p:cNvPr id="25" name="TextBox 24"/>
-          <p:cNvSpPr txBox="1"/>
-          <p:nvPr/>
-        </p:nvSpPr>
-        <p:spPr>
-          <a:xfrm>
-            <a:off x="924201" y="4128960"/>
-            <a:ext cx="3436673" cy="707886"/>
-          </a:xfrm>
-          <a:prstGeom prst="rect">
-            <a:avLst/>
-          </a:prstGeom>
-          <a:noFill/>
-        </p:spPr>
-        <p:txBody>
-          <a:bodyPr wrap="square" rtlCol="0">
-            <a:spAutoFit/>
-          </a:bodyPr>
-          <a:lstStyle/>
-          <a:p>
-            <a:r>
-              <a:rPr lang="en-US" sz="2000" dirty="0" smtClean="0">
-                <a:cs typeface="Arial" panose="020B0604020202020204" pitchFamily="34" charset="0"/>
-              </a:rPr>
-              <a:t>Nhấn nút B thì bật đèn RGB LED số 1 với màu Blue</a:t>
-            </a:r>
-            <a:endParaRPr lang="en-US" dirty="0">
-              <a:latin typeface="Arial" panose="020B0604020202020204" pitchFamily="34" charset="0"/>
-              <a:cs typeface="Arial" panose="020B0604020202020204" pitchFamily="34" charset="0"/>
-            </a:endParaRPr>
-          </a:p>
-        </p:txBody>
-      </p:sp>
-      <p:sp>
-        <p:nvSpPr>
-          <p:cNvPr id="26" name="TextBox 25"/>
-          <p:cNvSpPr txBox="1"/>
-          <p:nvPr/>
-        </p:nvSpPr>
-        <p:spPr>
-          <a:xfrm>
-            <a:off x="924201" y="5467434"/>
-            <a:ext cx="3436673" cy="707886"/>
-          </a:xfrm>
-          <a:prstGeom prst="rect">
-            <a:avLst/>
-          </a:prstGeom>
-          <a:noFill/>
-        </p:spPr>
-        <p:txBody>
-          <a:bodyPr wrap="square" rtlCol="0">
-            <a:spAutoFit/>
-          </a:bodyPr>
-          <a:lstStyle/>
-          <a:p>
-            <a:r>
-              <a:rPr lang="en-US" sz="2000" dirty="0" smtClean="0">
-                <a:cs typeface="Arial" panose="020B0604020202020204" pitchFamily="34" charset="0"/>
-              </a:rPr>
-              <a:t>Nhấn nút A+B thì tắt tất cả đèn RGB LED</a:t>
-            </a:r>
-            <a:endParaRPr lang="en-US" dirty="0">
-              <a:latin typeface="Arial" panose="020B0604020202020204" pitchFamily="34" charset="0"/>
-              <a:cs typeface="Arial" panose="020B0604020202020204" pitchFamily="34" charset="0"/>
-            </a:endParaRPr>
-          </a:p>
-        </p:txBody>
-      </p:sp>
       <p:pic>
         <p:nvPicPr>
-          <p:cNvPr id="27" name="Picture 26"/>
+          <p:cNvPr id="19" name="Picture 18"/>
           <p:cNvPicPr>
             <a:picLocks noChangeAspect="1"/>
           </p:cNvPicPr>
@@ -10644,83 +10797,91 @@
         </p:blipFill>
         <p:spPr>
           <a:xfrm>
-            <a:off x="4721207" y="5162695"/>
-            <a:ext cx="2086266" cy="1200318"/>
+            <a:off x="5146886" y="2837048"/>
+            <a:ext cx="2772162" cy="600159"/>
           </a:xfrm>
           <a:prstGeom prst="rect">
             <a:avLst/>
           </a:prstGeom>
         </p:spPr>
       </p:pic>
-      <p:sp>
-        <p:nvSpPr>
-          <p:cNvPr id="29" name="TextBox 28"/>
-          <p:cNvSpPr txBox="1"/>
-          <p:nvPr/>
-        </p:nvSpPr>
-        <p:spPr>
-          <a:xfrm>
-            <a:off x="542728" y="1810720"/>
-            <a:ext cx="8113782" cy="400110"/>
-          </a:xfrm>
-          <a:prstGeom prst="rect">
-            <a:avLst/>
-          </a:prstGeom>
-          <a:noFill/>
-        </p:spPr>
-        <p:txBody>
-          <a:bodyPr wrap="square" rtlCol="0">
-            <a:spAutoFit/>
-          </a:bodyPr>
-          <a:lstStyle/>
-          <a:p>
-            <a:r>
-              <a:rPr lang="en-US" sz="2000" dirty="0" smtClean="0">
-                <a:cs typeface="Arial" panose="020B0604020202020204" pitchFamily="34" charset="0"/>
-              </a:rPr>
-              <a:t>Ví dụ tham khảo về cách bật và tắt, chọn màu cho các đèn RGB LED</a:t>
-            </a:r>
-            <a:endParaRPr lang="en-US" dirty="0">
-              <a:latin typeface="Arial" panose="020B0604020202020204" pitchFamily="34" charset="0"/>
-              <a:cs typeface="Arial" panose="020B0604020202020204" pitchFamily="34" charset="0"/>
-            </a:endParaRPr>
-          </a:p>
-        </p:txBody>
-      </p:sp>
       <p:pic>
         <p:nvPicPr>
-          <p:cNvPr id="30" name="Picture 29"/>
+          <p:cNvPr id="20" name="Picture 19"/>
           <p:cNvPicPr>
             <a:picLocks noChangeAspect="1"/>
           </p:cNvPicPr>
           <p:nvPr/>
         </p:nvPicPr>
         <p:blipFill>
-          <a:blip r:embed="rId6" cstate="print">
-            <a:extLst>
-              <a:ext uri="{28A0092B-C50C-407E-A947-70E740481C1C}">
-                <a14:useLocalDpi xmlns:a14="http://schemas.microsoft.com/office/drawing/2010/main" val="0"/>
-              </a:ext>
-            </a:extLst>
-          </a:blip>
+          <a:blip r:embed="rId6"/>
           <a:stretch>
             <a:fillRect/>
           </a:stretch>
         </p:blipFill>
         <p:spPr>
           <a:xfrm>
-            <a:off x="7150421" y="4818903"/>
-            <a:ext cx="1425474" cy="1544913"/>
+            <a:off x="5146886" y="1948258"/>
+            <a:ext cx="1714739" cy="600159"/>
           </a:xfrm>
           <a:prstGeom prst="rect">
             <a:avLst/>
           </a:prstGeom>
         </p:spPr>
       </p:pic>
+      <p:sp>
+        <p:nvSpPr>
+          <p:cNvPr id="21" name="Rounded Rectangle 20"/>
+          <p:cNvSpPr/>
+          <p:nvPr/>
+        </p:nvSpPr>
+        <p:spPr>
+          <a:xfrm>
+            <a:off x="473627" y="1881810"/>
+            <a:ext cx="4098373" cy="4452731"/>
+          </a:xfrm>
+          <a:prstGeom prst="roundRect">
+            <a:avLst>
+              <a:gd name="adj" fmla="val 3719"/>
+            </a:avLst>
+          </a:prstGeom>
+          <a:noFill/>
+          <a:ln w="28575">
+            <a:solidFill>
+              <a:srgbClr val="64C7E9"/>
+            </a:solidFill>
+            <a:prstDash val="sysDash"/>
+          </a:ln>
+        </p:spPr>
+        <p:style>
+          <a:lnRef idx="2">
+            <a:schemeClr val="accent1">
+              <a:shade val="50000"/>
+            </a:schemeClr>
+          </a:lnRef>
+          <a:fillRef idx="1">
+            <a:schemeClr val="accent1"/>
+          </a:fillRef>
+          <a:effectRef idx="0">
+            <a:schemeClr val="accent1"/>
+          </a:effectRef>
+          <a:fontRef idx="minor">
+            <a:schemeClr val="lt1"/>
+          </a:fontRef>
+        </p:style>
+        <p:txBody>
+          <a:bodyPr rtlCol="0" anchor="ctr"/>
+          <a:lstStyle/>
+          <a:p>
+            <a:pPr algn="ctr"/>
+            <a:endParaRPr lang="en-US"/>
+          </a:p>
+        </p:txBody>
+      </p:sp>
     </p:spTree>
     <p:extLst>
       <p:ext uri="{BB962C8B-B14F-4D97-AF65-F5344CB8AC3E}">
-        <p14:creationId xmlns:p14="http://schemas.microsoft.com/office/powerpoint/2010/main" val="996229113"/>
+        <p14:creationId xmlns:p14="http://schemas.microsoft.com/office/powerpoint/2010/main" val="805585192"/>
       </p:ext>
     </p:extLst>
   </p:cSld>

--- a/Lessions/Bai-12-headLight-RGB-Led-Reka-bit/Bai-12-headLight-RGB-Led-Reka-bit.pptx
+++ b/Lessions/Bai-12-headLight-RGB-Led-Reka-bit/Bai-12-headLight-RGB-Led-Reka-bit.pptx
@@ -5,7 +5,7 @@
     <p:sldMasterId id="2147483660" r:id="rId1"/>
   </p:sldMasterIdLst>
   <p:notesMasterIdLst>
-    <p:notesMasterId r:id="rId18"/>
+    <p:notesMasterId r:id="rId16"/>
   </p:notesMasterIdLst>
   <p:sldIdLst>
     <p:sldId id="256" r:id="rId2"/>
@@ -20,10 +20,8 @@
     <p:sldId id="288" r:id="rId11"/>
     <p:sldId id="289" r:id="rId12"/>
     <p:sldId id="290" r:id="rId13"/>
-    <p:sldId id="266" r:id="rId14"/>
-    <p:sldId id="268" r:id="rId15"/>
-    <p:sldId id="277" r:id="rId16"/>
-    <p:sldId id="291" r:id="rId17"/>
+    <p:sldId id="277" r:id="rId14"/>
+    <p:sldId id="291" r:id="rId15"/>
   </p:sldIdLst>
   <p:sldSz cx="9144000" cy="6858000" type="screen4x3"/>
   <p:notesSz cx="6858000" cy="9144000"/>
@@ -212,7 +210,7 @@
           <a:p>
             <a:fld id="{E1BDF935-9821-4834-9D99-7DEFA719F44D}" type="datetimeFigureOut">
               <a:rPr lang="en-US" smtClean="0"/>
-              <a:t>5/12/2023</a:t>
+              <a:t>6/13/2024</a:t>
             </a:fld>
             <a:endParaRPr lang="en-US"/>
           </a:p>
@@ -2588,6 +2586,13 @@
   <p:clrMapOvr>
     <a:masterClrMapping/>
   </p:clrMapOvr>
+  <p:timing>
+    <p:tnLst>
+      <p:par>
+        <p:cTn id="1" dur="indefinite" restart="never" nodeType="tmRoot"/>
+      </p:par>
+    </p:tnLst>
+  </p:timing>
 </p:sld>
 </file>
 
@@ -4494,7 +4499,195 @@
       </p:sp>
       <p:sp>
         <p:nvSpPr>
-          <p:cNvPr id="3" name="Title 1"/>
+          <p:cNvPr id="3" name="Rectangle 2"/>
+          <p:cNvSpPr/>
+          <p:nvPr/>
+        </p:nvSpPr>
+        <p:spPr>
+          <a:xfrm>
+            <a:off x="301925" y="1051379"/>
+            <a:ext cx="8454964" cy="27432"/>
+          </a:xfrm>
+          <a:prstGeom prst="rect">
+            <a:avLst/>
+          </a:prstGeom>
+          <a:gradFill flip="none" rotWithShape="1">
+            <a:gsLst>
+              <a:gs pos="15000">
+                <a:srgbClr val="67C7DF"/>
+              </a:gs>
+              <a:gs pos="100000">
+                <a:srgbClr val="5EB130"/>
+              </a:gs>
+            </a:gsLst>
+            <a:lin ang="0" scaled="1"/>
+            <a:tileRect/>
+          </a:gradFill>
+          <a:ln>
+            <a:noFill/>
+          </a:ln>
+        </p:spPr>
+        <p:style>
+          <a:lnRef idx="2">
+            <a:schemeClr val="accent1">
+              <a:shade val="50000"/>
+            </a:schemeClr>
+          </a:lnRef>
+          <a:fillRef idx="1">
+            <a:schemeClr val="accent1"/>
+          </a:fillRef>
+          <a:effectRef idx="0">
+            <a:schemeClr val="accent1"/>
+          </a:effectRef>
+          <a:fontRef idx="minor">
+            <a:schemeClr val="lt1"/>
+          </a:fontRef>
+        </p:style>
+        <p:txBody>
+          <a:bodyPr rtlCol="0" anchor="ctr"/>
+          <a:lstStyle/>
+          <a:p>
+            <a:pPr algn="ctr"/>
+            <a:endParaRPr lang="en-US"/>
+          </a:p>
+        </p:txBody>
+      </p:sp>
+      <p:sp>
+        <p:nvSpPr>
+          <p:cNvPr id="4" name="TextBox 3"/>
+          <p:cNvSpPr txBox="1"/>
+          <p:nvPr/>
+        </p:nvSpPr>
+        <p:spPr>
+          <a:xfrm>
+            <a:off x="248815" y="546584"/>
+            <a:ext cx="7374995" cy="461665"/>
+          </a:xfrm>
+          <a:prstGeom prst="rect">
+            <a:avLst/>
+          </a:prstGeom>
+          <a:noFill/>
+        </p:spPr>
+        <p:txBody>
+          <a:bodyPr wrap="square" rtlCol="0">
+            <a:spAutoFit/>
+          </a:bodyPr>
+          <a:lstStyle/>
+          <a:p>
+            <a:r>
+              <a:rPr lang="en-US" sz="2400" b="1" dirty="0" smtClean="0">
+                <a:solidFill>
+                  <a:srgbClr val="64C7E9"/>
+                </a:solidFill>
+                <a:latin typeface="UTM Helve" panose="02040603050506020204" pitchFamily="18" charset="0"/>
+                <a:ea typeface="Roboto" pitchFamily="2" charset="0"/>
+              </a:rPr>
+              <a:t>12.4 Hoạt động học viên</a:t>
+            </a:r>
+            <a:endParaRPr lang="en-US" sz="2400" b="1" dirty="0">
+              <a:solidFill>
+                <a:srgbClr val="64C7E9"/>
+              </a:solidFill>
+              <a:latin typeface="UTM Helve" panose="02040603050506020204" pitchFamily="18" charset="0"/>
+              <a:ea typeface="Roboto" pitchFamily="2" charset="0"/>
+            </a:endParaRPr>
+          </a:p>
+        </p:txBody>
+      </p:sp>
+      <p:sp>
+        <p:nvSpPr>
+          <p:cNvPr id="5" name="TextBox 4"/>
+          <p:cNvSpPr txBox="1"/>
+          <p:nvPr/>
+        </p:nvSpPr>
+        <p:spPr>
+          <a:xfrm>
+            <a:off x="1265306" y="1364739"/>
+            <a:ext cx="3505477" cy="461665"/>
+          </a:xfrm>
+          <a:prstGeom prst="rect">
+            <a:avLst/>
+          </a:prstGeom>
+          <a:noFill/>
+        </p:spPr>
+        <p:txBody>
+          <a:bodyPr wrap="square" rtlCol="0">
+            <a:spAutoFit/>
+          </a:bodyPr>
+          <a:lstStyle/>
+          <a:p>
+            <a:r>
+              <a:rPr lang="vi-VN" sz="2400" b="1" dirty="0">
+                <a:solidFill>
+                  <a:schemeClr val="tx1">
+                    <a:lumMod val="85000"/>
+                    <a:lumOff val="15000"/>
+                  </a:schemeClr>
+                </a:solidFill>
+                <a:latin typeface="UTM Helve" panose="02040603050506020204" pitchFamily="18" charset="0"/>
+                <a:ea typeface="Roboto" pitchFamily="2" charset="0"/>
+              </a:rPr>
+              <a:t>Xe </a:t>
+            </a:r>
+            <a:r>
+              <a:rPr lang="en-US" sz="2400" b="1" dirty="0" smtClean="0">
+                <a:solidFill>
+                  <a:schemeClr val="tx1">
+                    <a:lumMod val="85000"/>
+                    <a:lumOff val="15000"/>
+                  </a:schemeClr>
+                </a:solidFill>
+                <a:latin typeface="UTM Helve" panose="02040603050506020204" pitchFamily="18" charset="0"/>
+                <a:ea typeface="Roboto" pitchFamily="2" charset="0"/>
+              </a:rPr>
+              <a:t>cấp cứu zoom:bit</a:t>
+            </a:r>
+            <a:endParaRPr lang="en-US" sz="2400" b="1" dirty="0">
+              <a:solidFill>
+                <a:schemeClr val="tx1">
+                  <a:lumMod val="85000"/>
+                  <a:lumOff val="15000"/>
+                </a:schemeClr>
+              </a:solidFill>
+              <a:latin typeface="UTM Helve" panose="02040603050506020204" pitchFamily="18" charset="0"/>
+              <a:ea typeface="Roboto" pitchFamily="2" charset="0"/>
+            </a:endParaRPr>
+          </a:p>
+        </p:txBody>
+      </p:sp>
+      <p:pic>
+        <p:nvPicPr>
+          <p:cNvPr id="6" name="Picture 5"/>
+          <p:cNvPicPr>
+            <a:picLocks noChangeAspect="1"/>
+          </p:cNvPicPr>
+          <p:nvPr/>
+        </p:nvPicPr>
+        <p:blipFill>
+          <a:blip r:embed="rId2">
+            <a:extLst>
+              <a:ext uri="{28A0092B-C50C-407E-A947-70E740481C1C}">
+                <a14:useLocalDpi xmlns:a14="http://schemas.microsoft.com/office/drawing/2010/main" val="0"/>
+              </a:ext>
+            </a:extLst>
+          </a:blip>
+          <a:stretch>
+            <a:fillRect/>
+          </a:stretch>
+        </p:blipFill>
+        <p:spPr>
+          <a:xfrm>
+            <a:off x="709053" y="1437696"/>
+            <a:ext cx="466725" cy="409575"/>
+          </a:xfrm>
+          <a:prstGeom prst="rect">
+            <a:avLst/>
+          </a:prstGeom>
+        </p:spPr>
+      </p:pic>
+      <p:sp>
+        <p:nvSpPr>
+          <p:cNvPr id="21" name="Title 1"/>
           <p:cNvSpPr txBox="1">
             <a:spLocks/>
           </p:cNvSpPr>
@@ -4502,8 +4695,8 @@
         </p:nvSpPr>
         <p:spPr>
           <a:xfrm>
-            <a:off x="709053" y="4862785"/>
-            <a:ext cx="5644503" cy="508846"/>
+            <a:off x="709053" y="2028427"/>
+            <a:ext cx="7118507" cy="429492"/>
           </a:xfrm>
           <a:prstGeom prst="rect">
             <a:avLst/>
@@ -4546,38 +4739,110 @@
                 </a:solidFill>
                 <a:ea typeface="Roboto Condensed" pitchFamily="2" charset="0"/>
               </a:rPr>
-              <a:t>Bước 1: Click Download tải file về máy tính</a:t>
-            </a:r>
+              <a:t>Dùng zoom:bit giả lập một xe cấp cứu với yêu cầu như sau:</a:t>
+            </a:r>
+            <a:endParaRPr lang="en-US" sz="2000" dirty="0" smtClean="0">
+              <a:solidFill>
+                <a:schemeClr val="tx1">
+                  <a:lumMod val="95000"/>
+                  <a:lumOff val="5000"/>
+                </a:schemeClr>
+              </a:solidFill>
+              <a:ea typeface="Roboto Condensed" pitchFamily="2" charset="0"/>
+            </a:endParaRPr>
+          </a:p>
+        </p:txBody>
+      </p:sp>
+      <p:sp>
+        <p:nvSpPr>
+          <p:cNvPr id="11" name="Rectangle 10"/>
+          <p:cNvSpPr/>
+          <p:nvPr/>
+        </p:nvSpPr>
+        <p:spPr>
+          <a:xfrm>
+            <a:off x="4294682" y="2811400"/>
+            <a:ext cx="171494" cy="171494"/>
+          </a:xfrm>
+          <a:prstGeom prst="rect">
+            <a:avLst/>
+          </a:prstGeom>
+          <a:solidFill>
+            <a:srgbClr val="64C7E9"/>
+          </a:solidFill>
+          <a:ln>
+            <a:noFill/>
+          </a:ln>
+        </p:spPr>
+        <p:style>
+          <a:lnRef idx="2">
+            <a:schemeClr val="accent1">
+              <a:shade val="50000"/>
+            </a:schemeClr>
+          </a:lnRef>
+          <a:fillRef idx="1">
+            <a:schemeClr val="accent1"/>
+          </a:fillRef>
+          <a:effectRef idx="0">
+            <a:schemeClr val="accent1"/>
+          </a:effectRef>
+          <a:fontRef idx="minor">
+            <a:schemeClr val="lt1"/>
+          </a:fontRef>
+        </p:style>
+        <p:txBody>
+          <a:bodyPr rtlCol="0" anchor="ctr"/>
+          <a:lstStyle/>
+          <a:p>
+            <a:pPr algn="ctr"/>
+            <a:endParaRPr lang="en-US"/>
           </a:p>
         </p:txBody>
       </p:sp>
       <p:pic>
         <p:nvPicPr>
-          <p:cNvPr id="4" name="Picture 3"/>
+          <p:cNvPr id="2050" name="Picture 2" descr="Vector an ambulance travels to call a sick patient. flat  illustration."/>
           <p:cNvPicPr>
-            <a:picLocks noChangeAspect="1"/>
+            <a:picLocks noChangeAspect="1" noChangeArrowheads="1"/>
           </p:cNvPicPr>
           <p:nvPr/>
         </p:nvPicPr>
         <p:blipFill>
-          <a:blip r:embed="rId2"/>
+          <a:blip r:embed="rId3">
+            <a:extLst>
+              <a:ext uri="{28A0092B-C50C-407E-A947-70E740481C1C}">
+                <a14:useLocalDpi xmlns:a14="http://schemas.microsoft.com/office/drawing/2010/main" val="0"/>
+              </a:ext>
+            </a:extLst>
+          </a:blip>
+          <a:srcRect/>
           <a:stretch>
             <a:fillRect/>
           </a:stretch>
         </p:blipFill>
-        <p:spPr>
-          <a:xfrm>
-            <a:off x="5743928" y="4822111"/>
-            <a:ext cx="2909512" cy="456394"/>
-          </a:xfrm>
-          <a:prstGeom prst="rect">
-            <a:avLst/>
-          </a:prstGeom>
+        <p:spPr bwMode="auto">
+          <a:xfrm>
+            <a:off x="248815" y="2747434"/>
+            <a:ext cx="4045867" cy="3851977"/>
+          </a:xfrm>
+          <a:prstGeom prst="rect">
+            <a:avLst/>
+          </a:prstGeom>
+          <a:noFill/>
+          <a:extLst>
+            <a:ext uri="{909E8E84-426E-40DD-AFC4-6F175D3DCCD1}">
+              <a14:hiddenFill xmlns:a14="http://schemas.microsoft.com/office/drawing/2010/main">
+                <a:solidFill>
+                  <a:srgbClr val="FFFFFF"/>
+                </a:solidFill>
+              </a14:hiddenFill>
+            </a:ext>
+          </a:extLst>
         </p:spPr>
       </p:pic>
       <p:sp>
         <p:nvSpPr>
-          <p:cNvPr id="5" name="Title 1"/>
+          <p:cNvPr id="12" name="Title 1"/>
           <p:cNvSpPr txBox="1">
             <a:spLocks/>
           </p:cNvSpPr>
@@ -4585,8 +4850,8 @@
         </p:nvSpPr>
         <p:spPr>
           <a:xfrm>
-            <a:off x="709053" y="5412305"/>
-            <a:ext cx="8047836" cy="496573"/>
+            <a:off x="4532436" y="3583957"/>
+            <a:ext cx="3979607" cy="1864928"/>
           </a:xfrm>
           <a:prstGeom prst="rect">
             <a:avLst/>
@@ -4620,6 +4885,18 @@
               </a:lnSpc>
             </a:pPr>
             <a:r>
+              <a:rPr lang="vi-VN" sz="2000" b="0" dirty="0">
+                <a:solidFill>
+                  <a:schemeClr val="tx1">
+                    <a:lumMod val="95000"/>
+                    <a:lumOff val="5000"/>
+                  </a:schemeClr>
+                </a:solidFill>
+                <a:ea typeface="Roboto Condensed" pitchFamily="2" charset="0"/>
+              </a:rPr>
+              <a:t>Để tăng sự thu hút của mọi người và nhường đường để xe chạy, </a:t>
+            </a:r>
+            <a:r>
               <a:rPr lang="en-US" sz="2000" b="0" dirty="0" smtClean="0">
                 <a:solidFill>
                   <a:schemeClr val="tx1">
@@ -4629,115 +4906,213 @@
                 </a:solidFill>
                 <a:ea typeface="Roboto Condensed" pitchFamily="2" charset="0"/>
               </a:rPr>
-              <a:t>Bước 2: Gắn đầu USB vào máy tính, đầu micro USB vào micro:bit </a:t>
-            </a:r>
-          </a:p>
-        </p:txBody>
-      </p:sp>
-      <p:sp>
-        <p:nvSpPr>
-          <p:cNvPr id="8" name="TextBox 7"/>
-          <p:cNvSpPr txBox="1"/>
-          <p:nvPr/>
-        </p:nvSpPr>
-        <p:spPr>
-          <a:xfrm>
-            <a:off x="1265305" y="1364739"/>
-            <a:ext cx="5649845" cy="461665"/>
-          </a:xfrm>
-          <a:prstGeom prst="rect">
-            <a:avLst/>
-          </a:prstGeom>
-          <a:noFill/>
-        </p:spPr>
-        <p:txBody>
-          <a:bodyPr wrap="square" rtlCol="0">
-            <a:spAutoFit/>
-          </a:bodyPr>
-          <a:lstStyle/>
-          <a:p>
-            <a:r>
-              <a:rPr lang="en-US" sz="2400" b="1" dirty="0" smtClean="0">
+              <a:t>bạn </a:t>
+            </a:r>
+            <a:r>
+              <a:rPr lang="vi-VN" sz="2000" b="0" dirty="0" smtClean="0">
                 <a:solidFill>
                   <a:schemeClr val="tx1">
-                    <a:lumMod val="85000"/>
-                    <a:lumOff val="15000"/>
+                    <a:lumMod val="95000"/>
+                    <a:lumOff val="5000"/>
                   </a:schemeClr>
                 </a:solidFill>
-                <a:latin typeface="UTM Helve" panose="02040603050506020204" pitchFamily="18" charset="0"/>
-                <a:ea typeface="Roboto" pitchFamily="2" charset="0"/>
-              </a:rPr>
-              <a:t>Đưa chương trình vào micro:bit</a:t>
-            </a:r>
-            <a:endParaRPr lang="en-US" sz="2400" b="1" dirty="0">
+                <a:ea typeface="Roboto Condensed" pitchFamily="2" charset="0"/>
+              </a:rPr>
+              <a:t>có </a:t>
+            </a:r>
+            <a:r>
+              <a:rPr lang="vi-VN" sz="2000" b="0" dirty="0">
+                <a:solidFill>
+                  <a:schemeClr val="tx1">
+                    <a:lumMod val="95000"/>
+                    <a:lumOff val="5000"/>
+                  </a:schemeClr>
+                </a:solidFill>
+                <a:ea typeface="Roboto Condensed" pitchFamily="2" charset="0"/>
+              </a:rPr>
+              <a:t>thể vừa cho </a:t>
+            </a:r>
+            <a:r>
+              <a:rPr lang="vi-VN" sz="2000" b="0" dirty="0" smtClean="0">
+                <a:solidFill>
+                  <a:schemeClr val="tx1">
+                    <a:lumMod val="95000"/>
+                    <a:lumOff val="5000"/>
+                  </a:schemeClr>
+                </a:solidFill>
+                <a:ea typeface="Roboto Condensed" pitchFamily="2" charset="0"/>
+              </a:rPr>
+              <a:t>đèn</a:t>
+            </a:r>
+            <a:r>
+              <a:rPr lang="en-US" sz="2000" b="0" dirty="0" smtClean="0">
+                <a:solidFill>
+                  <a:schemeClr val="tx1">
+                    <a:lumMod val="95000"/>
+                    <a:lumOff val="5000"/>
+                  </a:schemeClr>
+                </a:solidFill>
+                <a:ea typeface="Roboto Condensed" pitchFamily="2" charset="0"/>
+              </a:rPr>
+              <a:t> RGB LED</a:t>
+            </a:r>
+            <a:r>
+              <a:rPr lang="vi-VN" sz="2000" b="0" dirty="0" smtClean="0">
+                <a:solidFill>
+                  <a:schemeClr val="tx1">
+                    <a:lumMod val="95000"/>
+                    <a:lumOff val="5000"/>
+                  </a:schemeClr>
+                </a:solidFill>
+                <a:ea typeface="Roboto Condensed" pitchFamily="2" charset="0"/>
+              </a:rPr>
+              <a:t> </a:t>
+            </a:r>
+            <a:r>
+              <a:rPr lang="vi-VN" sz="2000" b="0" dirty="0">
+                <a:solidFill>
+                  <a:schemeClr val="tx1">
+                    <a:lumMod val="95000"/>
+                    <a:lumOff val="5000"/>
+                  </a:schemeClr>
+                </a:solidFill>
+                <a:ea typeface="Roboto Condensed" pitchFamily="2" charset="0"/>
+              </a:rPr>
+              <a:t>nhấp </a:t>
+            </a:r>
+            <a:r>
+              <a:rPr lang="vi-VN" sz="2000" b="0" dirty="0" smtClean="0">
+                <a:solidFill>
+                  <a:schemeClr val="tx1">
+                    <a:lumMod val="95000"/>
+                    <a:lumOff val="5000"/>
+                  </a:schemeClr>
+                </a:solidFill>
+                <a:ea typeface="Roboto Condensed" pitchFamily="2" charset="0"/>
+              </a:rPr>
+              <a:t>nháy</a:t>
+            </a:r>
+            <a:r>
+              <a:rPr lang="en-US" sz="2000" b="0" dirty="0" smtClean="0">
+                <a:solidFill>
+                  <a:schemeClr val="tx1">
+                    <a:lumMod val="95000"/>
+                    <a:lumOff val="5000"/>
+                  </a:schemeClr>
+                </a:solidFill>
+                <a:ea typeface="Roboto Condensed" pitchFamily="2" charset="0"/>
+              </a:rPr>
+              <a:t> liên tục</a:t>
+            </a:r>
+            <a:r>
+              <a:rPr lang="vi-VN" sz="2000" b="0" dirty="0" smtClean="0">
+                <a:solidFill>
+                  <a:schemeClr val="tx1">
+                    <a:lumMod val="95000"/>
+                    <a:lumOff val="5000"/>
+                  </a:schemeClr>
+                </a:solidFill>
+                <a:ea typeface="Roboto Condensed" pitchFamily="2" charset="0"/>
+              </a:rPr>
+              <a:t> </a:t>
+            </a:r>
+            <a:r>
+              <a:rPr lang="vi-VN" sz="2000" b="0" dirty="0">
+                <a:solidFill>
+                  <a:schemeClr val="tx1">
+                    <a:lumMod val="95000"/>
+                    <a:lumOff val="5000"/>
+                  </a:schemeClr>
+                </a:solidFill>
+                <a:ea typeface="Roboto Condensed" pitchFamily="2" charset="0"/>
+              </a:rPr>
+              <a:t>vừa phát ra tiếng còi báo </a:t>
+            </a:r>
+            <a:r>
+              <a:rPr lang="vi-VN" sz="2000" b="0" dirty="0" smtClean="0">
+                <a:solidFill>
+                  <a:schemeClr val="tx1">
+                    <a:lumMod val="95000"/>
+                    <a:lumOff val="5000"/>
+                  </a:schemeClr>
+                </a:solidFill>
+                <a:ea typeface="Roboto Condensed" pitchFamily="2" charset="0"/>
+              </a:rPr>
+              <a:t>động</a:t>
+            </a:r>
+            <a:r>
+              <a:rPr lang="en-US" sz="2000" b="0" dirty="0" smtClean="0">
+                <a:solidFill>
+                  <a:schemeClr val="tx1">
+                    <a:lumMod val="95000"/>
+                    <a:lumOff val="5000"/>
+                  </a:schemeClr>
+                </a:solidFill>
+                <a:ea typeface="Roboto Condensed" pitchFamily="2" charset="0"/>
+              </a:rPr>
+              <a:t> tò te to tè bằng các khối âm thanh</a:t>
+            </a:r>
+            <a:endParaRPr lang="en-US" sz="2000" dirty="0" smtClean="0">
               <a:solidFill>
                 <a:schemeClr val="tx1">
-                  <a:lumMod val="85000"/>
-                  <a:lumOff val="15000"/>
+                  <a:lumMod val="95000"/>
+                  <a:lumOff val="5000"/>
                 </a:schemeClr>
               </a:solidFill>
-              <a:latin typeface="UTM Helve" panose="02040603050506020204" pitchFamily="18" charset="0"/>
-              <a:ea typeface="Roboto" pitchFamily="2" charset="0"/>
+              <a:ea typeface="Roboto Condensed" pitchFamily="2" charset="0"/>
             </a:endParaRPr>
           </a:p>
         </p:txBody>
       </p:sp>
-      <p:pic>
-        <p:nvPicPr>
-          <p:cNvPr id="9" name="Picture 8"/>
-          <p:cNvPicPr>
-            <a:picLocks noChangeAspect="1"/>
-          </p:cNvPicPr>
-          <p:nvPr/>
-        </p:nvPicPr>
-        <p:blipFill>
-          <a:blip r:embed="rId3">
-            <a:extLst>
-              <a:ext uri="{28A0092B-C50C-407E-A947-70E740481C1C}">
-                <a14:useLocalDpi xmlns:a14="http://schemas.microsoft.com/office/drawing/2010/main" val="0"/>
-              </a:ext>
-            </a:extLst>
-          </a:blip>
-          <a:stretch>
-            <a:fillRect/>
-          </a:stretch>
-        </p:blipFill>
-        <p:spPr>
-          <a:xfrm>
-            <a:off x="709053" y="1437696"/>
-            <a:ext cx="466725" cy="409575"/>
-          </a:xfrm>
-          <a:prstGeom prst="rect">
-            <a:avLst/>
-          </a:prstGeom>
-        </p:spPr>
-      </p:pic>
-      <p:pic>
-        <p:nvPicPr>
-          <p:cNvPr id="11" name="Picture 10"/>
-          <p:cNvPicPr>
-            <a:picLocks noChangeAspect="1"/>
-          </p:cNvPicPr>
-          <p:nvPr/>
-        </p:nvPicPr>
-        <p:blipFill rotWithShape="1">
-          <a:blip r:embed="rId4"/>
-          <a:srcRect t="9567"/>
-          <a:stretch/>
-        </p:blipFill>
-        <p:spPr>
-          <a:xfrm>
-            <a:off x="1477989" y="1992477"/>
-            <a:ext cx="6441059" cy="2452204"/>
-          </a:xfrm>
-          <a:prstGeom prst="rect">
-            <a:avLst/>
-          </a:prstGeom>
-        </p:spPr>
-      </p:pic>
-      <p:sp>
-        <p:nvSpPr>
-          <p:cNvPr id="12" name="Title 1"/>
+      <p:sp>
+        <p:nvSpPr>
+          <p:cNvPr id="13" name="Rectangle 12"/>
+          <p:cNvSpPr/>
+          <p:nvPr/>
+        </p:nvSpPr>
+        <p:spPr>
+          <a:xfrm>
+            <a:off x="4294682" y="3727414"/>
+            <a:ext cx="171494" cy="171494"/>
+          </a:xfrm>
+          <a:prstGeom prst="rect">
+            <a:avLst/>
+          </a:prstGeom>
+          <a:solidFill>
+            <a:srgbClr val="64C7E9"/>
+          </a:solidFill>
+          <a:ln>
+            <a:noFill/>
+          </a:ln>
+        </p:spPr>
+        <p:style>
+          <a:lnRef idx="2">
+            <a:schemeClr val="accent1">
+              <a:shade val="50000"/>
+            </a:schemeClr>
+          </a:lnRef>
+          <a:fillRef idx="1">
+            <a:schemeClr val="accent1"/>
+          </a:fillRef>
+          <a:effectRef idx="0">
+            <a:schemeClr val="accent1"/>
+          </a:effectRef>
+          <a:fontRef idx="minor">
+            <a:schemeClr val="lt1"/>
+          </a:fontRef>
+        </p:style>
+        <p:txBody>
+          <a:bodyPr rtlCol="0" anchor="ctr"/>
+          <a:lstStyle/>
+          <a:p>
+            <a:pPr algn="ctr"/>
+            <a:endParaRPr lang="en-US"/>
+          </a:p>
+        </p:txBody>
+      </p:sp>
+      <p:sp>
+        <p:nvSpPr>
+          <p:cNvPr id="15" name="Title 1"/>
           <p:cNvSpPr txBox="1">
             <a:spLocks/>
           </p:cNvSpPr>
@@ -4745,8 +5120,8 @@
         </p:nvSpPr>
         <p:spPr>
           <a:xfrm>
-            <a:off x="709053" y="5983805"/>
-            <a:ext cx="8047836" cy="496573"/>
+            <a:off x="4532436" y="2685384"/>
+            <a:ext cx="3979607" cy="816644"/>
           </a:xfrm>
           <a:prstGeom prst="rect">
             <a:avLst/>
@@ -4789,37 +5164,37 @@
                 </a:solidFill>
                 <a:ea typeface="Roboto Condensed" pitchFamily="2" charset="0"/>
               </a:rPr>
-              <a:t>Bước 3: Copy file .hex vào micro:bit </a:t>
-            </a:r>
-          </a:p>
-        </p:txBody>
-      </p:sp>
-      <p:sp>
-        <p:nvSpPr>
-          <p:cNvPr id="13" name="Rectangle 12"/>
+              <a:t>Nhấn nút A thì bắt đầu nháy 2 đền LED RGB với màu Đỏ</a:t>
+            </a:r>
+            <a:endParaRPr lang="en-US" sz="2000" dirty="0" smtClean="0">
+              <a:solidFill>
+                <a:schemeClr val="tx1">
+                  <a:lumMod val="95000"/>
+                  <a:lumOff val="5000"/>
+                </a:schemeClr>
+              </a:solidFill>
+              <a:ea typeface="Roboto Condensed" pitchFamily="2" charset="0"/>
+            </a:endParaRPr>
+          </a:p>
+        </p:txBody>
+      </p:sp>
+      <p:sp>
+        <p:nvSpPr>
+          <p:cNvPr id="16" name="Rectangle 15"/>
           <p:cNvSpPr/>
           <p:nvPr/>
         </p:nvSpPr>
         <p:spPr>
           <a:xfrm>
-            <a:off x="301925" y="1051379"/>
-            <a:ext cx="8454964" cy="27432"/>
-          </a:xfrm>
-          <a:prstGeom prst="rect">
-            <a:avLst/>
-          </a:prstGeom>
-          <a:gradFill flip="none" rotWithShape="1">
-            <a:gsLst>
-              <a:gs pos="15000">
-                <a:srgbClr val="67C7DF"/>
-              </a:gs>
-              <a:gs pos="100000">
-                <a:srgbClr val="5EB130"/>
-              </a:gs>
-            </a:gsLst>
-            <a:lin ang="0" scaled="1"/>
-            <a:tileRect/>
-          </a:gradFill>
+            <a:off x="4294682" y="5726878"/>
+            <a:ext cx="171494" cy="171494"/>
+          </a:xfrm>
+          <a:prstGeom prst="rect">
+            <a:avLst/>
+          </a:prstGeom>
+          <a:solidFill>
+            <a:srgbClr val="64C7E9"/>
+          </a:solidFill>
           <a:ln>
             <a:noFill/>
           </a:ln>
@@ -4851,59 +5226,89 @@
       </p:sp>
       <p:sp>
         <p:nvSpPr>
-          <p:cNvPr id="14" name="TextBox 13"/>
-          <p:cNvSpPr txBox="1"/>
-          <p:nvPr/>
-        </p:nvSpPr>
-        <p:spPr>
-          <a:xfrm>
-            <a:off x="248815" y="546584"/>
-            <a:ext cx="7374995" cy="461665"/>
-          </a:xfrm>
-          <a:prstGeom prst="rect">
-            <a:avLst/>
-          </a:prstGeom>
-          <a:noFill/>
-        </p:spPr>
-        <p:txBody>
-          <a:bodyPr wrap="square" rtlCol="0">
-            <a:spAutoFit/>
-          </a:bodyPr>
-          <a:lstStyle/>
-          <a:p>
-            <a:r>
-              <a:rPr lang="en-US" sz="2400" b="1" dirty="0" smtClean="0">
+          <p:cNvPr id="17" name="Title 1"/>
+          <p:cNvSpPr txBox="1">
+            <a:spLocks/>
+          </p:cNvSpPr>
+          <p:nvPr/>
+        </p:nvSpPr>
+        <p:spPr>
+          <a:xfrm>
+            <a:off x="4532436" y="5600862"/>
+            <a:ext cx="3979607" cy="816644"/>
+          </a:xfrm>
+          <a:prstGeom prst="rect">
+            <a:avLst/>
+          </a:prstGeom>
+        </p:spPr>
+        <p:txBody>
+          <a:bodyPr/>
+          <a:lstStyle>
+            <a:lvl1pPr algn="l" defTabSz="914400" rtl="0" eaLnBrk="1" latinLnBrk="0" hangingPunct="1">
+              <a:lnSpc>
+                <a:spcPct val="90000"/>
+              </a:lnSpc>
+              <a:spcBef>
+                <a:spcPct val="0"/>
+              </a:spcBef>
+              <a:buNone/>
+              <a:defRPr sz="3200" b="1" kern="1200">
                 <a:solidFill>
-                  <a:srgbClr val="64C7E9"/>
+                  <a:srgbClr val="019DD0"/>
                 </a:solidFill>
-                <a:latin typeface="UTM Helve" panose="02040603050506020204" pitchFamily="18" charset="0"/>
-                <a:ea typeface="Roboto" pitchFamily="2" charset="0"/>
-              </a:rPr>
-              <a:t>Head </a:t>
-            </a:r>
-            <a:r>
-              <a:rPr lang="en-US" sz="2400" b="1" dirty="0">
+                <a:latin typeface="Arial" panose="020B0604020202020204" pitchFamily="34" charset="0"/>
+                <a:ea typeface="+mj-ea"/>
+                <a:cs typeface="Arial" panose="020B0604020202020204" pitchFamily="34" charset="0"/>
+              </a:defRPr>
+            </a:lvl1pPr>
+          </a:lstStyle>
+          <a:p>
+            <a:pPr>
+              <a:lnSpc>
+                <a:spcPct val="100000"/>
+              </a:lnSpc>
+            </a:pPr>
+            <a:r>
+              <a:rPr lang="en-US" sz="2000" b="0" dirty="0" smtClean="0">
                 <a:solidFill>
-                  <a:srgbClr val="64C7E9"/>
+                  <a:schemeClr val="tx1">
+                    <a:lumMod val="95000"/>
+                    <a:lumOff val="5000"/>
+                  </a:schemeClr>
                 </a:solidFill>
-                <a:latin typeface="UTM Helve" panose="02040603050506020204" pitchFamily="18" charset="0"/>
-                <a:ea typeface="Roboto" pitchFamily="2" charset="0"/>
-              </a:rPr>
-              <a:t>Light và RGB LED trên reka:bit</a:t>
-            </a:r>
+                <a:ea typeface="Roboto Condensed" pitchFamily="2" charset="0"/>
+              </a:rPr>
+              <a:t>Nhấn nút B để tắt đèn và âm thanh</a:t>
+            </a:r>
+            <a:endParaRPr lang="en-US" sz="2000" dirty="0" smtClean="0">
+              <a:solidFill>
+                <a:schemeClr val="tx1">
+                  <a:lumMod val="95000"/>
+                  <a:lumOff val="5000"/>
+                </a:schemeClr>
+              </a:solidFill>
+              <a:ea typeface="Roboto Condensed" pitchFamily="2" charset="0"/>
+            </a:endParaRPr>
           </a:p>
         </p:txBody>
       </p:sp>
     </p:spTree>
     <p:extLst>
       <p:ext uri="{BB962C8B-B14F-4D97-AF65-F5344CB8AC3E}">
-        <p14:creationId xmlns:p14="http://schemas.microsoft.com/office/powerpoint/2010/main" val="3773185111"/>
+        <p14:creationId xmlns:p14="http://schemas.microsoft.com/office/powerpoint/2010/main" val="785694606"/>
       </p:ext>
     </p:extLst>
   </p:cSld>
   <p:clrMapOvr>
     <a:masterClrMapping/>
   </p:clrMapOvr>
+  <p:timing>
+    <p:tnLst>
+      <p:par>
+        <p:cTn id="1" dur="indefinite" restart="never" nodeType="tmRoot"/>
+      </p:par>
+    </p:tnLst>
+  </p:timing>
 </p:sld>
 </file>
 
@@ -4943,1269 +5348,6 @@
               <a:rPr lang="en-US" smtClean="0"/>
               <a:pPr/>
               <a:t>14</a:t>
-            </a:fld>
-            <a:endParaRPr lang="en-US"/>
-          </a:p>
-        </p:txBody>
-      </p:sp>
-      <p:sp>
-        <p:nvSpPr>
-          <p:cNvPr id="5" name="TextBox 4"/>
-          <p:cNvSpPr txBox="1"/>
-          <p:nvPr/>
-        </p:nvSpPr>
-        <p:spPr>
-          <a:xfrm>
-            <a:off x="1265305" y="1364739"/>
-            <a:ext cx="5649845" cy="461665"/>
-          </a:xfrm>
-          <a:prstGeom prst="rect">
-            <a:avLst/>
-          </a:prstGeom>
-          <a:noFill/>
-        </p:spPr>
-        <p:txBody>
-          <a:bodyPr wrap="square" rtlCol="0">
-            <a:spAutoFit/>
-          </a:bodyPr>
-          <a:lstStyle/>
-          <a:p>
-            <a:r>
-              <a:rPr lang="en-US" sz="2400" b="1" dirty="0" smtClean="0">
-                <a:solidFill>
-                  <a:schemeClr val="tx1">
-                    <a:lumMod val="85000"/>
-                    <a:lumOff val="15000"/>
-                  </a:schemeClr>
-                </a:solidFill>
-                <a:latin typeface="UTM Helve" panose="02040603050506020204" pitchFamily="18" charset="0"/>
-                <a:ea typeface="Roboto" pitchFamily="2" charset="0"/>
-              </a:rPr>
-              <a:t>Giữ an toàn cho micro:bit</a:t>
-            </a:r>
-            <a:endParaRPr lang="en-US" sz="2400" b="1" dirty="0">
-              <a:solidFill>
-                <a:schemeClr val="tx1">
-                  <a:lumMod val="85000"/>
-                  <a:lumOff val="15000"/>
-                </a:schemeClr>
-              </a:solidFill>
-              <a:latin typeface="UTM Helve" panose="02040603050506020204" pitchFamily="18" charset="0"/>
-              <a:ea typeface="Roboto" pitchFamily="2" charset="0"/>
-            </a:endParaRPr>
-          </a:p>
-        </p:txBody>
-      </p:sp>
-      <p:pic>
-        <p:nvPicPr>
-          <p:cNvPr id="6" name="Picture 5"/>
-          <p:cNvPicPr>
-            <a:picLocks noChangeAspect="1"/>
-          </p:cNvPicPr>
-          <p:nvPr/>
-        </p:nvPicPr>
-        <p:blipFill>
-          <a:blip r:embed="rId2">
-            <a:extLst>
-              <a:ext uri="{28A0092B-C50C-407E-A947-70E740481C1C}">
-                <a14:useLocalDpi xmlns:a14="http://schemas.microsoft.com/office/drawing/2010/main" val="0"/>
-              </a:ext>
-            </a:extLst>
-          </a:blip>
-          <a:stretch>
-            <a:fillRect/>
-          </a:stretch>
-        </p:blipFill>
-        <p:spPr>
-          <a:xfrm>
-            <a:off x="709053" y="1437696"/>
-            <a:ext cx="466725" cy="409575"/>
-          </a:xfrm>
-          <a:prstGeom prst="rect">
-            <a:avLst/>
-          </a:prstGeom>
-        </p:spPr>
-      </p:pic>
-      <p:pic>
-        <p:nvPicPr>
-          <p:cNvPr id="7" name="Google Shape;149;p5"/>
-          <p:cNvPicPr preferRelativeResize="0"/>
-          <p:nvPr/>
-        </p:nvPicPr>
-        <p:blipFill rotWithShape="1">
-          <a:blip r:embed="rId3">
-            <a:alphaModFix/>
-          </a:blip>
-          <a:srcRect/>
-          <a:stretch/>
-        </p:blipFill>
-        <p:spPr>
-          <a:xfrm>
-            <a:off x="804690" y="2535250"/>
-            <a:ext cx="3206517" cy="3182856"/>
-          </a:xfrm>
-          <a:prstGeom prst="rect">
-            <a:avLst/>
-          </a:prstGeom>
-          <a:noFill/>
-          <a:ln>
-            <a:noFill/>
-          </a:ln>
-        </p:spPr>
-      </p:pic>
-      <p:sp>
-        <p:nvSpPr>
-          <p:cNvPr id="8" name="Title 1"/>
-          <p:cNvSpPr txBox="1">
-            <a:spLocks/>
-          </p:cNvSpPr>
-          <p:nvPr/>
-        </p:nvSpPr>
-        <p:spPr>
-          <a:xfrm>
-            <a:off x="4261791" y="2490360"/>
-            <a:ext cx="4253559" cy="3227746"/>
-          </a:xfrm>
-          <a:prstGeom prst="rect">
-            <a:avLst/>
-          </a:prstGeom>
-        </p:spPr>
-        <p:txBody>
-          <a:bodyPr/>
-          <a:lstStyle>
-            <a:lvl1pPr algn="l" defTabSz="914400" rtl="0" eaLnBrk="1" latinLnBrk="0" hangingPunct="1">
-              <a:lnSpc>
-                <a:spcPct val="90000"/>
-              </a:lnSpc>
-              <a:spcBef>
-                <a:spcPct val="0"/>
-              </a:spcBef>
-              <a:buNone/>
-              <a:defRPr sz="3200" b="1" kern="1200">
-                <a:solidFill>
-                  <a:srgbClr val="019DD0"/>
-                </a:solidFill>
-                <a:latin typeface="Arial" panose="020B0604020202020204" pitchFamily="34" charset="0"/>
-                <a:ea typeface="+mj-ea"/>
-                <a:cs typeface="Arial" panose="020B0604020202020204" pitchFamily="34" charset="0"/>
-              </a:defRPr>
-            </a:lvl1pPr>
-          </a:lstStyle>
-          <a:p>
-            <a:pPr marL="342900" indent="-342900">
-              <a:lnSpc>
-                <a:spcPct val="100000"/>
-              </a:lnSpc>
-              <a:buFont typeface="Arial" panose="020B0604020202020204" pitchFamily="34" charset="0"/>
-              <a:buChar char="•"/>
-            </a:pPr>
-            <a:r>
-              <a:rPr lang="en-US" sz="2400" b="0" dirty="0">
-                <a:solidFill>
-                  <a:schemeClr val="tx1">
-                    <a:lumMod val="95000"/>
-                    <a:lumOff val="5000"/>
-                  </a:schemeClr>
-                </a:solidFill>
-                <a:ea typeface="Roboto Condensed" pitchFamily="2" charset="0"/>
-              </a:rPr>
-              <a:t>Cầm micro:bit cẩn thận ở các </a:t>
-            </a:r>
-            <a:r>
-              <a:rPr lang="en-US" sz="2400" b="0" dirty="0" smtClean="0">
-                <a:solidFill>
-                  <a:schemeClr val="tx1">
-                    <a:lumMod val="95000"/>
-                    <a:lumOff val="5000"/>
-                  </a:schemeClr>
-                </a:solidFill>
-                <a:ea typeface="Roboto Condensed" pitchFamily="2" charset="0"/>
-              </a:rPr>
-              <a:t>cạnh</a:t>
-            </a:r>
-            <a:br>
-              <a:rPr lang="en-US" sz="2400" b="0" dirty="0" smtClean="0">
-                <a:solidFill>
-                  <a:schemeClr val="tx1">
-                    <a:lumMod val="95000"/>
-                    <a:lumOff val="5000"/>
-                  </a:schemeClr>
-                </a:solidFill>
-                <a:ea typeface="Roboto Condensed" pitchFamily="2" charset="0"/>
-              </a:rPr>
-            </a:br>
-            <a:endParaRPr lang="en-US" sz="2400" b="0" dirty="0" smtClean="0">
-              <a:solidFill>
-                <a:schemeClr val="tx1">
-                  <a:lumMod val="95000"/>
-                  <a:lumOff val="5000"/>
-                </a:schemeClr>
-              </a:solidFill>
-              <a:ea typeface="Roboto Condensed" pitchFamily="2" charset="0"/>
-            </a:endParaRPr>
-          </a:p>
-          <a:p>
-            <a:pPr marL="342900" indent="-342900">
-              <a:lnSpc>
-                <a:spcPct val="100000"/>
-              </a:lnSpc>
-              <a:buFont typeface="Arial" panose="020B0604020202020204" pitchFamily="34" charset="0"/>
-              <a:buChar char="•"/>
-            </a:pPr>
-            <a:r>
-              <a:rPr lang="en-US" sz="2400" b="0" dirty="0" smtClean="0">
-                <a:solidFill>
-                  <a:schemeClr val="tx1">
-                    <a:lumMod val="95000"/>
-                    <a:lumOff val="5000"/>
-                  </a:schemeClr>
-                </a:solidFill>
-                <a:ea typeface="Roboto Condensed" pitchFamily="2" charset="0"/>
-              </a:rPr>
-              <a:t>Tránh chạm vào các bộ phận</a:t>
-            </a:r>
-            <a:br>
-              <a:rPr lang="en-US" sz="2400" b="0" dirty="0" smtClean="0">
-                <a:solidFill>
-                  <a:schemeClr val="tx1">
-                    <a:lumMod val="95000"/>
-                    <a:lumOff val="5000"/>
-                  </a:schemeClr>
-                </a:solidFill>
-                <a:ea typeface="Roboto Condensed" pitchFamily="2" charset="0"/>
-              </a:rPr>
-            </a:br>
-            <a:endParaRPr lang="en-US" sz="2400" b="0" dirty="0" smtClean="0">
-              <a:solidFill>
-                <a:schemeClr val="tx1">
-                  <a:lumMod val="95000"/>
-                  <a:lumOff val="5000"/>
-                </a:schemeClr>
-              </a:solidFill>
-              <a:ea typeface="Roboto Condensed" pitchFamily="2" charset="0"/>
-            </a:endParaRPr>
-          </a:p>
-          <a:p>
-            <a:pPr marL="342900" indent="-342900">
-              <a:lnSpc>
-                <a:spcPct val="100000"/>
-              </a:lnSpc>
-              <a:buFont typeface="Arial" panose="020B0604020202020204" pitchFamily="34" charset="0"/>
-              <a:buChar char="•"/>
-            </a:pPr>
-            <a:r>
-              <a:rPr lang="en-US" sz="2400" b="0" dirty="0" smtClean="0">
-                <a:solidFill>
-                  <a:schemeClr val="tx1">
-                    <a:lumMod val="95000"/>
-                    <a:lumOff val="5000"/>
-                  </a:schemeClr>
-                </a:solidFill>
-                <a:ea typeface="Roboto Condensed" pitchFamily="2" charset="0"/>
-              </a:rPr>
-              <a:t>Tránh xa micro:bit khỏi nước</a:t>
-            </a:r>
-          </a:p>
-        </p:txBody>
-      </p:sp>
-      <p:sp>
-        <p:nvSpPr>
-          <p:cNvPr id="9" name="Rectangle 8"/>
-          <p:cNvSpPr/>
-          <p:nvPr/>
-        </p:nvSpPr>
-        <p:spPr>
-          <a:xfrm>
-            <a:off x="301925" y="1051379"/>
-            <a:ext cx="8454964" cy="27432"/>
-          </a:xfrm>
-          <a:prstGeom prst="rect">
-            <a:avLst/>
-          </a:prstGeom>
-          <a:gradFill flip="none" rotWithShape="1">
-            <a:gsLst>
-              <a:gs pos="15000">
-                <a:srgbClr val="67C7DF"/>
-              </a:gs>
-              <a:gs pos="100000">
-                <a:srgbClr val="5EB130"/>
-              </a:gs>
-            </a:gsLst>
-            <a:lin ang="0" scaled="1"/>
-            <a:tileRect/>
-          </a:gradFill>
-          <a:ln>
-            <a:noFill/>
-          </a:ln>
-        </p:spPr>
-        <p:style>
-          <a:lnRef idx="2">
-            <a:schemeClr val="accent1">
-              <a:shade val="50000"/>
-            </a:schemeClr>
-          </a:lnRef>
-          <a:fillRef idx="1">
-            <a:schemeClr val="accent1"/>
-          </a:fillRef>
-          <a:effectRef idx="0">
-            <a:schemeClr val="accent1"/>
-          </a:effectRef>
-          <a:fontRef idx="minor">
-            <a:schemeClr val="lt1"/>
-          </a:fontRef>
-        </p:style>
-        <p:txBody>
-          <a:bodyPr rtlCol="0" anchor="ctr"/>
-          <a:lstStyle/>
-          <a:p>
-            <a:pPr algn="ctr"/>
-            <a:endParaRPr lang="en-US"/>
-          </a:p>
-        </p:txBody>
-      </p:sp>
-      <p:sp>
-        <p:nvSpPr>
-          <p:cNvPr id="11" name="TextBox 10"/>
-          <p:cNvSpPr txBox="1"/>
-          <p:nvPr/>
-        </p:nvSpPr>
-        <p:spPr>
-          <a:xfrm>
-            <a:off x="248815" y="546584"/>
-            <a:ext cx="7374995" cy="461665"/>
-          </a:xfrm>
-          <a:prstGeom prst="rect">
-            <a:avLst/>
-          </a:prstGeom>
-          <a:noFill/>
-        </p:spPr>
-        <p:txBody>
-          <a:bodyPr wrap="square" rtlCol="0">
-            <a:spAutoFit/>
-          </a:bodyPr>
-          <a:lstStyle/>
-          <a:p>
-            <a:r>
-              <a:rPr lang="en-US" sz="2400" b="1" dirty="0" smtClean="0">
-                <a:solidFill>
-                  <a:srgbClr val="64C7E9"/>
-                </a:solidFill>
-                <a:latin typeface="UTM Helve" panose="02040603050506020204" pitchFamily="18" charset="0"/>
-                <a:ea typeface="Roboto" pitchFamily="2" charset="0"/>
-              </a:rPr>
-              <a:t>Head </a:t>
-            </a:r>
-            <a:r>
-              <a:rPr lang="en-US" sz="2400" b="1" dirty="0">
-                <a:solidFill>
-                  <a:srgbClr val="64C7E9"/>
-                </a:solidFill>
-                <a:latin typeface="UTM Helve" panose="02040603050506020204" pitchFamily="18" charset="0"/>
-                <a:ea typeface="Roboto" pitchFamily="2" charset="0"/>
-              </a:rPr>
-              <a:t>Light và RGB LED trên reka:bit</a:t>
-            </a:r>
-          </a:p>
-        </p:txBody>
-      </p:sp>
-    </p:spTree>
-    <p:extLst>
-      <p:ext uri="{BB962C8B-B14F-4D97-AF65-F5344CB8AC3E}">
-        <p14:creationId xmlns:p14="http://schemas.microsoft.com/office/powerpoint/2010/main" val="2800974292"/>
-      </p:ext>
-    </p:extLst>
-  </p:cSld>
-  <p:clrMapOvr>
-    <a:masterClrMapping/>
-  </p:clrMapOvr>
-</p:sld>
-</file>
-
-<file path=ppt/slides/slide15.xml><?xml version="1.0" encoding="utf-8"?>
-<p:sld xmlns:a="http://schemas.openxmlformats.org/drawingml/2006/main" xmlns:r="http://schemas.openxmlformats.org/officeDocument/2006/relationships" xmlns:p="http://schemas.openxmlformats.org/presentationml/2006/main">
-  <p:cSld>
-    <p:spTree>
-      <p:nvGrpSpPr>
-        <p:cNvPr id="1" name=""/>
-        <p:cNvGrpSpPr/>
-        <p:nvPr/>
-      </p:nvGrpSpPr>
-      <p:grpSpPr>
-        <a:xfrm>
-          <a:off x="0" y="0"/>
-          <a:ext cx="0" cy="0"/>
-          <a:chOff x="0" y="0"/>
-          <a:chExt cx="0" cy="0"/>
-        </a:xfrm>
-      </p:grpSpPr>
-      <p:sp>
-        <p:nvSpPr>
-          <p:cNvPr id="2" name="Slide Number Placeholder 1"/>
-          <p:cNvSpPr>
-            <a:spLocks noGrp="1"/>
-          </p:cNvSpPr>
-          <p:nvPr>
-            <p:ph type="sldNum" sz="quarter" idx="12"/>
-          </p:nvPr>
-        </p:nvSpPr>
-        <p:spPr/>
-        <p:txBody>
-          <a:bodyPr/>
-          <a:lstStyle/>
-          <a:p>
-            <a:fld id="{7D9EC917-02A2-4152-9EE3-DFE2775A77C7}" type="slidenum">
-              <a:rPr lang="en-US" smtClean="0"/>
-              <a:pPr/>
-              <a:t>15</a:t>
-            </a:fld>
-            <a:endParaRPr lang="en-US"/>
-          </a:p>
-        </p:txBody>
-      </p:sp>
-      <p:sp>
-        <p:nvSpPr>
-          <p:cNvPr id="3" name="Rectangle 2"/>
-          <p:cNvSpPr/>
-          <p:nvPr/>
-        </p:nvSpPr>
-        <p:spPr>
-          <a:xfrm>
-            <a:off x="301925" y="1051379"/>
-            <a:ext cx="8454964" cy="27432"/>
-          </a:xfrm>
-          <a:prstGeom prst="rect">
-            <a:avLst/>
-          </a:prstGeom>
-          <a:gradFill flip="none" rotWithShape="1">
-            <a:gsLst>
-              <a:gs pos="15000">
-                <a:srgbClr val="67C7DF"/>
-              </a:gs>
-              <a:gs pos="100000">
-                <a:srgbClr val="5EB130"/>
-              </a:gs>
-            </a:gsLst>
-            <a:lin ang="0" scaled="1"/>
-            <a:tileRect/>
-          </a:gradFill>
-          <a:ln>
-            <a:noFill/>
-          </a:ln>
-        </p:spPr>
-        <p:style>
-          <a:lnRef idx="2">
-            <a:schemeClr val="accent1">
-              <a:shade val="50000"/>
-            </a:schemeClr>
-          </a:lnRef>
-          <a:fillRef idx="1">
-            <a:schemeClr val="accent1"/>
-          </a:fillRef>
-          <a:effectRef idx="0">
-            <a:schemeClr val="accent1"/>
-          </a:effectRef>
-          <a:fontRef idx="minor">
-            <a:schemeClr val="lt1"/>
-          </a:fontRef>
-        </p:style>
-        <p:txBody>
-          <a:bodyPr rtlCol="0" anchor="ctr"/>
-          <a:lstStyle/>
-          <a:p>
-            <a:pPr algn="ctr"/>
-            <a:endParaRPr lang="en-US"/>
-          </a:p>
-        </p:txBody>
-      </p:sp>
-      <p:sp>
-        <p:nvSpPr>
-          <p:cNvPr id="4" name="TextBox 3"/>
-          <p:cNvSpPr txBox="1"/>
-          <p:nvPr/>
-        </p:nvSpPr>
-        <p:spPr>
-          <a:xfrm>
-            <a:off x="248815" y="546584"/>
-            <a:ext cx="7374995" cy="461665"/>
-          </a:xfrm>
-          <a:prstGeom prst="rect">
-            <a:avLst/>
-          </a:prstGeom>
-          <a:noFill/>
-        </p:spPr>
-        <p:txBody>
-          <a:bodyPr wrap="square" rtlCol="0">
-            <a:spAutoFit/>
-          </a:bodyPr>
-          <a:lstStyle/>
-          <a:p>
-            <a:r>
-              <a:rPr lang="en-US" sz="2400" b="1" dirty="0" smtClean="0">
-                <a:solidFill>
-                  <a:srgbClr val="64C7E9"/>
-                </a:solidFill>
-                <a:latin typeface="UTM Helve" panose="02040603050506020204" pitchFamily="18" charset="0"/>
-                <a:ea typeface="Roboto" pitchFamily="2" charset="0"/>
-              </a:rPr>
-              <a:t>12.4 Hoạt động học viên</a:t>
-            </a:r>
-            <a:endParaRPr lang="en-US" sz="2400" b="1" dirty="0">
-              <a:solidFill>
-                <a:srgbClr val="64C7E9"/>
-              </a:solidFill>
-              <a:latin typeface="UTM Helve" panose="02040603050506020204" pitchFamily="18" charset="0"/>
-              <a:ea typeface="Roboto" pitchFamily="2" charset="0"/>
-            </a:endParaRPr>
-          </a:p>
-        </p:txBody>
-      </p:sp>
-      <p:sp>
-        <p:nvSpPr>
-          <p:cNvPr id="5" name="TextBox 4"/>
-          <p:cNvSpPr txBox="1"/>
-          <p:nvPr/>
-        </p:nvSpPr>
-        <p:spPr>
-          <a:xfrm>
-            <a:off x="1265306" y="1364739"/>
-            <a:ext cx="3505477" cy="461665"/>
-          </a:xfrm>
-          <a:prstGeom prst="rect">
-            <a:avLst/>
-          </a:prstGeom>
-          <a:noFill/>
-        </p:spPr>
-        <p:txBody>
-          <a:bodyPr wrap="square" rtlCol="0">
-            <a:spAutoFit/>
-          </a:bodyPr>
-          <a:lstStyle/>
-          <a:p>
-            <a:r>
-              <a:rPr lang="vi-VN" sz="2400" b="1" dirty="0">
-                <a:solidFill>
-                  <a:schemeClr val="tx1">
-                    <a:lumMod val="85000"/>
-                    <a:lumOff val="15000"/>
-                  </a:schemeClr>
-                </a:solidFill>
-                <a:latin typeface="UTM Helve" panose="02040603050506020204" pitchFamily="18" charset="0"/>
-                <a:ea typeface="Roboto" pitchFamily="2" charset="0"/>
-              </a:rPr>
-              <a:t>Xe </a:t>
-            </a:r>
-            <a:r>
-              <a:rPr lang="en-US" sz="2400" b="1" dirty="0" smtClean="0">
-                <a:solidFill>
-                  <a:schemeClr val="tx1">
-                    <a:lumMod val="85000"/>
-                    <a:lumOff val="15000"/>
-                  </a:schemeClr>
-                </a:solidFill>
-                <a:latin typeface="UTM Helve" panose="02040603050506020204" pitchFamily="18" charset="0"/>
-                <a:ea typeface="Roboto" pitchFamily="2" charset="0"/>
-              </a:rPr>
-              <a:t>cấp cứu zoom:bit</a:t>
-            </a:r>
-            <a:endParaRPr lang="en-US" sz="2400" b="1" dirty="0">
-              <a:solidFill>
-                <a:schemeClr val="tx1">
-                  <a:lumMod val="85000"/>
-                  <a:lumOff val="15000"/>
-                </a:schemeClr>
-              </a:solidFill>
-              <a:latin typeface="UTM Helve" panose="02040603050506020204" pitchFamily="18" charset="0"/>
-              <a:ea typeface="Roboto" pitchFamily="2" charset="0"/>
-            </a:endParaRPr>
-          </a:p>
-        </p:txBody>
-      </p:sp>
-      <p:pic>
-        <p:nvPicPr>
-          <p:cNvPr id="6" name="Picture 5"/>
-          <p:cNvPicPr>
-            <a:picLocks noChangeAspect="1"/>
-          </p:cNvPicPr>
-          <p:nvPr/>
-        </p:nvPicPr>
-        <p:blipFill>
-          <a:blip r:embed="rId2">
-            <a:extLst>
-              <a:ext uri="{28A0092B-C50C-407E-A947-70E740481C1C}">
-                <a14:useLocalDpi xmlns:a14="http://schemas.microsoft.com/office/drawing/2010/main" val="0"/>
-              </a:ext>
-            </a:extLst>
-          </a:blip>
-          <a:stretch>
-            <a:fillRect/>
-          </a:stretch>
-        </p:blipFill>
-        <p:spPr>
-          <a:xfrm>
-            <a:off x="709053" y="1437696"/>
-            <a:ext cx="466725" cy="409575"/>
-          </a:xfrm>
-          <a:prstGeom prst="rect">
-            <a:avLst/>
-          </a:prstGeom>
-        </p:spPr>
-      </p:pic>
-      <p:sp>
-        <p:nvSpPr>
-          <p:cNvPr id="21" name="Title 1"/>
-          <p:cNvSpPr txBox="1">
-            <a:spLocks/>
-          </p:cNvSpPr>
-          <p:nvPr/>
-        </p:nvSpPr>
-        <p:spPr>
-          <a:xfrm>
-            <a:off x="709053" y="2028427"/>
-            <a:ext cx="7118507" cy="429492"/>
-          </a:xfrm>
-          <a:prstGeom prst="rect">
-            <a:avLst/>
-          </a:prstGeom>
-        </p:spPr>
-        <p:txBody>
-          <a:bodyPr/>
-          <a:lstStyle>
-            <a:lvl1pPr algn="l" defTabSz="914400" rtl="0" eaLnBrk="1" latinLnBrk="0" hangingPunct="1">
-              <a:lnSpc>
-                <a:spcPct val="90000"/>
-              </a:lnSpc>
-              <a:spcBef>
-                <a:spcPct val="0"/>
-              </a:spcBef>
-              <a:buNone/>
-              <a:defRPr sz="3200" b="1" kern="1200">
-                <a:solidFill>
-                  <a:srgbClr val="019DD0"/>
-                </a:solidFill>
-                <a:latin typeface="Arial" panose="020B0604020202020204" pitchFamily="34" charset="0"/>
-                <a:ea typeface="+mj-ea"/>
-                <a:cs typeface="Arial" panose="020B0604020202020204" pitchFamily="34" charset="0"/>
-              </a:defRPr>
-            </a:lvl1pPr>
-          </a:lstStyle>
-          <a:p>
-            <a:pPr>
-              <a:lnSpc>
-                <a:spcPct val="100000"/>
-              </a:lnSpc>
-            </a:pPr>
-            <a:r>
-              <a:rPr lang="en-US" sz="2000" b="0" dirty="0" smtClean="0">
-                <a:solidFill>
-                  <a:schemeClr val="tx1">
-                    <a:lumMod val="95000"/>
-                    <a:lumOff val="5000"/>
-                  </a:schemeClr>
-                </a:solidFill>
-                <a:ea typeface="Roboto Condensed" pitchFamily="2" charset="0"/>
-              </a:rPr>
-              <a:t>Dùng zoom:bit giả lập một xe cấp cứu với yêu cầu như sau:</a:t>
-            </a:r>
-            <a:endParaRPr lang="en-US" sz="2000" dirty="0" smtClean="0">
-              <a:solidFill>
-                <a:schemeClr val="tx1">
-                  <a:lumMod val="95000"/>
-                  <a:lumOff val="5000"/>
-                </a:schemeClr>
-              </a:solidFill>
-              <a:ea typeface="Roboto Condensed" pitchFamily="2" charset="0"/>
-            </a:endParaRPr>
-          </a:p>
-        </p:txBody>
-      </p:sp>
-      <p:sp>
-        <p:nvSpPr>
-          <p:cNvPr id="11" name="Rectangle 10"/>
-          <p:cNvSpPr/>
-          <p:nvPr/>
-        </p:nvSpPr>
-        <p:spPr>
-          <a:xfrm>
-            <a:off x="4294682" y="2811400"/>
-            <a:ext cx="171494" cy="171494"/>
-          </a:xfrm>
-          <a:prstGeom prst="rect">
-            <a:avLst/>
-          </a:prstGeom>
-          <a:solidFill>
-            <a:srgbClr val="64C7E9"/>
-          </a:solidFill>
-          <a:ln>
-            <a:noFill/>
-          </a:ln>
-        </p:spPr>
-        <p:style>
-          <a:lnRef idx="2">
-            <a:schemeClr val="accent1">
-              <a:shade val="50000"/>
-            </a:schemeClr>
-          </a:lnRef>
-          <a:fillRef idx="1">
-            <a:schemeClr val="accent1"/>
-          </a:fillRef>
-          <a:effectRef idx="0">
-            <a:schemeClr val="accent1"/>
-          </a:effectRef>
-          <a:fontRef idx="minor">
-            <a:schemeClr val="lt1"/>
-          </a:fontRef>
-        </p:style>
-        <p:txBody>
-          <a:bodyPr rtlCol="0" anchor="ctr"/>
-          <a:lstStyle/>
-          <a:p>
-            <a:pPr algn="ctr"/>
-            <a:endParaRPr lang="en-US"/>
-          </a:p>
-        </p:txBody>
-      </p:sp>
-      <p:pic>
-        <p:nvPicPr>
-          <p:cNvPr id="2050" name="Picture 2" descr="Vector an ambulance travels to call a sick patient. flat  illustration."/>
-          <p:cNvPicPr>
-            <a:picLocks noChangeAspect="1" noChangeArrowheads="1"/>
-          </p:cNvPicPr>
-          <p:nvPr/>
-        </p:nvPicPr>
-        <p:blipFill>
-          <a:blip r:embed="rId3">
-            <a:extLst>
-              <a:ext uri="{28A0092B-C50C-407E-A947-70E740481C1C}">
-                <a14:useLocalDpi xmlns:a14="http://schemas.microsoft.com/office/drawing/2010/main" val="0"/>
-              </a:ext>
-            </a:extLst>
-          </a:blip>
-          <a:srcRect/>
-          <a:stretch>
-            <a:fillRect/>
-          </a:stretch>
-        </p:blipFill>
-        <p:spPr bwMode="auto">
-          <a:xfrm>
-            <a:off x="248815" y="2747434"/>
-            <a:ext cx="4045867" cy="3851977"/>
-          </a:xfrm>
-          <a:prstGeom prst="rect">
-            <a:avLst/>
-          </a:prstGeom>
-          <a:noFill/>
-          <a:extLst>
-            <a:ext uri="{909E8E84-426E-40DD-AFC4-6F175D3DCCD1}">
-              <a14:hiddenFill xmlns:a14="http://schemas.microsoft.com/office/drawing/2010/main">
-                <a:solidFill>
-                  <a:srgbClr val="FFFFFF"/>
-                </a:solidFill>
-              </a14:hiddenFill>
-            </a:ext>
-          </a:extLst>
-        </p:spPr>
-      </p:pic>
-      <p:sp>
-        <p:nvSpPr>
-          <p:cNvPr id="12" name="Title 1"/>
-          <p:cNvSpPr txBox="1">
-            <a:spLocks/>
-          </p:cNvSpPr>
-          <p:nvPr/>
-        </p:nvSpPr>
-        <p:spPr>
-          <a:xfrm>
-            <a:off x="4532436" y="3583957"/>
-            <a:ext cx="3979607" cy="1864928"/>
-          </a:xfrm>
-          <a:prstGeom prst="rect">
-            <a:avLst/>
-          </a:prstGeom>
-        </p:spPr>
-        <p:txBody>
-          <a:bodyPr/>
-          <a:lstStyle>
-            <a:lvl1pPr algn="l" defTabSz="914400" rtl="0" eaLnBrk="1" latinLnBrk="0" hangingPunct="1">
-              <a:lnSpc>
-                <a:spcPct val="90000"/>
-              </a:lnSpc>
-              <a:spcBef>
-                <a:spcPct val="0"/>
-              </a:spcBef>
-              <a:buNone/>
-              <a:defRPr sz="3200" b="1" kern="1200">
-                <a:solidFill>
-                  <a:srgbClr val="019DD0"/>
-                </a:solidFill>
-                <a:latin typeface="Arial" panose="020B0604020202020204" pitchFamily="34" charset="0"/>
-                <a:ea typeface="+mj-ea"/>
-                <a:cs typeface="Arial" panose="020B0604020202020204" pitchFamily="34" charset="0"/>
-              </a:defRPr>
-            </a:lvl1pPr>
-          </a:lstStyle>
-          <a:p>
-            <a:pPr>
-              <a:lnSpc>
-                <a:spcPct val="100000"/>
-              </a:lnSpc>
-            </a:pPr>
-            <a:r>
-              <a:rPr lang="vi-VN" sz="2000" b="0" dirty="0">
-                <a:solidFill>
-                  <a:schemeClr val="tx1">
-                    <a:lumMod val="95000"/>
-                    <a:lumOff val="5000"/>
-                  </a:schemeClr>
-                </a:solidFill>
-                <a:ea typeface="Roboto Condensed" pitchFamily="2" charset="0"/>
-              </a:rPr>
-              <a:t>Để tăng sự thu hút của mọi người và nhường đường để xe chạy, </a:t>
-            </a:r>
-            <a:r>
-              <a:rPr lang="en-US" sz="2000" b="0" dirty="0" smtClean="0">
-                <a:solidFill>
-                  <a:schemeClr val="tx1">
-                    <a:lumMod val="95000"/>
-                    <a:lumOff val="5000"/>
-                  </a:schemeClr>
-                </a:solidFill>
-                <a:ea typeface="Roboto Condensed" pitchFamily="2" charset="0"/>
-              </a:rPr>
-              <a:t>bạn </a:t>
-            </a:r>
-            <a:r>
-              <a:rPr lang="vi-VN" sz="2000" b="0" dirty="0" smtClean="0">
-                <a:solidFill>
-                  <a:schemeClr val="tx1">
-                    <a:lumMod val="95000"/>
-                    <a:lumOff val="5000"/>
-                  </a:schemeClr>
-                </a:solidFill>
-                <a:ea typeface="Roboto Condensed" pitchFamily="2" charset="0"/>
-              </a:rPr>
-              <a:t>có </a:t>
-            </a:r>
-            <a:r>
-              <a:rPr lang="vi-VN" sz="2000" b="0" dirty="0">
-                <a:solidFill>
-                  <a:schemeClr val="tx1">
-                    <a:lumMod val="95000"/>
-                    <a:lumOff val="5000"/>
-                  </a:schemeClr>
-                </a:solidFill>
-                <a:ea typeface="Roboto Condensed" pitchFamily="2" charset="0"/>
-              </a:rPr>
-              <a:t>thể vừa cho </a:t>
-            </a:r>
-            <a:r>
-              <a:rPr lang="vi-VN" sz="2000" b="0" dirty="0" smtClean="0">
-                <a:solidFill>
-                  <a:schemeClr val="tx1">
-                    <a:lumMod val="95000"/>
-                    <a:lumOff val="5000"/>
-                  </a:schemeClr>
-                </a:solidFill>
-                <a:ea typeface="Roboto Condensed" pitchFamily="2" charset="0"/>
-              </a:rPr>
-              <a:t>đèn</a:t>
-            </a:r>
-            <a:r>
-              <a:rPr lang="en-US" sz="2000" b="0" dirty="0" smtClean="0">
-                <a:solidFill>
-                  <a:schemeClr val="tx1">
-                    <a:lumMod val="95000"/>
-                    <a:lumOff val="5000"/>
-                  </a:schemeClr>
-                </a:solidFill>
-                <a:ea typeface="Roboto Condensed" pitchFamily="2" charset="0"/>
-              </a:rPr>
-              <a:t> RGB LED</a:t>
-            </a:r>
-            <a:r>
-              <a:rPr lang="vi-VN" sz="2000" b="0" dirty="0" smtClean="0">
-                <a:solidFill>
-                  <a:schemeClr val="tx1">
-                    <a:lumMod val="95000"/>
-                    <a:lumOff val="5000"/>
-                  </a:schemeClr>
-                </a:solidFill>
-                <a:ea typeface="Roboto Condensed" pitchFamily="2" charset="0"/>
-              </a:rPr>
-              <a:t> </a:t>
-            </a:r>
-            <a:r>
-              <a:rPr lang="vi-VN" sz="2000" b="0" dirty="0">
-                <a:solidFill>
-                  <a:schemeClr val="tx1">
-                    <a:lumMod val="95000"/>
-                    <a:lumOff val="5000"/>
-                  </a:schemeClr>
-                </a:solidFill>
-                <a:ea typeface="Roboto Condensed" pitchFamily="2" charset="0"/>
-              </a:rPr>
-              <a:t>nhấp </a:t>
-            </a:r>
-            <a:r>
-              <a:rPr lang="vi-VN" sz="2000" b="0" dirty="0" smtClean="0">
-                <a:solidFill>
-                  <a:schemeClr val="tx1">
-                    <a:lumMod val="95000"/>
-                    <a:lumOff val="5000"/>
-                  </a:schemeClr>
-                </a:solidFill>
-                <a:ea typeface="Roboto Condensed" pitchFamily="2" charset="0"/>
-              </a:rPr>
-              <a:t>nháy</a:t>
-            </a:r>
-            <a:r>
-              <a:rPr lang="en-US" sz="2000" b="0" dirty="0" smtClean="0">
-                <a:solidFill>
-                  <a:schemeClr val="tx1">
-                    <a:lumMod val="95000"/>
-                    <a:lumOff val="5000"/>
-                  </a:schemeClr>
-                </a:solidFill>
-                <a:ea typeface="Roboto Condensed" pitchFamily="2" charset="0"/>
-              </a:rPr>
-              <a:t> liên tục</a:t>
-            </a:r>
-            <a:r>
-              <a:rPr lang="vi-VN" sz="2000" b="0" dirty="0" smtClean="0">
-                <a:solidFill>
-                  <a:schemeClr val="tx1">
-                    <a:lumMod val="95000"/>
-                    <a:lumOff val="5000"/>
-                  </a:schemeClr>
-                </a:solidFill>
-                <a:ea typeface="Roboto Condensed" pitchFamily="2" charset="0"/>
-              </a:rPr>
-              <a:t> </a:t>
-            </a:r>
-            <a:r>
-              <a:rPr lang="vi-VN" sz="2000" b="0" dirty="0">
-                <a:solidFill>
-                  <a:schemeClr val="tx1">
-                    <a:lumMod val="95000"/>
-                    <a:lumOff val="5000"/>
-                  </a:schemeClr>
-                </a:solidFill>
-                <a:ea typeface="Roboto Condensed" pitchFamily="2" charset="0"/>
-              </a:rPr>
-              <a:t>vừa phát ra tiếng còi báo </a:t>
-            </a:r>
-            <a:r>
-              <a:rPr lang="vi-VN" sz="2000" b="0" dirty="0" smtClean="0">
-                <a:solidFill>
-                  <a:schemeClr val="tx1">
-                    <a:lumMod val="95000"/>
-                    <a:lumOff val="5000"/>
-                  </a:schemeClr>
-                </a:solidFill>
-                <a:ea typeface="Roboto Condensed" pitchFamily="2" charset="0"/>
-              </a:rPr>
-              <a:t>động</a:t>
-            </a:r>
-            <a:r>
-              <a:rPr lang="en-US" sz="2000" b="0" dirty="0" smtClean="0">
-                <a:solidFill>
-                  <a:schemeClr val="tx1">
-                    <a:lumMod val="95000"/>
-                    <a:lumOff val="5000"/>
-                  </a:schemeClr>
-                </a:solidFill>
-                <a:ea typeface="Roboto Condensed" pitchFamily="2" charset="0"/>
-              </a:rPr>
-              <a:t> tò te to tè bằng các khối âm thanh</a:t>
-            </a:r>
-            <a:endParaRPr lang="en-US" sz="2000" dirty="0" smtClean="0">
-              <a:solidFill>
-                <a:schemeClr val="tx1">
-                  <a:lumMod val="95000"/>
-                  <a:lumOff val="5000"/>
-                </a:schemeClr>
-              </a:solidFill>
-              <a:ea typeface="Roboto Condensed" pitchFamily="2" charset="0"/>
-            </a:endParaRPr>
-          </a:p>
-        </p:txBody>
-      </p:sp>
-      <p:sp>
-        <p:nvSpPr>
-          <p:cNvPr id="13" name="Rectangle 12"/>
-          <p:cNvSpPr/>
-          <p:nvPr/>
-        </p:nvSpPr>
-        <p:spPr>
-          <a:xfrm>
-            <a:off x="4294682" y="3727414"/>
-            <a:ext cx="171494" cy="171494"/>
-          </a:xfrm>
-          <a:prstGeom prst="rect">
-            <a:avLst/>
-          </a:prstGeom>
-          <a:solidFill>
-            <a:srgbClr val="64C7E9"/>
-          </a:solidFill>
-          <a:ln>
-            <a:noFill/>
-          </a:ln>
-        </p:spPr>
-        <p:style>
-          <a:lnRef idx="2">
-            <a:schemeClr val="accent1">
-              <a:shade val="50000"/>
-            </a:schemeClr>
-          </a:lnRef>
-          <a:fillRef idx="1">
-            <a:schemeClr val="accent1"/>
-          </a:fillRef>
-          <a:effectRef idx="0">
-            <a:schemeClr val="accent1"/>
-          </a:effectRef>
-          <a:fontRef idx="minor">
-            <a:schemeClr val="lt1"/>
-          </a:fontRef>
-        </p:style>
-        <p:txBody>
-          <a:bodyPr rtlCol="0" anchor="ctr"/>
-          <a:lstStyle/>
-          <a:p>
-            <a:pPr algn="ctr"/>
-            <a:endParaRPr lang="en-US"/>
-          </a:p>
-        </p:txBody>
-      </p:sp>
-      <p:sp>
-        <p:nvSpPr>
-          <p:cNvPr id="15" name="Title 1"/>
-          <p:cNvSpPr txBox="1">
-            <a:spLocks/>
-          </p:cNvSpPr>
-          <p:nvPr/>
-        </p:nvSpPr>
-        <p:spPr>
-          <a:xfrm>
-            <a:off x="4532436" y="2685384"/>
-            <a:ext cx="3979607" cy="816644"/>
-          </a:xfrm>
-          <a:prstGeom prst="rect">
-            <a:avLst/>
-          </a:prstGeom>
-        </p:spPr>
-        <p:txBody>
-          <a:bodyPr/>
-          <a:lstStyle>
-            <a:lvl1pPr algn="l" defTabSz="914400" rtl="0" eaLnBrk="1" latinLnBrk="0" hangingPunct="1">
-              <a:lnSpc>
-                <a:spcPct val="90000"/>
-              </a:lnSpc>
-              <a:spcBef>
-                <a:spcPct val="0"/>
-              </a:spcBef>
-              <a:buNone/>
-              <a:defRPr sz="3200" b="1" kern="1200">
-                <a:solidFill>
-                  <a:srgbClr val="019DD0"/>
-                </a:solidFill>
-                <a:latin typeface="Arial" panose="020B0604020202020204" pitchFamily="34" charset="0"/>
-                <a:ea typeface="+mj-ea"/>
-                <a:cs typeface="Arial" panose="020B0604020202020204" pitchFamily="34" charset="0"/>
-              </a:defRPr>
-            </a:lvl1pPr>
-          </a:lstStyle>
-          <a:p>
-            <a:pPr>
-              <a:lnSpc>
-                <a:spcPct val="100000"/>
-              </a:lnSpc>
-            </a:pPr>
-            <a:r>
-              <a:rPr lang="en-US" sz="2000" b="0" dirty="0" smtClean="0">
-                <a:solidFill>
-                  <a:schemeClr val="tx1">
-                    <a:lumMod val="95000"/>
-                    <a:lumOff val="5000"/>
-                  </a:schemeClr>
-                </a:solidFill>
-                <a:ea typeface="Roboto Condensed" pitchFamily="2" charset="0"/>
-              </a:rPr>
-              <a:t>Nhấn nút A thì bắt đầu nháy 2 đền LED RGB với màu Đỏ</a:t>
-            </a:r>
-            <a:endParaRPr lang="en-US" sz="2000" dirty="0" smtClean="0">
-              <a:solidFill>
-                <a:schemeClr val="tx1">
-                  <a:lumMod val="95000"/>
-                  <a:lumOff val="5000"/>
-                </a:schemeClr>
-              </a:solidFill>
-              <a:ea typeface="Roboto Condensed" pitchFamily="2" charset="0"/>
-            </a:endParaRPr>
-          </a:p>
-        </p:txBody>
-      </p:sp>
-      <p:sp>
-        <p:nvSpPr>
-          <p:cNvPr id="16" name="Rectangle 15"/>
-          <p:cNvSpPr/>
-          <p:nvPr/>
-        </p:nvSpPr>
-        <p:spPr>
-          <a:xfrm>
-            <a:off x="4294682" y="5726878"/>
-            <a:ext cx="171494" cy="171494"/>
-          </a:xfrm>
-          <a:prstGeom prst="rect">
-            <a:avLst/>
-          </a:prstGeom>
-          <a:solidFill>
-            <a:srgbClr val="64C7E9"/>
-          </a:solidFill>
-          <a:ln>
-            <a:noFill/>
-          </a:ln>
-        </p:spPr>
-        <p:style>
-          <a:lnRef idx="2">
-            <a:schemeClr val="accent1">
-              <a:shade val="50000"/>
-            </a:schemeClr>
-          </a:lnRef>
-          <a:fillRef idx="1">
-            <a:schemeClr val="accent1"/>
-          </a:fillRef>
-          <a:effectRef idx="0">
-            <a:schemeClr val="accent1"/>
-          </a:effectRef>
-          <a:fontRef idx="minor">
-            <a:schemeClr val="lt1"/>
-          </a:fontRef>
-        </p:style>
-        <p:txBody>
-          <a:bodyPr rtlCol="0" anchor="ctr"/>
-          <a:lstStyle/>
-          <a:p>
-            <a:pPr algn="ctr"/>
-            <a:endParaRPr lang="en-US"/>
-          </a:p>
-        </p:txBody>
-      </p:sp>
-      <p:sp>
-        <p:nvSpPr>
-          <p:cNvPr id="17" name="Title 1"/>
-          <p:cNvSpPr txBox="1">
-            <a:spLocks/>
-          </p:cNvSpPr>
-          <p:nvPr/>
-        </p:nvSpPr>
-        <p:spPr>
-          <a:xfrm>
-            <a:off x="4532436" y="5600862"/>
-            <a:ext cx="3979607" cy="816644"/>
-          </a:xfrm>
-          <a:prstGeom prst="rect">
-            <a:avLst/>
-          </a:prstGeom>
-        </p:spPr>
-        <p:txBody>
-          <a:bodyPr/>
-          <a:lstStyle>
-            <a:lvl1pPr algn="l" defTabSz="914400" rtl="0" eaLnBrk="1" latinLnBrk="0" hangingPunct="1">
-              <a:lnSpc>
-                <a:spcPct val="90000"/>
-              </a:lnSpc>
-              <a:spcBef>
-                <a:spcPct val="0"/>
-              </a:spcBef>
-              <a:buNone/>
-              <a:defRPr sz="3200" b="1" kern="1200">
-                <a:solidFill>
-                  <a:srgbClr val="019DD0"/>
-                </a:solidFill>
-                <a:latin typeface="Arial" panose="020B0604020202020204" pitchFamily="34" charset="0"/>
-                <a:ea typeface="+mj-ea"/>
-                <a:cs typeface="Arial" panose="020B0604020202020204" pitchFamily="34" charset="0"/>
-              </a:defRPr>
-            </a:lvl1pPr>
-          </a:lstStyle>
-          <a:p>
-            <a:pPr>
-              <a:lnSpc>
-                <a:spcPct val="100000"/>
-              </a:lnSpc>
-            </a:pPr>
-            <a:r>
-              <a:rPr lang="en-US" sz="2000" b="0" dirty="0" smtClean="0">
-                <a:solidFill>
-                  <a:schemeClr val="tx1">
-                    <a:lumMod val="95000"/>
-                    <a:lumOff val="5000"/>
-                  </a:schemeClr>
-                </a:solidFill>
-                <a:ea typeface="Roboto Condensed" pitchFamily="2" charset="0"/>
-              </a:rPr>
-              <a:t>Nhấn nút B để tắt đèn và âm thanh</a:t>
-            </a:r>
-            <a:endParaRPr lang="en-US" sz="2000" dirty="0" smtClean="0">
-              <a:solidFill>
-                <a:schemeClr val="tx1">
-                  <a:lumMod val="95000"/>
-                  <a:lumOff val="5000"/>
-                </a:schemeClr>
-              </a:solidFill>
-              <a:ea typeface="Roboto Condensed" pitchFamily="2" charset="0"/>
-            </a:endParaRPr>
-          </a:p>
-        </p:txBody>
-      </p:sp>
-    </p:spTree>
-    <p:extLst>
-      <p:ext uri="{BB962C8B-B14F-4D97-AF65-F5344CB8AC3E}">
-        <p14:creationId xmlns:p14="http://schemas.microsoft.com/office/powerpoint/2010/main" val="785694606"/>
-      </p:ext>
-    </p:extLst>
-  </p:cSld>
-  <p:clrMapOvr>
-    <a:masterClrMapping/>
-  </p:clrMapOvr>
-</p:sld>
-</file>
-
-<file path=ppt/slides/slide16.xml><?xml version="1.0" encoding="utf-8"?>
-<p:sld xmlns:a="http://schemas.openxmlformats.org/drawingml/2006/main" xmlns:r="http://schemas.openxmlformats.org/officeDocument/2006/relationships" xmlns:p="http://schemas.openxmlformats.org/presentationml/2006/main">
-  <p:cSld>
-    <p:spTree>
-      <p:nvGrpSpPr>
-        <p:cNvPr id="1" name=""/>
-        <p:cNvGrpSpPr/>
-        <p:nvPr/>
-      </p:nvGrpSpPr>
-      <p:grpSpPr>
-        <a:xfrm>
-          <a:off x="0" y="0"/>
-          <a:ext cx="0" cy="0"/>
-          <a:chOff x="0" y="0"/>
-          <a:chExt cx="0" cy="0"/>
-        </a:xfrm>
-      </p:grpSpPr>
-      <p:sp>
-        <p:nvSpPr>
-          <p:cNvPr id="2" name="Slide Number Placeholder 1"/>
-          <p:cNvSpPr>
-            <a:spLocks noGrp="1"/>
-          </p:cNvSpPr>
-          <p:nvPr>
-            <p:ph type="sldNum" sz="quarter" idx="12"/>
-          </p:nvPr>
-        </p:nvSpPr>
-        <p:spPr/>
-        <p:txBody>
-          <a:bodyPr/>
-          <a:lstStyle/>
-          <a:p>
-            <a:fld id="{7D9EC917-02A2-4152-9EE3-DFE2775A77C7}" type="slidenum">
-              <a:rPr lang="en-US" smtClean="0"/>
-              <a:pPr/>
-              <a:t>16</a:t>
             </a:fld>
             <a:endParaRPr lang="en-US"/>
           </a:p>
